--- a/week07/day04/demo/ppt-w07.pptx
+++ b/week07/day04/demo/ppt-w07.pptx
@@ -2,18 +2,26 @@
 <file path=ppt/presentation.xml><?xml version="1.0" encoding="utf-8"?>
 <p:presentation xmlns:a="http://schemas.openxmlformats.org/drawingml/2006/main" xmlns:r="http://schemas.openxmlformats.org/officeDocument/2006/relationships" xmlns:p="http://schemas.openxmlformats.org/presentationml/2006/main" saveSubsetFonts="1">
   <p:sldMasterIdLst>
-    <p:sldMasterId id="2147483648" r:id="rId1"/>
+    <p:sldMasterId id="2147483684" r:id="rId1"/>
   </p:sldMasterIdLst>
+  <p:notesMasterIdLst>
+    <p:notesMasterId r:id="rId8"/>
+  </p:notesMasterIdLst>
   <p:sldIdLst>
     <p:sldId id="256" r:id="rId2"/>
+    <p:sldId id="257" r:id="rId3"/>
+    <p:sldId id="258" r:id="rId4"/>
+    <p:sldId id="259" r:id="rId5"/>
+    <p:sldId id="260" r:id="rId6"/>
+    <p:sldId id="261" r:id="rId7"/>
   </p:sldIdLst>
-  <p:sldSz cx="12192000" cy="6858000"/>
+  <p:sldSz cx="9144000" cy="6858000" type="screen4x3"/>
   <p:notesSz cx="6858000" cy="9144000"/>
   <p:defaultTextStyle>
     <a:defPPr>
       <a:defRPr lang="en-US"/>
     </a:defPPr>
-    <a:lvl1pPr marL="0" algn="l" defTabSz="914400" rtl="0" eaLnBrk="1" latinLnBrk="0" hangingPunct="1">
+    <a:lvl1pPr marL="0" algn="l" defTabSz="457200" rtl="0" eaLnBrk="1" latinLnBrk="0" hangingPunct="1">
       <a:defRPr sz="1800" kern="1200">
         <a:solidFill>
           <a:schemeClr val="tx1"/>
@@ -23,7 +31,7 @@
         <a:cs typeface="+mn-cs"/>
       </a:defRPr>
     </a:lvl1pPr>
-    <a:lvl2pPr marL="457200" algn="l" defTabSz="914400" rtl="0" eaLnBrk="1" latinLnBrk="0" hangingPunct="1">
+    <a:lvl2pPr marL="457200" algn="l" defTabSz="457200" rtl="0" eaLnBrk="1" latinLnBrk="0" hangingPunct="1">
       <a:defRPr sz="1800" kern="1200">
         <a:solidFill>
           <a:schemeClr val="tx1"/>
@@ -33,7 +41,7 @@
         <a:cs typeface="+mn-cs"/>
       </a:defRPr>
     </a:lvl2pPr>
-    <a:lvl3pPr marL="914400" algn="l" defTabSz="914400" rtl="0" eaLnBrk="1" latinLnBrk="0" hangingPunct="1">
+    <a:lvl3pPr marL="914400" algn="l" defTabSz="457200" rtl="0" eaLnBrk="1" latinLnBrk="0" hangingPunct="1">
       <a:defRPr sz="1800" kern="1200">
         <a:solidFill>
           <a:schemeClr val="tx1"/>
@@ -43,7 +51,7 @@
         <a:cs typeface="+mn-cs"/>
       </a:defRPr>
     </a:lvl3pPr>
-    <a:lvl4pPr marL="1371600" algn="l" defTabSz="914400" rtl="0" eaLnBrk="1" latinLnBrk="0" hangingPunct="1">
+    <a:lvl4pPr marL="1371600" algn="l" defTabSz="457200" rtl="0" eaLnBrk="1" latinLnBrk="0" hangingPunct="1">
       <a:defRPr sz="1800" kern="1200">
         <a:solidFill>
           <a:schemeClr val="tx1"/>
@@ -53,7 +61,7 @@
         <a:cs typeface="+mn-cs"/>
       </a:defRPr>
     </a:lvl4pPr>
-    <a:lvl5pPr marL="1828800" algn="l" defTabSz="914400" rtl="0" eaLnBrk="1" latinLnBrk="0" hangingPunct="1">
+    <a:lvl5pPr marL="1828800" algn="l" defTabSz="457200" rtl="0" eaLnBrk="1" latinLnBrk="0" hangingPunct="1">
       <a:defRPr sz="1800" kern="1200">
         <a:solidFill>
           <a:schemeClr val="tx1"/>
@@ -63,7 +71,7 @@
         <a:cs typeface="+mn-cs"/>
       </a:defRPr>
     </a:lvl5pPr>
-    <a:lvl6pPr marL="2286000" algn="l" defTabSz="914400" rtl="0" eaLnBrk="1" latinLnBrk="0" hangingPunct="1">
+    <a:lvl6pPr marL="2286000" algn="l" defTabSz="457200" rtl="0" eaLnBrk="1" latinLnBrk="0" hangingPunct="1">
       <a:defRPr sz="1800" kern="1200">
         <a:solidFill>
           <a:schemeClr val="tx1"/>
@@ -73,7 +81,7 @@
         <a:cs typeface="+mn-cs"/>
       </a:defRPr>
     </a:lvl6pPr>
-    <a:lvl7pPr marL="2743200" algn="l" defTabSz="914400" rtl="0" eaLnBrk="1" latinLnBrk="0" hangingPunct="1">
+    <a:lvl7pPr marL="2743200" algn="l" defTabSz="457200" rtl="0" eaLnBrk="1" latinLnBrk="0" hangingPunct="1">
       <a:defRPr sz="1800" kern="1200">
         <a:solidFill>
           <a:schemeClr val="tx1"/>
@@ -83,7 +91,7 @@
         <a:cs typeface="+mn-cs"/>
       </a:defRPr>
     </a:lvl7pPr>
-    <a:lvl8pPr marL="3200400" algn="l" defTabSz="914400" rtl="0" eaLnBrk="1" latinLnBrk="0" hangingPunct="1">
+    <a:lvl8pPr marL="3200400" algn="l" defTabSz="457200" rtl="0" eaLnBrk="1" latinLnBrk="0" hangingPunct="1">
       <a:defRPr sz="1800" kern="1200">
         <a:solidFill>
           <a:schemeClr val="tx1"/>
@@ -93,7 +101,7 @@
         <a:cs typeface="+mn-cs"/>
       </a:defRPr>
     </a:lvl8pPr>
-    <a:lvl9pPr marL="3657600" algn="l" defTabSz="914400" rtl="0" eaLnBrk="1" latinLnBrk="0" hangingPunct="1">
+    <a:lvl9pPr marL="3657600" algn="l" defTabSz="457200" rtl="0" eaLnBrk="1" latinLnBrk="0" hangingPunct="1">
       <a:defRPr sz="1800" kern="1200">
         <a:solidFill>
           <a:schemeClr val="tx1"/>
@@ -107,12 +115,358 @@
 </p:presentation>
 </file>
 
-<file path=ppt/revisionInfo.xml><?xml version="1.0" encoding="utf-8"?>
-<p1510:revInfo xmlns:a="http://schemas.openxmlformats.org/drawingml/2006/main" xmlns:r="http://schemas.openxmlformats.org/officeDocument/2006/relationships" xmlns:p1510="http://schemas.microsoft.com/office/powerpoint/2015/10/main"/>
+<file path=ppt/notesMasters/notesMaster1.xml><?xml version="1.0" encoding="utf-8"?>
+<p:notesMaster xmlns:a="http://schemas.openxmlformats.org/drawingml/2006/main" xmlns:r="http://schemas.openxmlformats.org/officeDocument/2006/relationships" xmlns:p="http://schemas.openxmlformats.org/presentationml/2006/main">
+  <p:cSld>
+    <p:bg>
+      <p:bgRef idx="1001">
+        <a:schemeClr val="bg1"/>
+      </p:bgRef>
+    </p:bg>
+    <p:spTree>
+      <p:nvGrpSpPr>
+        <p:cNvPr id="1" name=""/>
+        <p:cNvGrpSpPr/>
+        <p:nvPr/>
+      </p:nvGrpSpPr>
+      <p:grpSpPr>
+        <a:xfrm>
+          <a:off x="0" y="0"/>
+          <a:ext cx="0" cy="0"/>
+          <a:chOff x="0" y="0"/>
+          <a:chExt cx="0" cy="0"/>
+        </a:xfrm>
+      </p:grpSpPr>
+      <p:sp>
+        <p:nvSpPr>
+          <p:cNvPr id="2" name="Élőfej helye 1"/>
+          <p:cNvSpPr>
+            <a:spLocks noGrp="1"/>
+          </p:cNvSpPr>
+          <p:nvPr>
+            <p:ph type="hdr" sz="quarter"/>
+          </p:nvPr>
+        </p:nvSpPr>
+        <p:spPr>
+          <a:xfrm>
+            <a:off x="0" y="0"/>
+            <a:ext cx="2971800" cy="458788"/>
+          </a:xfrm>
+          <a:prstGeom prst="rect">
+            <a:avLst/>
+          </a:prstGeom>
+        </p:spPr>
+        <p:txBody>
+          <a:bodyPr vert="horz" lIns="91440" tIns="45720" rIns="91440" bIns="45720" rtlCol="0"/>
+          <a:lstStyle>
+            <a:lvl1pPr algn="l">
+              <a:defRPr sz="1200"/>
+            </a:lvl1pPr>
+          </a:lstStyle>
+          <a:p>
+            <a:endParaRPr lang="en-GB"/>
+          </a:p>
+        </p:txBody>
+      </p:sp>
+      <p:sp>
+        <p:nvSpPr>
+          <p:cNvPr id="3" name="Dátum helye 2"/>
+          <p:cNvSpPr>
+            <a:spLocks noGrp="1"/>
+          </p:cNvSpPr>
+          <p:nvPr>
+            <p:ph type="dt" idx="1"/>
+          </p:nvPr>
+        </p:nvSpPr>
+        <p:spPr>
+          <a:xfrm>
+            <a:off x="3884613" y="0"/>
+            <a:ext cx="2971800" cy="458788"/>
+          </a:xfrm>
+          <a:prstGeom prst="rect">
+            <a:avLst/>
+          </a:prstGeom>
+        </p:spPr>
+        <p:txBody>
+          <a:bodyPr vert="horz" lIns="91440" tIns="45720" rIns="91440" bIns="45720" rtlCol="0"/>
+          <a:lstStyle>
+            <a:lvl1pPr algn="r">
+              <a:defRPr sz="1200"/>
+            </a:lvl1pPr>
+          </a:lstStyle>
+          <a:p>
+            <a:fld id="{D4F5BCDC-EC29-4ACB-B15A-B0FCF388B2A5}" type="datetimeFigureOut">
+              <a:rPr lang="en-GB" smtClean="0"/>
+              <a:t>27/10/2017</a:t>
+            </a:fld>
+            <a:endParaRPr lang="en-GB"/>
+          </a:p>
+        </p:txBody>
+      </p:sp>
+      <p:sp>
+        <p:nvSpPr>
+          <p:cNvPr id="4" name="Diakép helye 3"/>
+          <p:cNvSpPr>
+            <a:spLocks noGrp="1" noRot="1" noChangeAspect="1"/>
+          </p:cNvSpPr>
+          <p:nvPr>
+            <p:ph type="sldImg" idx="2"/>
+          </p:nvPr>
+        </p:nvSpPr>
+        <p:spPr>
+          <a:xfrm>
+            <a:off x="1371600" y="1143000"/>
+            <a:ext cx="4114800" cy="3086100"/>
+          </a:xfrm>
+          <a:prstGeom prst="rect">
+            <a:avLst/>
+          </a:prstGeom>
+          <a:noFill/>
+          <a:ln w="12700">
+            <a:solidFill>
+              <a:prstClr val="black"/>
+            </a:solidFill>
+          </a:ln>
+        </p:spPr>
+        <p:txBody>
+          <a:bodyPr vert="horz" lIns="91440" tIns="45720" rIns="91440" bIns="45720" rtlCol="0" anchor="ctr"/>
+          <a:lstStyle/>
+          <a:p>
+            <a:endParaRPr lang="en-GB"/>
+          </a:p>
+        </p:txBody>
+      </p:sp>
+      <p:sp>
+        <p:nvSpPr>
+          <p:cNvPr id="5" name="Jegyzetek helye 4"/>
+          <p:cNvSpPr>
+            <a:spLocks noGrp="1"/>
+          </p:cNvSpPr>
+          <p:nvPr>
+            <p:ph type="body" sz="quarter" idx="3"/>
+          </p:nvPr>
+        </p:nvSpPr>
+        <p:spPr>
+          <a:xfrm>
+            <a:off x="685800" y="4400550"/>
+            <a:ext cx="5486400" cy="3600450"/>
+          </a:xfrm>
+          <a:prstGeom prst="rect">
+            <a:avLst/>
+          </a:prstGeom>
+        </p:spPr>
+        <p:txBody>
+          <a:bodyPr vert="horz" lIns="91440" tIns="45720" rIns="91440" bIns="45720" rtlCol="0"/>
+          <a:lstStyle/>
+          <a:p>
+            <a:pPr lvl="0"/>
+            <a:r>
+              <a:rPr lang="hu-HU"/>
+              <a:t>Mintaszöveg szerkesztése</a:t>
+            </a:r>
+          </a:p>
+          <a:p>
+            <a:pPr lvl="1"/>
+            <a:r>
+              <a:rPr lang="hu-HU"/>
+              <a:t>Második szint</a:t>
+            </a:r>
+          </a:p>
+          <a:p>
+            <a:pPr lvl="2"/>
+            <a:r>
+              <a:rPr lang="hu-HU"/>
+              <a:t>Harmadik szint</a:t>
+            </a:r>
+          </a:p>
+          <a:p>
+            <a:pPr lvl="3"/>
+            <a:r>
+              <a:rPr lang="hu-HU"/>
+              <a:t>Negyedik szint</a:t>
+            </a:r>
+          </a:p>
+          <a:p>
+            <a:pPr lvl="4"/>
+            <a:r>
+              <a:rPr lang="hu-HU"/>
+              <a:t>Ötödik szint</a:t>
+            </a:r>
+            <a:endParaRPr lang="en-GB"/>
+          </a:p>
+        </p:txBody>
+      </p:sp>
+      <p:sp>
+        <p:nvSpPr>
+          <p:cNvPr id="6" name="Élőláb helye 5"/>
+          <p:cNvSpPr>
+            <a:spLocks noGrp="1"/>
+          </p:cNvSpPr>
+          <p:nvPr>
+            <p:ph type="ftr" sz="quarter" idx="4"/>
+          </p:nvPr>
+        </p:nvSpPr>
+        <p:spPr>
+          <a:xfrm>
+            <a:off x="0" y="8685213"/>
+            <a:ext cx="2971800" cy="458787"/>
+          </a:xfrm>
+          <a:prstGeom prst="rect">
+            <a:avLst/>
+          </a:prstGeom>
+        </p:spPr>
+        <p:txBody>
+          <a:bodyPr vert="horz" lIns="91440" tIns="45720" rIns="91440" bIns="45720" rtlCol="0" anchor="b"/>
+          <a:lstStyle>
+            <a:lvl1pPr algn="l">
+              <a:defRPr sz="1200"/>
+            </a:lvl1pPr>
+          </a:lstStyle>
+          <a:p>
+            <a:endParaRPr lang="en-GB"/>
+          </a:p>
+        </p:txBody>
+      </p:sp>
+      <p:sp>
+        <p:nvSpPr>
+          <p:cNvPr id="7" name="Dia számának helye 6"/>
+          <p:cNvSpPr>
+            <a:spLocks noGrp="1"/>
+          </p:cNvSpPr>
+          <p:nvPr>
+            <p:ph type="sldNum" sz="quarter" idx="5"/>
+          </p:nvPr>
+        </p:nvSpPr>
+        <p:spPr>
+          <a:xfrm>
+            <a:off x="3884613" y="8685213"/>
+            <a:ext cx="2971800" cy="458787"/>
+          </a:xfrm>
+          <a:prstGeom prst="rect">
+            <a:avLst/>
+          </a:prstGeom>
+        </p:spPr>
+        <p:txBody>
+          <a:bodyPr vert="horz" lIns="91440" tIns="45720" rIns="91440" bIns="45720" rtlCol="0" anchor="b"/>
+          <a:lstStyle>
+            <a:lvl1pPr algn="r">
+              <a:defRPr sz="1200"/>
+            </a:lvl1pPr>
+          </a:lstStyle>
+          <a:p>
+            <a:fld id="{D094B751-7F55-41EA-AFD3-5B1D8BF6133F}" type="slidenum">
+              <a:rPr lang="en-GB" smtClean="0"/>
+              <a:t>‹#›</a:t>
+            </a:fld>
+            <a:endParaRPr lang="en-GB"/>
+          </a:p>
+        </p:txBody>
+      </p:sp>
+    </p:spTree>
+    <p:extLst>
+      <p:ext uri="{BB962C8B-B14F-4D97-AF65-F5344CB8AC3E}">
+        <p14:creationId xmlns:p14="http://schemas.microsoft.com/office/powerpoint/2010/main" val="1938663788"/>
+      </p:ext>
+    </p:extLst>
+  </p:cSld>
+  <p:clrMap bg1="lt1" tx1="dk1" bg2="lt2" tx2="dk2" accent1="accent1" accent2="accent2" accent3="accent3" accent4="accent4" accent5="accent5" accent6="accent6" hlink="hlink" folHlink="folHlink"/>
+  <p:notesStyle>
+    <a:lvl1pPr marL="0" algn="l" defTabSz="914400" rtl="0" eaLnBrk="1" latinLnBrk="0" hangingPunct="1">
+      <a:defRPr sz="1200" kern="1200">
+        <a:solidFill>
+          <a:schemeClr val="tx1"/>
+        </a:solidFill>
+        <a:latin typeface="+mn-lt"/>
+        <a:ea typeface="+mn-ea"/>
+        <a:cs typeface="+mn-cs"/>
+      </a:defRPr>
+    </a:lvl1pPr>
+    <a:lvl2pPr marL="457200" algn="l" defTabSz="914400" rtl="0" eaLnBrk="1" latinLnBrk="0" hangingPunct="1">
+      <a:defRPr sz="1200" kern="1200">
+        <a:solidFill>
+          <a:schemeClr val="tx1"/>
+        </a:solidFill>
+        <a:latin typeface="+mn-lt"/>
+        <a:ea typeface="+mn-ea"/>
+        <a:cs typeface="+mn-cs"/>
+      </a:defRPr>
+    </a:lvl2pPr>
+    <a:lvl3pPr marL="914400" algn="l" defTabSz="914400" rtl="0" eaLnBrk="1" latinLnBrk="0" hangingPunct="1">
+      <a:defRPr sz="1200" kern="1200">
+        <a:solidFill>
+          <a:schemeClr val="tx1"/>
+        </a:solidFill>
+        <a:latin typeface="+mn-lt"/>
+        <a:ea typeface="+mn-ea"/>
+        <a:cs typeface="+mn-cs"/>
+      </a:defRPr>
+    </a:lvl3pPr>
+    <a:lvl4pPr marL="1371600" algn="l" defTabSz="914400" rtl="0" eaLnBrk="1" latinLnBrk="0" hangingPunct="1">
+      <a:defRPr sz="1200" kern="1200">
+        <a:solidFill>
+          <a:schemeClr val="tx1"/>
+        </a:solidFill>
+        <a:latin typeface="+mn-lt"/>
+        <a:ea typeface="+mn-ea"/>
+        <a:cs typeface="+mn-cs"/>
+      </a:defRPr>
+    </a:lvl4pPr>
+    <a:lvl5pPr marL="1828800" algn="l" defTabSz="914400" rtl="0" eaLnBrk="1" latinLnBrk="0" hangingPunct="1">
+      <a:defRPr sz="1200" kern="1200">
+        <a:solidFill>
+          <a:schemeClr val="tx1"/>
+        </a:solidFill>
+        <a:latin typeface="+mn-lt"/>
+        <a:ea typeface="+mn-ea"/>
+        <a:cs typeface="+mn-cs"/>
+      </a:defRPr>
+    </a:lvl5pPr>
+    <a:lvl6pPr marL="2286000" algn="l" defTabSz="914400" rtl="0" eaLnBrk="1" latinLnBrk="0" hangingPunct="1">
+      <a:defRPr sz="1200" kern="1200">
+        <a:solidFill>
+          <a:schemeClr val="tx1"/>
+        </a:solidFill>
+        <a:latin typeface="+mn-lt"/>
+        <a:ea typeface="+mn-ea"/>
+        <a:cs typeface="+mn-cs"/>
+      </a:defRPr>
+    </a:lvl6pPr>
+    <a:lvl7pPr marL="2743200" algn="l" defTabSz="914400" rtl="0" eaLnBrk="1" latinLnBrk="0" hangingPunct="1">
+      <a:defRPr sz="1200" kern="1200">
+        <a:solidFill>
+          <a:schemeClr val="tx1"/>
+        </a:solidFill>
+        <a:latin typeface="+mn-lt"/>
+        <a:ea typeface="+mn-ea"/>
+        <a:cs typeface="+mn-cs"/>
+      </a:defRPr>
+    </a:lvl7pPr>
+    <a:lvl8pPr marL="3200400" algn="l" defTabSz="914400" rtl="0" eaLnBrk="1" latinLnBrk="0" hangingPunct="1">
+      <a:defRPr sz="1200" kern="1200">
+        <a:solidFill>
+          <a:schemeClr val="tx1"/>
+        </a:solidFill>
+        <a:latin typeface="+mn-lt"/>
+        <a:ea typeface="+mn-ea"/>
+        <a:cs typeface="+mn-cs"/>
+      </a:defRPr>
+    </a:lvl8pPr>
+    <a:lvl9pPr marL="3657600" algn="l" defTabSz="914400" rtl="0" eaLnBrk="1" latinLnBrk="0" hangingPunct="1">
+      <a:defRPr sz="1200" kern="1200">
+        <a:solidFill>
+          <a:schemeClr val="tx1"/>
+        </a:solidFill>
+        <a:latin typeface="+mn-lt"/>
+        <a:ea typeface="+mn-ea"/>
+        <a:cs typeface="+mn-cs"/>
+      </a:defRPr>
+    </a:lvl9pPr>
+  </p:notesStyle>
+</p:notesMaster>
 </file>
 
 <file path=ppt/slideLayouts/slideLayout1.xml><?xml version="1.0" encoding="utf-8"?>
-<p:sldLayout xmlns:a="http://schemas.openxmlformats.org/drawingml/2006/main" xmlns:r="http://schemas.openxmlformats.org/officeDocument/2006/relationships" xmlns:p="http://schemas.openxmlformats.org/presentationml/2006/main" type="title" preserve="1">
+<p:sldLayout xmlns:a="http://schemas.openxmlformats.org/drawingml/2006/main" xmlns:r="http://schemas.openxmlformats.org/officeDocument/2006/relationships" xmlns:p="http://schemas.openxmlformats.org/presentationml/2006/main" showMasterSp="0" type="title" preserve="1">
   <p:cSld name="Címdia">
     <p:spTree>
       <p:nvGrpSpPr>
@@ -130,31 +484,113 @@
       </p:grpSpPr>
       <p:sp>
         <p:nvSpPr>
-          <p:cNvPr id="2" name="Cím 1">
-            <a:extLst>
-              <a:ext uri="{FF2B5EF4-FFF2-40B4-BE49-F238E27FC236}">
-                <a16:creationId xmlns:a16="http://schemas.microsoft.com/office/drawing/2014/main" id="{CC322BC8-D049-4BD6-8D9F-20B9B0A86DA7}"/>
-              </a:ext>
-            </a:extLst>
-          </p:cNvPr>
-          <p:cNvSpPr>
-            <a:spLocks noGrp="1"/>
-          </p:cNvSpPr>
-          <p:nvPr>
-            <p:ph type="ctrTitle"/>
-          </p:nvPr>
+          <p:cNvPr id="7" name="Rectangle 6"/>
+          <p:cNvSpPr/>
+          <p:nvPr/>
         </p:nvSpPr>
         <p:spPr>
           <a:xfrm>
-            <a:off x="1524000" y="1122363"/>
-            <a:ext cx="9144000" cy="2387600"/>
+            <a:off x="2382" y="6400800"/>
+            <a:ext cx="9141619" cy="457200"/>
+          </a:xfrm>
+          <a:prstGeom prst="rect">
+            <a:avLst/>
+          </a:prstGeom>
+          <a:solidFill>
+            <a:schemeClr val="accent2"/>
+          </a:solidFill>
+          <a:ln>
+            <a:noFill/>
+          </a:ln>
+        </p:spPr>
+        <p:style>
+          <a:lnRef idx="2">
+            <a:schemeClr val="accent1">
+              <a:shade val="50000"/>
+            </a:schemeClr>
+          </a:lnRef>
+          <a:fillRef idx="1">
+            <a:schemeClr val="accent1"/>
+          </a:fillRef>
+          <a:effectRef idx="0">
+            <a:schemeClr val="accent1"/>
+          </a:effectRef>
+          <a:fontRef idx="minor">
+            <a:schemeClr val="lt1"/>
+          </a:fontRef>
+        </p:style>
+      </p:sp>
+      <p:sp>
+        <p:nvSpPr>
+          <p:cNvPr id="8" name="Rectangle 7"/>
+          <p:cNvSpPr/>
+          <p:nvPr/>
+        </p:nvSpPr>
+        <p:spPr>
+          <a:xfrm>
+            <a:off x="12" y="6334316"/>
+            <a:ext cx="9141619" cy="64008"/>
+          </a:xfrm>
+          <a:prstGeom prst="rect">
+            <a:avLst/>
+          </a:prstGeom>
+          <a:solidFill>
+            <a:schemeClr val="accent1"/>
+          </a:solidFill>
+          <a:ln>
+            <a:noFill/>
+          </a:ln>
+        </p:spPr>
+        <p:style>
+          <a:lnRef idx="2">
+            <a:schemeClr val="accent1">
+              <a:shade val="50000"/>
+            </a:schemeClr>
+          </a:lnRef>
+          <a:fillRef idx="1">
+            <a:schemeClr val="accent1"/>
+          </a:fillRef>
+          <a:effectRef idx="0">
+            <a:schemeClr val="accent1"/>
+          </a:effectRef>
+          <a:fontRef idx="minor">
+            <a:schemeClr val="lt1"/>
+          </a:fontRef>
+        </p:style>
+      </p:sp>
+      <p:sp>
+        <p:nvSpPr>
+          <p:cNvPr id="2" name="Title 1"/>
+          <p:cNvSpPr>
+            <a:spLocks noGrp="1"/>
+          </p:cNvSpPr>
+          <p:nvPr>
+            <p:ph type="ctrTitle"/>
+          </p:nvPr>
+        </p:nvSpPr>
+        <p:spPr>
+          <a:xfrm>
+            <a:off x="822960" y="758952"/>
+            <a:ext cx="7543800" cy="3566160"/>
           </a:xfrm>
         </p:spPr>
         <p:txBody>
-          <a:bodyPr anchor="b"/>
+          <a:bodyPr anchor="b">
+            <a:normAutofit/>
+          </a:bodyPr>
           <a:lstStyle>
-            <a:lvl1pPr algn="ctr">
-              <a:defRPr sz="6000"/>
+            <a:lvl1pPr algn="l">
+              <a:lnSpc>
+                <a:spcPct val="85000"/>
+              </a:lnSpc>
+              <a:defRPr sz="8000" spc="-50" baseline="0">
+                <a:solidFill>
+                  <a:schemeClr val="tx1">
+                    <a:lumMod val="85000"/>
+                    <a:lumOff val="15000"/>
+                  </a:schemeClr>
+                </a:solidFill>
+              </a:defRPr>
             </a:lvl1pPr>
           </a:lstStyle>
           <a:p>
@@ -162,19 +598,13 @@
               <a:rPr lang="hu-HU"/>
               <a:t>Mintacím szerkesztése</a:t>
             </a:r>
-            <a:endParaRPr lang="en-GB"/>
-          </a:p>
-        </p:txBody>
-      </p:sp>
-      <p:sp>
-        <p:nvSpPr>
-          <p:cNvPr id="3" name="Alcím 2">
-            <a:extLst>
-              <a:ext uri="{FF2B5EF4-FFF2-40B4-BE49-F238E27FC236}">
-                <a16:creationId xmlns:a16="http://schemas.microsoft.com/office/drawing/2014/main" id="{0287B815-9BC1-4EAA-BBB8-0B02613A5302}"/>
-              </a:ext>
-            </a:extLst>
-          </p:cNvPr>
+            <a:endParaRPr lang="en-US" dirty="0"/>
+          </a:p>
+        </p:txBody>
+      </p:sp>
+      <p:sp>
+        <p:nvSpPr>
+          <p:cNvPr id="3" name="Subtitle 2"/>
           <p:cNvSpPr>
             <a:spLocks noGrp="1"/>
           </p:cNvSpPr>
@@ -184,48 +614,55 @@
         </p:nvSpPr>
         <p:spPr>
           <a:xfrm>
-            <a:off x="1524000" y="3602038"/>
-            <a:ext cx="9144000" cy="1655762"/>
+            <a:off x="825038" y="4455621"/>
+            <a:ext cx="7543800" cy="1143000"/>
           </a:xfrm>
         </p:spPr>
         <p:txBody>
-          <a:bodyPr/>
+          <a:bodyPr lIns="91440" rIns="91440">
+            <a:normAutofit/>
+          </a:bodyPr>
           <a:lstStyle>
-            <a:lvl1pPr marL="0" indent="0" algn="ctr">
-              <a:buNone/>
-              <a:defRPr sz="2400"/>
+            <a:lvl1pPr marL="0" indent="0" algn="l">
+              <a:buNone/>
+              <a:defRPr sz="2400" cap="all" spc="200" baseline="0">
+                <a:solidFill>
+                  <a:schemeClr val="tx2"/>
+                </a:solidFill>
+                <a:latin typeface="+mj-lt"/>
+              </a:defRPr>
             </a:lvl1pPr>
             <a:lvl2pPr marL="457200" indent="0" algn="ctr">
               <a:buNone/>
-              <a:defRPr sz="2000"/>
+              <a:defRPr sz="2400"/>
             </a:lvl2pPr>
             <a:lvl3pPr marL="914400" indent="0" algn="ctr">
               <a:buNone/>
-              <a:defRPr sz="1800"/>
+              <a:defRPr sz="2400"/>
             </a:lvl3pPr>
             <a:lvl4pPr marL="1371600" indent="0" algn="ctr">
               <a:buNone/>
-              <a:defRPr sz="1600"/>
+              <a:defRPr sz="2000"/>
             </a:lvl4pPr>
             <a:lvl5pPr marL="1828800" indent="0" algn="ctr">
               <a:buNone/>
-              <a:defRPr sz="1600"/>
+              <a:defRPr sz="2000"/>
             </a:lvl5pPr>
             <a:lvl6pPr marL="2286000" indent="0" algn="ctr">
               <a:buNone/>
-              <a:defRPr sz="1600"/>
+              <a:defRPr sz="2000"/>
             </a:lvl6pPr>
             <a:lvl7pPr marL="2743200" indent="0" algn="ctr">
               <a:buNone/>
-              <a:defRPr sz="1600"/>
+              <a:defRPr sz="2000"/>
             </a:lvl7pPr>
             <a:lvl8pPr marL="3200400" indent="0" algn="ctr">
               <a:buNone/>
-              <a:defRPr sz="1600"/>
+              <a:defRPr sz="2000"/>
             </a:lvl8pPr>
             <a:lvl9pPr marL="3657600" indent="0" algn="ctr">
               <a:buNone/>
-              <a:defRPr sz="1600"/>
+              <a:defRPr sz="2000"/>
             </a:lvl9pPr>
           </a:lstStyle>
           <a:p>
@@ -233,19 +670,13 @@
               <a:rPr lang="hu-HU"/>
               <a:t>Kattintson ide az alcím mintájának szerkesztéséhez</a:t>
             </a:r>
-            <a:endParaRPr lang="en-GB"/>
-          </a:p>
-        </p:txBody>
-      </p:sp>
-      <p:sp>
-        <p:nvSpPr>
-          <p:cNvPr id="4" name="Dátum helye 3">
-            <a:extLst>
-              <a:ext uri="{FF2B5EF4-FFF2-40B4-BE49-F238E27FC236}">
-                <a16:creationId xmlns:a16="http://schemas.microsoft.com/office/drawing/2014/main" id="{239DBA55-83B0-4BDD-8607-C4048C4B76DB}"/>
-              </a:ext>
-            </a:extLst>
-          </p:cNvPr>
+            <a:endParaRPr lang="en-US" dirty="0"/>
+          </a:p>
+        </p:txBody>
+      </p:sp>
+      <p:sp>
+        <p:nvSpPr>
+          <p:cNvPr id="4" name="Date Placeholder 3"/>
           <p:cNvSpPr>
             <a:spLocks noGrp="1"/>
           </p:cNvSpPr>
@@ -258,23 +689,16 @@
           <a:bodyPr/>
           <a:lstStyle/>
           <a:p>
-            <a:fld id="{A00BCB4F-31B8-47ED-9CD7-1B4D0F1274C2}" type="datetimeFigureOut">
-              <a:rPr lang="en-GB" smtClean="0"/>
+            <a:r>
+              <a:rPr lang="en-GB"/>
               <a:t>27/10/2017</a:t>
-            </a:fld>
-            <a:endParaRPr lang="en-GB"/>
-          </a:p>
-        </p:txBody>
-      </p:sp>
-      <p:sp>
-        <p:nvSpPr>
-          <p:cNvPr id="5" name="Élőláb helye 4">
-            <a:extLst>
-              <a:ext uri="{FF2B5EF4-FFF2-40B4-BE49-F238E27FC236}">
-                <a16:creationId xmlns:a16="http://schemas.microsoft.com/office/drawing/2014/main" id="{48886131-1FE5-46D0-944C-7B3527611ABD}"/>
-              </a:ext>
-            </a:extLst>
-          </p:cNvPr>
+            </a:r>
+          </a:p>
+        </p:txBody>
+      </p:sp>
+      <p:sp>
+        <p:nvSpPr>
+          <p:cNvPr id="5" name="Footer Placeholder 4"/>
           <p:cNvSpPr>
             <a:spLocks noGrp="1"/>
           </p:cNvSpPr>
@@ -287,19 +711,16 @@
           <a:bodyPr/>
           <a:lstStyle/>
           <a:p>
-            <a:endParaRPr lang="en-GB"/>
-          </a:p>
-        </p:txBody>
-      </p:sp>
-      <p:sp>
-        <p:nvSpPr>
-          <p:cNvPr id="6" name="Dia számának helye 5">
-            <a:extLst>
-              <a:ext uri="{FF2B5EF4-FFF2-40B4-BE49-F238E27FC236}">
-                <a16:creationId xmlns:a16="http://schemas.microsoft.com/office/drawing/2014/main" id="{3713B90D-374C-4F78-A96F-5C5F9F0E214D}"/>
-              </a:ext>
-            </a:extLst>
-          </p:cNvPr>
+            <a:r>
+              <a:rPr lang="en-GB"/>
+              <a:t>Boldizsár Kiss</a:t>
+            </a:r>
+          </a:p>
+        </p:txBody>
+      </p:sp>
+      <p:sp>
+        <p:nvSpPr>
+          <p:cNvPr id="6" name="Slide Number Placeholder 5"/>
           <p:cNvSpPr>
             <a:spLocks noGrp="1"/>
           </p:cNvSpPr>
@@ -320,10 +741,48 @@
           </a:p>
         </p:txBody>
       </p:sp>
+      <p:cxnSp>
+        <p:nvCxnSpPr>
+          <p:cNvPr id="9" name="Straight Connector 8"/>
+          <p:cNvCxnSpPr/>
+          <p:nvPr/>
+        </p:nvCxnSpPr>
+        <p:spPr>
+          <a:xfrm>
+            <a:off x="905744" y="4343400"/>
+            <a:ext cx="7406640" cy="0"/>
+          </a:xfrm>
+          <a:prstGeom prst="line">
+            <a:avLst/>
+          </a:prstGeom>
+          <a:ln w="6350">
+            <a:solidFill>
+              <a:schemeClr val="tx1">
+                <a:lumMod val="50000"/>
+                <a:lumOff val="50000"/>
+              </a:schemeClr>
+            </a:solidFill>
+          </a:ln>
+        </p:spPr>
+        <p:style>
+          <a:lnRef idx="1">
+            <a:schemeClr val="accent1"/>
+          </a:lnRef>
+          <a:fillRef idx="0">
+            <a:schemeClr val="accent1"/>
+          </a:fillRef>
+          <a:effectRef idx="0">
+            <a:schemeClr val="accent1"/>
+          </a:effectRef>
+          <a:fontRef idx="minor">
+            <a:schemeClr val="tx1"/>
+          </a:fontRef>
+        </p:style>
+      </p:cxnSp>
     </p:spTree>
     <p:extLst>
       <p:ext uri="{BB962C8B-B14F-4D97-AF65-F5344CB8AC3E}">
-        <p14:creationId xmlns:p14="http://schemas.microsoft.com/office/powerpoint/2010/main" val="807528144"/>
+        <p14:creationId xmlns:p14="http://schemas.microsoft.com/office/powerpoint/2010/main" val="326763704"/>
       </p:ext>
     </p:extLst>
   </p:cSld>
@@ -352,13 +811,7 @@
       </p:grpSpPr>
       <p:sp>
         <p:nvSpPr>
-          <p:cNvPr id="2" name="Cím 1">
-            <a:extLst>
-              <a:ext uri="{FF2B5EF4-FFF2-40B4-BE49-F238E27FC236}">
-                <a16:creationId xmlns:a16="http://schemas.microsoft.com/office/drawing/2014/main" id="{A586A550-948E-4909-B7E3-F82495CF0CD8}"/>
-              </a:ext>
-            </a:extLst>
-          </p:cNvPr>
+          <p:cNvPr id="2" name="Title 1"/>
           <p:cNvSpPr>
             <a:spLocks noGrp="1"/>
           </p:cNvSpPr>
@@ -375,19 +828,13 @@
               <a:rPr lang="hu-HU"/>
               <a:t>Mintacím szerkesztése</a:t>
             </a:r>
-            <a:endParaRPr lang="en-GB"/>
-          </a:p>
-        </p:txBody>
-      </p:sp>
-      <p:sp>
-        <p:nvSpPr>
-          <p:cNvPr id="3" name="Függőleges szöveg helye 2">
-            <a:extLst>
-              <a:ext uri="{FF2B5EF4-FFF2-40B4-BE49-F238E27FC236}">
-                <a16:creationId xmlns:a16="http://schemas.microsoft.com/office/drawing/2014/main" id="{D18638A6-D073-48C4-A86A-83B149D2D6D9}"/>
-              </a:ext>
-            </a:extLst>
-          </p:cNvPr>
+            <a:endParaRPr lang="en-US" dirty="0"/>
+          </a:p>
+        </p:txBody>
+      </p:sp>
+      <p:sp>
+        <p:nvSpPr>
+          <p:cNvPr id="3" name="Vertical Text Placeholder 2"/>
           <p:cNvSpPr>
             <a:spLocks noGrp="1"/>
           </p:cNvSpPr>
@@ -397,7 +844,7 @@
         </p:nvSpPr>
         <p:spPr/>
         <p:txBody>
-          <a:bodyPr vert="eaVert"/>
+          <a:bodyPr vert="eaVert" lIns="45720" tIns="0" rIns="45720" bIns="0"/>
           <a:lstStyle/>
           <a:p>
             <a:pPr lvl="0"/>
@@ -433,19 +880,13 @@
               <a:rPr lang="hu-HU"/>
               <a:t>Ötödik szint</a:t>
             </a:r>
-            <a:endParaRPr lang="en-GB"/>
-          </a:p>
-        </p:txBody>
-      </p:sp>
-      <p:sp>
-        <p:nvSpPr>
-          <p:cNvPr id="4" name="Dátum helye 3">
-            <a:extLst>
-              <a:ext uri="{FF2B5EF4-FFF2-40B4-BE49-F238E27FC236}">
-                <a16:creationId xmlns:a16="http://schemas.microsoft.com/office/drawing/2014/main" id="{A870176E-E7D9-4A5B-98AE-A0ED71BA2444}"/>
-              </a:ext>
-            </a:extLst>
-          </p:cNvPr>
+            <a:endParaRPr lang="en-US" dirty="0"/>
+          </a:p>
+        </p:txBody>
+      </p:sp>
+      <p:sp>
+        <p:nvSpPr>
+          <p:cNvPr id="4" name="Date Placeholder 3"/>
           <p:cNvSpPr>
             <a:spLocks noGrp="1"/>
           </p:cNvSpPr>
@@ -458,23 +899,16 @@
           <a:bodyPr/>
           <a:lstStyle/>
           <a:p>
-            <a:fld id="{A00BCB4F-31B8-47ED-9CD7-1B4D0F1274C2}" type="datetimeFigureOut">
-              <a:rPr lang="en-GB" smtClean="0"/>
+            <a:r>
+              <a:rPr lang="en-GB"/>
               <a:t>27/10/2017</a:t>
-            </a:fld>
-            <a:endParaRPr lang="en-GB"/>
-          </a:p>
-        </p:txBody>
-      </p:sp>
-      <p:sp>
-        <p:nvSpPr>
-          <p:cNvPr id="5" name="Élőláb helye 4">
-            <a:extLst>
-              <a:ext uri="{FF2B5EF4-FFF2-40B4-BE49-F238E27FC236}">
-                <a16:creationId xmlns:a16="http://schemas.microsoft.com/office/drawing/2014/main" id="{317A3B61-365B-44B9-93B2-B228C23B5F08}"/>
-              </a:ext>
-            </a:extLst>
-          </p:cNvPr>
+            </a:r>
+          </a:p>
+        </p:txBody>
+      </p:sp>
+      <p:sp>
+        <p:nvSpPr>
+          <p:cNvPr id="5" name="Footer Placeholder 4"/>
           <p:cNvSpPr>
             <a:spLocks noGrp="1"/>
           </p:cNvSpPr>
@@ -487,19 +921,16 @@
           <a:bodyPr/>
           <a:lstStyle/>
           <a:p>
-            <a:endParaRPr lang="en-GB"/>
-          </a:p>
-        </p:txBody>
-      </p:sp>
-      <p:sp>
-        <p:nvSpPr>
-          <p:cNvPr id="6" name="Dia számának helye 5">
-            <a:extLst>
-              <a:ext uri="{FF2B5EF4-FFF2-40B4-BE49-F238E27FC236}">
-                <a16:creationId xmlns:a16="http://schemas.microsoft.com/office/drawing/2014/main" id="{5AFA35C8-635D-4D94-A5AD-B409D6FDF9D7}"/>
-              </a:ext>
-            </a:extLst>
-          </p:cNvPr>
+            <a:r>
+              <a:rPr lang="en-GB"/>
+              <a:t>Boldizsár Kiss</a:t>
+            </a:r>
+          </a:p>
+        </p:txBody>
+      </p:sp>
+      <p:sp>
+        <p:nvSpPr>
+          <p:cNvPr id="6" name="Slide Number Placeholder 5"/>
           <p:cNvSpPr>
             <a:spLocks noGrp="1"/>
           </p:cNvSpPr>
@@ -523,7 +954,7 @@
     </p:spTree>
     <p:extLst>
       <p:ext uri="{BB962C8B-B14F-4D97-AF65-F5344CB8AC3E}">
-        <p14:creationId xmlns:p14="http://schemas.microsoft.com/office/powerpoint/2010/main" val="2376864805"/>
+        <p14:creationId xmlns:p14="http://schemas.microsoft.com/office/powerpoint/2010/main" val="1307210644"/>
       </p:ext>
     </p:extLst>
   </p:cSld>
@@ -534,7 +965,7 @@
 </file>
 
 <file path=ppt/slideLayouts/slideLayout11.xml><?xml version="1.0" encoding="utf-8"?>
-<p:sldLayout xmlns:a="http://schemas.openxmlformats.org/drawingml/2006/main" xmlns:r="http://schemas.openxmlformats.org/officeDocument/2006/relationships" xmlns:p="http://schemas.openxmlformats.org/presentationml/2006/main" type="vertTitleAndTx" preserve="1">
+<p:sldLayout xmlns:a="http://schemas.openxmlformats.org/drawingml/2006/main" xmlns:r="http://schemas.openxmlformats.org/officeDocument/2006/relationships" xmlns:p="http://schemas.openxmlformats.org/presentationml/2006/main" showMasterSp="0" type="vertTitleAndTx" preserve="1">
   <p:cSld name="Függőleges cím és szöveg">
     <p:spTree>
       <p:nvGrpSpPr>
@@ -552,24 +983,94 @@
       </p:grpSpPr>
       <p:sp>
         <p:nvSpPr>
-          <p:cNvPr id="2" name="Függőleges cím 1">
-            <a:extLst>
-              <a:ext uri="{FF2B5EF4-FFF2-40B4-BE49-F238E27FC236}">
-                <a16:creationId xmlns:a16="http://schemas.microsoft.com/office/drawing/2014/main" id="{9A7F7296-DC6A-443B-8BDB-37AB348AA56E}"/>
-              </a:ext>
-            </a:extLst>
-          </p:cNvPr>
-          <p:cNvSpPr>
-            <a:spLocks noGrp="1"/>
-          </p:cNvSpPr>
-          <p:nvPr>
-            <p:ph type="title" orient="vert"/>
-          </p:nvPr>
+          <p:cNvPr id="7" name="Rectangle 6"/>
+          <p:cNvSpPr/>
+          <p:nvPr/>
         </p:nvSpPr>
         <p:spPr>
           <a:xfrm>
-            <a:off x="8724900" y="365125"/>
-            <a:ext cx="2628900" cy="5811838"/>
+            <a:off x="2382" y="6400800"/>
+            <a:ext cx="9141619" cy="457200"/>
+          </a:xfrm>
+          <a:prstGeom prst="rect">
+            <a:avLst/>
+          </a:prstGeom>
+          <a:solidFill>
+            <a:schemeClr val="accent2"/>
+          </a:solidFill>
+          <a:ln>
+            <a:noFill/>
+          </a:ln>
+        </p:spPr>
+        <p:style>
+          <a:lnRef idx="2">
+            <a:schemeClr val="accent1">
+              <a:shade val="50000"/>
+            </a:schemeClr>
+          </a:lnRef>
+          <a:fillRef idx="1">
+            <a:schemeClr val="accent1"/>
+          </a:fillRef>
+          <a:effectRef idx="0">
+            <a:schemeClr val="accent1"/>
+          </a:effectRef>
+          <a:fontRef idx="minor">
+            <a:schemeClr val="lt1"/>
+          </a:fontRef>
+        </p:style>
+      </p:sp>
+      <p:sp>
+        <p:nvSpPr>
+          <p:cNvPr id="8" name="Rectangle 7"/>
+          <p:cNvSpPr/>
+          <p:nvPr/>
+        </p:nvSpPr>
+        <p:spPr>
+          <a:xfrm>
+            <a:off x="12" y="6334316"/>
+            <a:ext cx="9141619" cy="64008"/>
+          </a:xfrm>
+          <a:prstGeom prst="rect">
+            <a:avLst/>
+          </a:prstGeom>
+          <a:solidFill>
+            <a:schemeClr val="accent1"/>
+          </a:solidFill>
+          <a:ln>
+            <a:noFill/>
+          </a:ln>
+        </p:spPr>
+        <p:style>
+          <a:lnRef idx="2">
+            <a:schemeClr val="accent1">
+              <a:shade val="50000"/>
+            </a:schemeClr>
+          </a:lnRef>
+          <a:fillRef idx="1">
+            <a:schemeClr val="accent1"/>
+          </a:fillRef>
+          <a:effectRef idx="0">
+            <a:schemeClr val="accent1"/>
+          </a:effectRef>
+          <a:fontRef idx="minor">
+            <a:schemeClr val="lt1"/>
+          </a:fontRef>
+        </p:style>
+      </p:sp>
+      <p:sp>
+        <p:nvSpPr>
+          <p:cNvPr id="2" name="Vertical Title 1"/>
+          <p:cNvSpPr>
+            <a:spLocks noGrp="1"/>
+          </p:cNvSpPr>
+          <p:nvPr>
+            <p:ph type="title" orient="vert"/>
+          </p:nvPr>
+        </p:nvSpPr>
+        <p:spPr>
+          <a:xfrm>
+            <a:off x="6543675" y="414779"/>
+            <a:ext cx="1971675" cy="5757421"/>
           </a:xfrm>
         </p:spPr>
         <p:txBody>
@@ -580,19 +1081,13 @@
               <a:rPr lang="hu-HU"/>
               <a:t>Mintacím szerkesztése</a:t>
             </a:r>
-            <a:endParaRPr lang="en-GB"/>
-          </a:p>
-        </p:txBody>
-      </p:sp>
-      <p:sp>
-        <p:nvSpPr>
-          <p:cNvPr id="3" name="Függőleges szöveg helye 2">
-            <a:extLst>
-              <a:ext uri="{FF2B5EF4-FFF2-40B4-BE49-F238E27FC236}">
-                <a16:creationId xmlns:a16="http://schemas.microsoft.com/office/drawing/2014/main" id="{BB431062-9B19-4296-8975-832F0BABCCFB}"/>
-              </a:ext>
-            </a:extLst>
-          </p:cNvPr>
+            <a:endParaRPr lang="en-US" dirty="0"/>
+          </a:p>
+        </p:txBody>
+      </p:sp>
+      <p:sp>
+        <p:nvSpPr>
+          <p:cNvPr id="3" name="Vertical Text Placeholder 2"/>
           <p:cNvSpPr>
             <a:spLocks noGrp="1"/>
           </p:cNvSpPr>
@@ -602,12 +1097,12 @@
         </p:nvSpPr>
         <p:spPr>
           <a:xfrm>
-            <a:off x="838200" y="365125"/>
-            <a:ext cx="7734300" cy="5811838"/>
+            <a:off x="628650" y="414779"/>
+            <a:ext cx="5800725" cy="5757420"/>
           </a:xfrm>
         </p:spPr>
         <p:txBody>
-          <a:bodyPr vert="eaVert"/>
+          <a:bodyPr vert="eaVert" lIns="45720" tIns="0" rIns="45720" bIns="0"/>
           <a:lstStyle/>
           <a:p>
             <a:pPr lvl="0"/>
@@ -643,19 +1138,13 @@
               <a:rPr lang="hu-HU"/>
               <a:t>Ötödik szint</a:t>
             </a:r>
-            <a:endParaRPr lang="en-GB"/>
-          </a:p>
-        </p:txBody>
-      </p:sp>
-      <p:sp>
-        <p:nvSpPr>
-          <p:cNvPr id="4" name="Dátum helye 3">
-            <a:extLst>
-              <a:ext uri="{FF2B5EF4-FFF2-40B4-BE49-F238E27FC236}">
-                <a16:creationId xmlns:a16="http://schemas.microsoft.com/office/drawing/2014/main" id="{3828531F-D838-4596-BF37-A1F2E660E72E}"/>
-              </a:ext>
-            </a:extLst>
-          </p:cNvPr>
+            <a:endParaRPr lang="en-US" dirty="0"/>
+          </a:p>
+        </p:txBody>
+      </p:sp>
+      <p:sp>
+        <p:nvSpPr>
+          <p:cNvPr id="4" name="Date Placeholder 3"/>
           <p:cNvSpPr>
             <a:spLocks noGrp="1"/>
           </p:cNvSpPr>
@@ -668,23 +1157,16 @@
           <a:bodyPr/>
           <a:lstStyle/>
           <a:p>
-            <a:fld id="{A00BCB4F-31B8-47ED-9CD7-1B4D0F1274C2}" type="datetimeFigureOut">
-              <a:rPr lang="en-GB" smtClean="0"/>
+            <a:r>
+              <a:rPr lang="en-GB"/>
               <a:t>27/10/2017</a:t>
-            </a:fld>
-            <a:endParaRPr lang="en-GB"/>
-          </a:p>
-        </p:txBody>
-      </p:sp>
-      <p:sp>
-        <p:nvSpPr>
-          <p:cNvPr id="5" name="Élőláb helye 4">
-            <a:extLst>
-              <a:ext uri="{FF2B5EF4-FFF2-40B4-BE49-F238E27FC236}">
-                <a16:creationId xmlns:a16="http://schemas.microsoft.com/office/drawing/2014/main" id="{001EEA73-9C81-402F-8911-7E23175A4D78}"/>
-              </a:ext>
-            </a:extLst>
-          </p:cNvPr>
+            </a:r>
+          </a:p>
+        </p:txBody>
+      </p:sp>
+      <p:sp>
+        <p:nvSpPr>
+          <p:cNvPr id="5" name="Footer Placeholder 4"/>
           <p:cNvSpPr>
             <a:spLocks noGrp="1"/>
           </p:cNvSpPr>
@@ -697,19 +1179,16 @@
           <a:bodyPr/>
           <a:lstStyle/>
           <a:p>
-            <a:endParaRPr lang="en-GB"/>
-          </a:p>
-        </p:txBody>
-      </p:sp>
-      <p:sp>
-        <p:nvSpPr>
-          <p:cNvPr id="6" name="Dia számának helye 5">
-            <a:extLst>
-              <a:ext uri="{FF2B5EF4-FFF2-40B4-BE49-F238E27FC236}">
-                <a16:creationId xmlns:a16="http://schemas.microsoft.com/office/drawing/2014/main" id="{9045870E-FAC7-4EA6-94B8-2BB82D57DF5E}"/>
-              </a:ext>
-            </a:extLst>
-          </p:cNvPr>
+            <a:r>
+              <a:rPr lang="en-GB"/>
+              <a:t>Boldizsár Kiss</a:t>
+            </a:r>
+          </a:p>
+        </p:txBody>
+      </p:sp>
+      <p:sp>
+        <p:nvSpPr>
+          <p:cNvPr id="6" name="Slide Number Placeholder 5"/>
           <p:cNvSpPr>
             <a:spLocks noGrp="1"/>
           </p:cNvSpPr>
@@ -733,7 +1212,7 @@
     </p:spTree>
     <p:extLst>
       <p:ext uri="{BB962C8B-B14F-4D97-AF65-F5344CB8AC3E}">
-        <p14:creationId xmlns:p14="http://schemas.microsoft.com/office/powerpoint/2010/main" val="1248865091"/>
+        <p14:creationId xmlns:p14="http://schemas.microsoft.com/office/powerpoint/2010/main" val="354996286"/>
       </p:ext>
     </p:extLst>
   </p:cSld>
@@ -762,13 +1241,7 @@
       </p:grpSpPr>
       <p:sp>
         <p:nvSpPr>
-          <p:cNvPr id="2" name="Cím 1">
-            <a:extLst>
-              <a:ext uri="{FF2B5EF4-FFF2-40B4-BE49-F238E27FC236}">
-                <a16:creationId xmlns:a16="http://schemas.microsoft.com/office/drawing/2014/main" id="{3CD30393-6D9C-4E38-9452-F686BA08F1AB}"/>
-              </a:ext>
-            </a:extLst>
-          </p:cNvPr>
+          <p:cNvPr id="2" name="Title 1"/>
           <p:cNvSpPr>
             <a:spLocks noGrp="1"/>
           </p:cNvSpPr>
@@ -785,19 +1258,13 @@
               <a:rPr lang="hu-HU"/>
               <a:t>Mintacím szerkesztése</a:t>
             </a:r>
-            <a:endParaRPr lang="en-GB"/>
-          </a:p>
-        </p:txBody>
-      </p:sp>
-      <p:sp>
-        <p:nvSpPr>
-          <p:cNvPr id="3" name="Tartalom helye 2">
-            <a:extLst>
-              <a:ext uri="{FF2B5EF4-FFF2-40B4-BE49-F238E27FC236}">
-                <a16:creationId xmlns:a16="http://schemas.microsoft.com/office/drawing/2014/main" id="{675F61F5-DCDB-434F-A6FA-AF8FB418A472}"/>
-              </a:ext>
-            </a:extLst>
-          </p:cNvPr>
+            <a:endParaRPr lang="en-US" dirty="0"/>
+          </a:p>
+        </p:txBody>
+      </p:sp>
+      <p:sp>
+        <p:nvSpPr>
+          <p:cNvPr id="3" name="Content Placeholder 2"/>
           <p:cNvSpPr>
             <a:spLocks noGrp="1"/>
           </p:cNvSpPr>
@@ -843,19 +1310,13 @@
               <a:rPr lang="hu-HU"/>
               <a:t>Ötödik szint</a:t>
             </a:r>
-            <a:endParaRPr lang="en-GB"/>
-          </a:p>
-        </p:txBody>
-      </p:sp>
-      <p:sp>
-        <p:nvSpPr>
-          <p:cNvPr id="4" name="Dátum helye 3">
-            <a:extLst>
-              <a:ext uri="{FF2B5EF4-FFF2-40B4-BE49-F238E27FC236}">
-                <a16:creationId xmlns:a16="http://schemas.microsoft.com/office/drawing/2014/main" id="{0CBFECC3-4EC7-4CBB-B3F0-564A91BDBDD3}"/>
-              </a:ext>
-            </a:extLst>
-          </p:cNvPr>
+            <a:endParaRPr lang="en-US" dirty="0"/>
+          </a:p>
+        </p:txBody>
+      </p:sp>
+      <p:sp>
+        <p:nvSpPr>
+          <p:cNvPr id="4" name="Date Placeholder 3"/>
           <p:cNvSpPr>
             <a:spLocks noGrp="1"/>
           </p:cNvSpPr>
@@ -868,23 +1329,16 @@
           <a:bodyPr/>
           <a:lstStyle/>
           <a:p>
-            <a:fld id="{A00BCB4F-31B8-47ED-9CD7-1B4D0F1274C2}" type="datetimeFigureOut">
-              <a:rPr lang="en-GB" smtClean="0"/>
+            <a:r>
+              <a:rPr lang="en-GB"/>
               <a:t>27/10/2017</a:t>
-            </a:fld>
-            <a:endParaRPr lang="en-GB"/>
-          </a:p>
-        </p:txBody>
-      </p:sp>
-      <p:sp>
-        <p:nvSpPr>
-          <p:cNvPr id="5" name="Élőláb helye 4">
-            <a:extLst>
-              <a:ext uri="{FF2B5EF4-FFF2-40B4-BE49-F238E27FC236}">
-                <a16:creationId xmlns:a16="http://schemas.microsoft.com/office/drawing/2014/main" id="{1EEDE35A-3930-4C2D-BBF3-6DEF4BBB5BF5}"/>
-              </a:ext>
-            </a:extLst>
-          </p:cNvPr>
+            </a:r>
+          </a:p>
+        </p:txBody>
+      </p:sp>
+      <p:sp>
+        <p:nvSpPr>
+          <p:cNvPr id="5" name="Footer Placeholder 4"/>
           <p:cNvSpPr>
             <a:spLocks noGrp="1"/>
           </p:cNvSpPr>
@@ -897,19 +1351,16 @@
           <a:bodyPr/>
           <a:lstStyle/>
           <a:p>
-            <a:endParaRPr lang="en-GB"/>
-          </a:p>
-        </p:txBody>
-      </p:sp>
-      <p:sp>
-        <p:nvSpPr>
-          <p:cNvPr id="6" name="Dia számának helye 5">
-            <a:extLst>
-              <a:ext uri="{FF2B5EF4-FFF2-40B4-BE49-F238E27FC236}">
-                <a16:creationId xmlns:a16="http://schemas.microsoft.com/office/drawing/2014/main" id="{D8469698-9B4C-43BD-A321-6A68267D78A7}"/>
-              </a:ext>
-            </a:extLst>
-          </p:cNvPr>
+            <a:r>
+              <a:rPr lang="en-GB"/>
+              <a:t>Boldizsár Kiss</a:t>
+            </a:r>
+          </a:p>
+        </p:txBody>
+      </p:sp>
+      <p:sp>
+        <p:nvSpPr>
+          <p:cNvPr id="6" name="Slide Number Placeholder 5"/>
           <p:cNvSpPr>
             <a:spLocks noGrp="1"/>
           </p:cNvSpPr>
@@ -933,7 +1384,7 @@
     </p:spTree>
     <p:extLst>
       <p:ext uri="{BB962C8B-B14F-4D97-AF65-F5344CB8AC3E}">
-        <p14:creationId xmlns:p14="http://schemas.microsoft.com/office/powerpoint/2010/main" val="1622521855"/>
+        <p14:creationId xmlns:p14="http://schemas.microsoft.com/office/powerpoint/2010/main" val="3881435237"/>
       </p:ext>
     </p:extLst>
   </p:cSld>
@@ -944,8 +1395,16 @@
 </file>
 
 <file path=ppt/slideLayouts/slideLayout3.xml><?xml version="1.0" encoding="utf-8"?>
-<p:sldLayout xmlns:a="http://schemas.openxmlformats.org/drawingml/2006/main" xmlns:r="http://schemas.openxmlformats.org/officeDocument/2006/relationships" xmlns:p="http://schemas.openxmlformats.org/presentationml/2006/main" type="secHead" preserve="1">
+<p:sldLayout xmlns:a="http://schemas.openxmlformats.org/drawingml/2006/main" xmlns:r="http://schemas.openxmlformats.org/officeDocument/2006/relationships" xmlns:p="http://schemas.openxmlformats.org/presentationml/2006/main" showMasterSp="0" type="secHead" preserve="1">
   <p:cSld name="Szakaszfejléc">
+    <p:bg>
+      <p:bgPr>
+        <a:solidFill>
+          <a:schemeClr val="bg1"/>
+        </a:solidFill>
+        <a:effectLst/>
+      </p:bgPr>
+    </p:bg>
     <p:spTree>
       <p:nvGrpSpPr>
         <p:cNvPr id="1" name=""/>
@@ -962,80 +1421,157 @@
       </p:grpSpPr>
       <p:sp>
         <p:nvSpPr>
-          <p:cNvPr id="2" name="Cím 1">
-            <a:extLst>
-              <a:ext uri="{FF2B5EF4-FFF2-40B4-BE49-F238E27FC236}">
-                <a16:creationId xmlns:a16="http://schemas.microsoft.com/office/drawing/2014/main" id="{8B04E68F-B4F8-472B-8AC0-3F8A69DFEC72}"/>
-              </a:ext>
-            </a:extLst>
-          </p:cNvPr>
-          <p:cNvSpPr>
-            <a:spLocks noGrp="1"/>
-          </p:cNvSpPr>
-          <p:nvPr>
-            <p:ph type="title"/>
-          </p:nvPr>
+          <p:cNvPr id="7" name="Rectangle 6"/>
+          <p:cNvSpPr/>
+          <p:nvPr/>
         </p:nvSpPr>
         <p:spPr>
           <a:xfrm>
-            <a:off x="831850" y="1709738"/>
-            <a:ext cx="10515600" cy="2852737"/>
+            <a:off x="2382" y="6400800"/>
+            <a:ext cx="9141619" cy="457200"/>
+          </a:xfrm>
+          <a:prstGeom prst="rect">
+            <a:avLst/>
+          </a:prstGeom>
+          <a:solidFill>
+            <a:schemeClr val="accent2"/>
+          </a:solidFill>
+          <a:ln>
+            <a:noFill/>
+          </a:ln>
+        </p:spPr>
+        <p:style>
+          <a:lnRef idx="2">
+            <a:schemeClr val="accent1">
+              <a:shade val="50000"/>
+            </a:schemeClr>
+          </a:lnRef>
+          <a:fillRef idx="1">
+            <a:schemeClr val="accent1"/>
+          </a:fillRef>
+          <a:effectRef idx="0">
+            <a:schemeClr val="accent1"/>
+          </a:effectRef>
+          <a:fontRef idx="minor">
+            <a:schemeClr val="lt1"/>
+          </a:fontRef>
+        </p:style>
+      </p:sp>
+      <p:sp>
+        <p:nvSpPr>
+          <p:cNvPr id="8" name="Rectangle 7"/>
+          <p:cNvSpPr/>
+          <p:nvPr/>
+        </p:nvSpPr>
+        <p:spPr>
+          <a:xfrm>
+            <a:off x="12" y="6334316"/>
+            <a:ext cx="9141619" cy="64008"/>
+          </a:xfrm>
+          <a:prstGeom prst="rect">
+            <a:avLst/>
+          </a:prstGeom>
+          <a:solidFill>
+            <a:schemeClr val="accent1"/>
+          </a:solidFill>
+          <a:ln>
+            <a:noFill/>
+          </a:ln>
+        </p:spPr>
+        <p:style>
+          <a:lnRef idx="2">
+            <a:schemeClr val="accent1">
+              <a:shade val="50000"/>
+            </a:schemeClr>
+          </a:lnRef>
+          <a:fillRef idx="1">
+            <a:schemeClr val="accent1"/>
+          </a:fillRef>
+          <a:effectRef idx="0">
+            <a:schemeClr val="accent1"/>
+          </a:effectRef>
+          <a:fontRef idx="minor">
+            <a:schemeClr val="lt1"/>
+          </a:fontRef>
+        </p:style>
+      </p:sp>
+      <p:sp>
+        <p:nvSpPr>
+          <p:cNvPr id="2" name="Title 1"/>
+          <p:cNvSpPr>
+            <a:spLocks noGrp="1"/>
+          </p:cNvSpPr>
+          <p:nvPr>
+            <p:ph type="title"/>
+          </p:nvPr>
+        </p:nvSpPr>
+        <p:spPr>
+          <a:xfrm>
+            <a:off x="822960" y="758952"/>
+            <a:ext cx="7543800" cy="3566160"/>
           </a:xfrm>
         </p:spPr>
         <p:txBody>
-          <a:bodyPr anchor="b"/>
+          <a:bodyPr anchor="b" anchorCtr="0">
+            <a:normAutofit/>
+          </a:bodyPr>
           <a:lstStyle>
             <a:lvl1pPr>
-              <a:defRPr sz="6000"/>
-            </a:lvl1pPr>
-          </a:lstStyle>
-          <a:p>
-            <a:r>
-              <a:rPr lang="hu-HU"/>
-              <a:t>Mintacím szerkesztése</a:t>
-            </a:r>
-            <a:endParaRPr lang="en-GB"/>
-          </a:p>
-        </p:txBody>
-      </p:sp>
-      <p:sp>
-        <p:nvSpPr>
-          <p:cNvPr id="3" name="Szöveg helye 2">
-            <a:extLst>
-              <a:ext uri="{FF2B5EF4-FFF2-40B4-BE49-F238E27FC236}">
-                <a16:creationId xmlns:a16="http://schemas.microsoft.com/office/drawing/2014/main" id="{C192D2D3-A289-40E4-A0A1-09DAE61A7984}"/>
-              </a:ext>
-            </a:extLst>
-          </p:cNvPr>
-          <p:cNvSpPr>
-            <a:spLocks noGrp="1"/>
-          </p:cNvSpPr>
-          <p:nvPr>
-            <p:ph type="body" idx="1"/>
-          </p:nvPr>
-        </p:nvSpPr>
-        <p:spPr>
-          <a:xfrm>
-            <a:off x="831850" y="4589463"/>
-            <a:ext cx="10515600" cy="1500187"/>
-          </a:xfrm>
-        </p:spPr>
-        <p:txBody>
-          <a:bodyPr/>
-          <a:lstStyle>
-            <a:lvl1pPr marL="0" indent="0">
-              <a:buNone/>
-              <a:defRPr sz="2400">
+              <a:lnSpc>
+                <a:spcPct val="85000"/>
+              </a:lnSpc>
+              <a:defRPr sz="8000" b="0">
                 <a:solidFill>
                   <a:schemeClr val="tx1">
-                    <a:tint val="75000"/>
+                    <a:lumMod val="85000"/>
+                    <a:lumOff val="15000"/>
                   </a:schemeClr>
                 </a:solidFill>
               </a:defRPr>
             </a:lvl1pPr>
+          </a:lstStyle>
+          <a:p>
+            <a:r>
+              <a:rPr lang="hu-HU"/>
+              <a:t>Mintacím szerkesztése</a:t>
+            </a:r>
+            <a:endParaRPr lang="en-US" dirty="0"/>
+          </a:p>
+        </p:txBody>
+      </p:sp>
+      <p:sp>
+        <p:nvSpPr>
+          <p:cNvPr id="3" name="Text Placeholder 2"/>
+          <p:cNvSpPr>
+            <a:spLocks noGrp="1"/>
+          </p:cNvSpPr>
+          <p:nvPr>
+            <p:ph type="body" idx="1"/>
+          </p:nvPr>
+        </p:nvSpPr>
+        <p:spPr>
+          <a:xfrm>
+            <a:off x="822960" y="4453128"/>
+            <a:ext cx="7543800" cy="1143000"/>
+          </a:xfrm>
+        </p:spPr>
+        <p:txBody>
+          <a:bodyPr lIns="91440" rIns="91440" anchor="t" anchorCtr="0">
+            <a:normAutofit/>
+          </a:bodyPr>
+          <a:lstStyle>
+            <a:lvl1pPr marL="0" indent="0">
+              <a:buNone/>
+              <a:defRPr sz="2400" cap="all" spc="200" baseline="0">
+                <a:solidFill>
+                  <a:schemeClr val="tx2"/>
+                </a:solidFill>
+                <a:latin typeface="+mj-lt"/>
+              </a:defRPr>
+            </a:lvl1pPr>
             <a:lvl2pPr marL="457200" indent="0">
               <a:buNone/>
-              <a:defRPr sz="2000">
+              <a:defRPr sz="1800">
                 <a:solidFill>
                   <a:schemeClr val="tx1">
                     <a:tint val="75000"/>
@@ -1045,7 +1581,7 @@
             </a:lvl2pPr>
             <a:lvl3pPr marL="914400" indent="0">
               <a:buNone/>
-              <a:defRPr sz="1800">
+              <a:defRPr sz="1600">
                 <a:solidFill>
                   <a:schemeClr val="tx1">
                     <a:tint val="75000"/>
@@ -1055,7 +1591,7 @@
             </a:lvl3pPr>
             <a:lvl4pPr marL="1371600" indent="0">
               <a:buNone/>
-              <a:defRPr sz="1600">
+              <a:defRPr sz="1400">
                 <a:solidFill>
                   <a:schemeClr val="tx1">
                     <a:tint val="75000"/>
@@ -1065,7 +1601,7 @@
             </a:lvl4pPr>
             <a:lvl5pPr marL="1828800" indent="0">
               <a:buNone/>
-              <a:defRPr sz="1600">
+              <a:defRPr sz="1400">
                 <a:solidFill>
                   <a:schemeClr val="tx1">
                     <a:tint val="75000"/>
@@ -1075,7 +1611,7 @@
             </a:lvl5pPr>
             <a:lvl6pPr marL="2286000" indent="0">
               <a:buNone/>
-              <a:defRPr sz="1600">
+              <a:defRPr sz="1400">
                 <a:solidFill>
                   <a:schemeClr val="tx1">
                     <a:tint val="75000"/>
@@ -1085,7 +1621,7 @@
             </a:lvl6pPr>
             <a:lvl7pPr marL="2743200" indent="0">
               <a:buNone/>
-              <a:defRPr sz="1600">
+              <a:defRPr sz="1400">
                 <a:solidFill>
                   <a:schemeClr val="tx1">
                     <a:tint val="75000"/>
@@ -1095,7 +1631,7 @@
             </a:lvl7pPr>
             <a:lvl8pPr marL="3200400" indent="0">
               <a:buNone/>
-              <a:defRPr sz="1600">
+              <a:defRPr sz="1400">
                 <a:solidFill>
                   <a:schemeClr val="tx1">
                     <a:tint val="75000"/>
@@ -1105,7 +1641,7 @@
             </a:lvl8pPr>
             <a:lvl9pPr marL="3657600" indent="0">
               <a:buNone/>
-              <a:defRPr sz="1600">
+              <a:defRPr sz="1400">
                 <a:solidFill>
                   <a:schemeClr val="tx1">
                     <a:tint val="75000"/>
@@ -1125,13 +1661,7 @@
       </p:sp>
       <p:sp>
         <p:nvSpPr>
-          <p:cNvPr id="4" name="Dátum helye 3">
-            <a:extLst>
-              <a:ext uri="{FF2B5EF4-FFF2-40B4-BE49-F238E27FC236}">
-                <a16:creationId xmlns:a16="http://schemas.microsoft.com/office/drawing/2014/main" id="{8D55914E-EA65-450F-AF16-7FAE508C643F}"/>
-              </a:ext>
-            </a:extLst>
-          </p:cNvPr>
+          <p:cNvPr id="4" name="Date Placeholder 3"/>
           <p:cNvSpPr>
             <a:spLocks noGrp="1"/>
           </p:cNvSpPr>
@@ -1144,23 +1674,16 @@
           <a:bodyPr/>
           <a:lstStyle/>
           <a:p>
-            <a:fld id="{A00BCB4F-31B8-47ED-9CD7-1B4D0F1274C2}" type="datetimeFigureOut">
-              <a:rPr lang="en-GB" smtClean="0"/>
+            <a:r>
+              <a:rPr lang="en-GB"/>
               <a:t>27/10/2017</a:t>
-            </a:fld>
-            <a:endParaRPr lang="en-GB"/>
-          </a:p>
-        </p:txBody>
-      </p:sp>
-      <p:sp>
-        <p:nvSpPr>
-          <p:cNvPr id="5" name="Élőláb helye 4">
-            <a:extLst>
-              <a:ext uri="{FF2B5EF4-FFF2-40B4-BE49-F238E27FC236}">
-                <a16:creationId xmlns:a16="http://schemas.microsoft.com/office/drawing/2014/main" id="{F052BDB5-822B-4AC3-8AE0-0BF7D429876B}"/>
-              </a:ext>
-            </a:extLst>
-          </p:cNvPr>
+            </a:r>
+          </a:p>
+        </p:txBody>
+      </p:sp>
+      <p:sp>
+        <p:nvSpPr>
+          <p:cNvPr id="5" name="Footer Placeholder 4"/>
           <p:cNvSpPr>
             <a:spLocks noGrp="1"/>
           </p:cNvSpPr>
@@ -1173,19 +1696,16 @@
           <a:bodyPr/>
           <a:lstStyle/>
           <a:p>
-            <a:endParaRPr lang="en-GB"/>
-          </a:p>
-        </p:txBody>
-      </p:sp>
-      <p:sp>
-        <p:nvSpPr>
-          <p:cNvPr id="6" name="Dia számának helye 5">
-            <a:extLst>
-              <a:ext uri="{FF2B5EF4-FFF2-40B4-BE49-F238E27FC236}">
-                <a16:creationId xmlns:a16="http://schemas.microsoft.com/office/drawing/2014/main" id="{ABE17530-6F81-4029-8BCD-DBE1F91521D1}"/>
-              </a:ext>
-            </a:extLst>
-          </p:cNvPr>
+            <a:r>
+              <a:rPr lang="en-GB"/>
+              <a:t>Boldizsár Kiss</a:t>
+            </a:r>
+          </a:p>
+        </p:txBody>
+      </p:sp>
+      <p:sp>
+        <p:nvSpPr>
+          <p:cNvPr id="6" name="Slide Number Placeholder 5"/>
           <p:cNvSpPr>
             <a:spLocks noGrp="1"/>
           </p:cNvSpPr>
@@ -1206,10 +1726,48 @@
           </a:p>
         </p:txBody>
       </p:sp>
+      <p:cxnSp>
+        <p:nvCxnSpPr>
+          <p:cNvPr id="9" name="Straight Connector 8"/>
+          <p:cNvCxnSpPr/>
+          <p:nvPr/>
+        </p:nvCxnSpPr>
+        <p:spPr>
+          <a:xfrm>
+            <a:off x="905744" y="4343400"/>
+            <a:ext cx="7406640" cy="0"/>
+          </a:xfrm>
+          <a:prstGeom prst="line">
+            <a:avLst/>
+          </a:prstGeom>
+          <a:ln w="6350">
+            <a:solidFill>
+              <a:schemeClr val="tx1">
+                <a:lumMod val="50000"/>
+                <a:lumOff val="50000"/>
+              </a:schemeClr>
+            </a:solidFill>
+          </a:ln>
+        </p:spPr>
+        <p:style>
+          <a:lnRef idx="1">
+            <a:schemeClr val="accent1"/>
+          </a:lnRef>
+          <a:fillRef idx="0">
+            <a:schemeClr val="accent1"/>
+          </a:fillRef>
+          <a:effectRef idx="0">
+            <a:schemeClr val="accent1"/>
+          </a:effectRef>
+          <a:fontRef idx="minor">
+            <a:schemeClr val="tx1"/>
+          </a:fontRef>
+        </p:style>
+      </p:cxnSp>
     </p:spTree>
     <p:extLst>
       <p:ext uri="{BB962C8B-B14F-4D97-AF65-F5344CB8AC3E}">
-        <p14:creationId xmlns:p14="http://schemas.microsoft.com/office/powerpoint/2010/main" val="477460242"/>
+        <p14:creationId xmlns:p14="http://schemas.microsoft.com/office/powerpoint/2010/main" val="897670474"/>
       </p:ext>
     </p:extLst>
   </p:cSld>
@@ -1238,116 +1796,46 @@
       </p:grpSpPr>
       <p:sp>
         <p:nvSpPr>
-          <p:cNvPr id="2" name="Cím 1">
-            <a:extLst>
-              <a:ext uri="{FF2B5EF4-FFF2-40B4-BE49-F238E27FC236}">
-                <a16:creationId xmlns:a16="http://schemas.microsoft.com/office/drawing/2014/main" id="{CCADF2C5-C589-44EF-A5A2-C3AEA7675211}"/>
-              </a:ext>
-            </a:extLst>
-          </p:cNvPr>
+          <p:cNvPr id="8" name="Title 7"/>
           <p:cNvSpPr>
             <a:spLocks noGrp="1"/>
           </p:cNvSpPr>
           <p:nvPr>
             <p:ph type="title"/>
-          </p:nvPr>
-        </p:nvSpPr>
-        <p:spPr/>
-        <p:txBody>
-          <a:bodyPr/>
-          <a:lstStyle/>
-          <a:p>
-            <a:r>
-              <a:rPr lang="hu-HU"/>
-              <a:t>Mintacím szerkesztése</a:t>
-            </a:r>
-            <a:endParaRPr lang="en-GB"/>
-          </a:p>
-        </p:txBody>
-      </p:sp>
-      <p:sp>
-        <p:nvSpPr>
-          <p:cNvPr id="3" name="Tartalom helye 2">
-            <a:extLst>
-              <a:ext uri="{FF2B5EF4-FFF2-40B4-BE49-F238E27FC236}">
-                <a16:creationId xmlns:a16="http://schemas.microsoft.com/office/drawing/2014/main" id="{FDA78C5E-1F3A-485B-AC15-7659E9C3630E}"/>
-              </a:ext>
-            </a:extLst>
-          </p:cNvPr>
-          <p:cNvSpPr>
-            <a:spLocks noGrp="1"/>
-          </p:cNvSpPr>
-          <p:nvPr>
-            <p:ph sz="half" idx="1"/>
           </p:nvPr>
         </p:nvSpPr>
         <p:spPr>
           <a:xfrm>
-            <a:off x="838200" y="1825625"/>
-            <a:ext cx="5181600" cy="4351338"/>
+            <a:off x="822960" y="286604"/>
+            <a:ext cx="7543800" cy="1450757"/>
           </a:xfrm>
         </p:spPr>
         <p:txBody>
           <a:bodyPr/>
           <a:lstStyle/>
           <a:p>
-            <a:pPr lvl="0"/>
-            <a:r>
-              <a:rPr lang="hu-HU"/>
-              <a:t>Mintaszöveg szerkesztése</a:t>
-            </a:r>
-          </a:p>
-          <a:p>
-            <a:pPr lvl="1"/>
-            <a:r>
-              <a:rPr lang="hu-HU"/>
-              <a:t>Második szint</a:t>
-            </a:r>
-          </a:p>
-          <a:p>
-            <a:pPr lvl="2"/>
-            <a:r>
-              <a:rPr lang="hu-HU"/>
-              <a:t>Harmadik szint</a:t>
-            </a:r>
-          </a:p>
-          <a:p>
-            <a:pPr lvl="3"/>
-            <a:r>
-              <a:rPr lang="hu-HU"/>
-              <a:t>Negyedik szint</a:t>
-            </a:r>
-          </a:p>
-          <a:p>
-            <a:pPr lvl="4"/>
-            <a:r>
-              <a:rPr lang="hu-HU"/>
-              <a:t>Ötödik szint</a:t>
-            </a:r>
-            <a:endParaRPr lang="en-GB"/>
-          </a:p>
-        </p:txBody>
-      </p:sp>
-      <p:sp>
-        <p:nvSpPr>
-          <p:cNvPr id="4" name="Tartalom helye 3">
-            <a:extLst>
-              <a:ext uri="{FF2B5EF4-FFF2-40B4-BE49-F238E27FC236}">
-                <a16:creationId xmlns:a16="http://schemas.microsoft.com/office/drawing/2014/main" id="{0A5C3D79-7440-4657-A391-180EB3DE767E}"/>
-              </a:ext>
-            </a:extLst>
-          </p:cNvPr>
-          <p:cNvSpPr>
-            <a:spLocks noGrp="1"/>
-          </p:cNvSpPr>
-          <p:nvPr>
-            <p:ph sz="half" idx="2"/>
+            <a:r>
+              <a:rPr lang="hu-HU"/>
+              <a:t>Mintacím szerkesztése</a:t>
+            </a:r>
+            <a:endParaRPr lang="en-US" dirty="0"/>
+          </a:p>
+        </p:txBody>
+      </p:sp>
+      <p:sp>
+        <p:nvSpPr>
+          <p:cNvPr id="3" name="Content Placeholder 2"/>
+          <p:cNvSpPr>
+            <a:spLocks noGrp="1"/>
+          </p:cNvSpPr>
+          <p:nvPr>
+            <p:ph sz="half" idx="1"/>
           </p:nvPr>
         </p:nvSpPr>
         <p:spPr>
           <a:xfrm>
-            <a:off x="6172200" y="1825625"/>
-            <a:ext cx="5181600" cy="4351338"/>
+            <a:off x="822960" y="1845734"/>
+            <a:ext cx="3703320" cy="4023360"/>
           </a:xfrm>
         </p:spPr>
         <p:txBody>
@@ -1387,19 +1875,70 @@
               <a:rPr lang="hu-HU"/>
               <a:t>Ötödik szint</a:t>
             </a:r>
-            <a:endParaRPr lang="en-GB"/>
-          </a:p>
-        </p:txBody>
-      </p:sp>
-      <p:sp>
-        <p:nvSpPr>
-          <p:cNvPr id="5" name="Dátum helye 4">
-            <a:extLst>
-              <a:ext uri="{FF2B5EF4-FFF2-40B4-BE49-F238E27FC236}">
-                <a16:creationId xmlns:a16="http://schemas.microsoft.com/office/drawing/2014/main" id="{6ADF2357-B745-4B7B-B450-BB23CB6E20F6}"/>
-              </a:ext>
-            </a:extLst>
-          </p:cNvPr>
+            <a:endParaRPr lang="en-US" dirty="0"/>
+          </a:p>
+        </p:txBody>
+      </p:sp>
+      <p:sp>
+        <p:nvSpPr>
+          <p:cNvPr id="4" name="Content Placeholder 3"/>
+          <p:cNvSpPr>
+            <a:spLocks noGrp="1"/>
+          </p:cNvSpPr>
+          <p:nvPr>
+            <p:ph sz="half" idx="2"/>
+          </p:nvPr>
+        </p:nvSpPr>
+        <p:spPr>
+          <a:xfrm>
+            <a:off x="4663440" y="1845736"/>
+            <a:ext cx="3703320" cy="4023359"/>
+          </a:xfrm>
+        </p:spPr>
+        <p:txBody>
+          <a:bodyPr/>
+          <a:lstStyle/>
+          <a:p>
+            <a:pPr lvl="0"/>
+            <a:r>
+              <a:rPr lang="hu-HU"/>
+              <a:t>Mintaszöveg szerkesztése</a:t>
+            </a:r>
+          </a:p>
+          <a:p>
+            <a:pPr lvl="1"/>
+            <a:r>
+              <a:rPr lang="hu-HU"/>
+              <a:t>Második szint</a:t>
+            </a:r>
+          </a:p>
+          <a:p>
+            <a:pPr lvl="2"/>
+            <a:r>
+              <a:rPr lang="hu-HU"/>
+              <a:t>Harmadik szint</a:t>
+            </a:r>
+          </a:p>
+          <a:p>
+            <a:pPr lvl="3"/>
+            <a:r>
+              <a:rPr lang="hu-HU"/>
+              <a:t>Negyedik szint</a:t>
+            </a:r>
+          </a:p>
+          <a:p>
+            <a:pPr lvl="4"/>
+            <a:r>
+              <a:rPr lang="hu-HU"/>
+              <a:t>Ötödik szint</a:t>
+            </a:r>
+            <a:endParaRPr lang="en-US" dirty="0"/>
+          </a:p>
+        </p:txBody>
+      </p:sp>
+      <p:sp>
+        <p:nvSpPr>
+          <p:cNvPr id="5" name="Date Placeholder 4"/>
           <p:cNvSpPr>
             <a:spLocks noGrp="1"/>
           </p:cNvSpPr>
@@ -1412,23 +1951,16 @@
           <a:bodyPr/>
           <a:lstStyle/>
           <a:p>
-            <a:fld id="{A00BCB4F-31B8-47ED-9CD7-1B4D0F1274C2}" type="datetimeFigureOut">
-              <a:rPr lang="en-GB" smtClean="0"/>
+            <a:r>
+              <a:rPr lang="en-GB"/>
               <a:t>27/10/2017</a:t>
-            </a:fld>
-            <a:endParaRPr lang="en-GB"/>
-          </a:p>
-        </p:txBody>
-      </p:sp>
-      <p:sp>
-        <p:nvSpPr>
-          <p:cNvPr id="6" name="Élőláb helye 5">
-            <a:extLst>
-              <a:ext uri="{FF2B5EF4-FFF2-40B4-BE49-F238E27FC236}">
-                <a16:creationId xmlns:a16="http://schemas.microsoft.com/office/drawing/2014/main" id="{981FB2BA-B8FE-4CCE-8977-E0EDC36A96EC}"/>
-              </a:ext>
-            </a:extLst>
-          </p:cNvPr>
+            </a:r>
+          </a:p>
+        </p:txBody>
+      </p:sp>
+      <p:sp>
+        <p:nvSpPr>
+          <p:cNvPr id="6" name="Footer Placeholder 5"/>
           <p:cNvSpPr>
             <a:spLocks noGrp="1"/>
           </p:cNvSpPr>
@@ -1441,19 +1973,16 @@
           <a:bodyPr/>
           <a:lstStyle/>
           <a:p>
-            <a:endParaRPr lang="en-GB"/>
-          </a:p>
-        </p:txBody>
-      </p:sp>
-      <p:sp>
-        <p:nvSpPr>
-          <p:cNvPr id="7" name="Dia számának helye 6">
-            <a:extLst>
-              <a:ext uri="{FF2B5EF4-FFF2-40B4-BE49-F238E27FC236}">
-                <a16:creationId xmlns:a16="http://schemas.microsoft.com/office/drawing/2014/main" id="{D26DCD00-1C0D-4038-B279-D73EEBD1ED36}"/>
-              </a:ext>
-            </a:extLst>
-          </p:cNvPr>
+            <a:r>
+              <a:rPr lang="en-GB"/>
+              <a:t>Boldizsár Kiss</a:t>
+            </a:r>
+          </a:p>
+        </p:txBody>
+      </p:sp>
+      <p:sp>
+        <p:nvSpPr>
+          <p:cNvPr id="7" name="Slide Number Placeholder 6"/>
           <p:cNvSpPr>
             <a:spLocks noGrp="1"/>
           </p:cNvSpPr>
@@ -1477,7 +2006,7 @@
     </p:spTree>
     <p:extLst>
       <p:ext uri="{BB962C8B-B14F-4D97-AF65-F5344CB8AC3E}">
-        <p14:creationId xmlns:p14="http://schemas.microsoft.com/office/powerpoint/2010/main" val="2789636625"/>
+        <p14:creationId xmlns:p14="http://schemas.microsoft.com/office/powerpoint/2010/main" val="4230501915"/>
       </p:ext>
     </p:extLst>
   </p:cSld>
@@ -1506,13 +2035,7 @@
       </p:grpSpPr>
       <p:sp>
         <p:nvSpPr>
-          <p:cNvPr id="2" name="Cím 1">
-            <a:extLst>
-              <a:ext uri="{FF2B5EF4-FFF2-40B4-BE49-F238E27FC236}">
-                <a16:creationId xmlns:a16="http://schemas.microsoft.com/office/drawing/2014/main" id="{ADAEB632-C65C-49A9-8281-EC59B1B408E7}"/>
-              </a:ext>
-            </a:extLst>
-          </p:cNvPr>
+          <p:cNvPr id="10" name="Title 9"/>
           <p:cNvSpPr>
             <a:spLocks noGrp="1"/>
           </p:cNvSpPr>
@@ -1522,8 +2045,8 @@
         </p:nvSpPr>
         <p:spPr>
           <a:xfrm>
-            <a:off x="839788" y="365125"/>
-            <a:ext cx="10515600" cy="1325563"/>
+            <a:off x="822960" y="286604"/>
+            <a:ext cx="7543800" cy="1450757"/>
           </a:xfrm>
         </p:spPr>
         <p:txBody>
@@ -1534,19 +2057,13 @@
               <a:rPr lang="hu-HU"/>
               <a:t>Mintacím szerkesztése</a:t>
             </a:r>
-            <a:endParaRPr lang="en-GB"/>
-          </a:p>
-        </p:txBody>
-      </p:sp>
-      <p:sp>
-        <p:nvSpPr>
-          <p:cNvPr id="3" name="Szöveg helye 2">
-            <a:extLst>
-              <a:ext uri="{FF2B5EF4-FFF2-40B4-BE49-F238E27FC236}">
-                <a16:creationId xmlns:a16="http://schemas.microsoft.com/office/drawing/2014/main" id="{5F439A7F-4054-4C7A-A965-861466C0A574}"/>
-              </a:ext>
-            </a:extLst>
-          </p:cNvPr>
+            <a:endParaRPr lang="en-US" dirty="0"/>
+          </a:p>
+        </p:txBody>
+      </p:sp>
+      <p:sp>
+        <p:nvSpPr>
+          <p:cNvPr id="3" name="Text Placeholder 2"/>
           <p:cNvSpPr>
             <a:spLocks noGrp="1"/>
           </p:cNvSpPr>
@@ -1556,16 +2073,22 @@
         </p:nvSpPr>
         <p:spPr>
           <a:xfrm>
-            <a:off x="839788" y="1681163"/>
-            <a:ext cx="5157787" cy="823912"/>
+            <a:off x="822960" y="1846052"/>
+            <a:ext cx="3703320" cy="736282"/>
           </a:xfrm>
         </p:spPr>
         <p:txBody>
-          <a:bodyPr anchor="b"/>
+          <a:bodyPr lIns="91440" rIns="91440" anchor="ctr">
+            <a:normAutofit/>
+          </a:bodyPr>
           <a:lstStyle>
             <a:lvl1pPr marL="0" indent="0">
               <a:buNone/>
-              <a:defRPr sz="2400" b="1"/>
+              <a:defRPr sz="2000" b="0" cap="all" baseline="0">
+                <a:solidFill>
+                  <a:schemeClr val="tx2"/>
+                </a:solidFill>
+              </a:defRPr>
             </a:lvl1pPr>
             <a:lvl2pPr marL="457200" indent="0">
               <a:buNone/>
@@ -1611,13 +2134,7 @@
       </p:sp>
       <p:sp>
         <p:nvSpPr>
-          <p:cNvPr id="4" name="Tartalom helye 3">
-            <a:extLst>
-              <a:ext uri="{FF2B5EF4-FFF2-40B4-BE49-F238E27FC236}">
-                <a16:creationId xmlns:a16="http://schemas.microsoft.com/office/drawing/2014/main" id="{7477AC3F-217B-4FAB-B38C-BCC633882277}"/>
-              </a:ext>
-            </a:extLst>
-          </p:cNvPr>
+          <p:cNvPr id="4" name="Content Placeholder 3"/>
           <p:cNvSpPr>
             <a:spLocks noGrp="1"/>
           </p:cNvSpPr>
@@ -1627,8 +2144,8 @@
         </p:nvSpPr>
         <p:spPr>
           <a:xfrm>
-            <a:off x="839788" y="2505075"/>
-            <a:ext cx="5157787" cy="3684588"/>
+            <a:off x="822960" y="2582334"/>
+            <a:ext cx="3703320" cy="3286760"/>
           </a:xfrm>
         </p:spPr>
         <p:txBody>
@@ -1668,19 +2185,13 @@
               <a:rPr lang="hu-HU"/>
               <a:t>Ötödik szint</a:t>
             </a:r>
-            <a:endParaRPr lang="en-GB"/>
-          </a:p>
-        </p:txBody>
-      </p:sp>
-      <p:sp>
-        <p:nvSpPr>
-          <p:cNvPr id="5" name="Szöveg helye 4">
-            <a:extLst>
-              <a:ext uri="{FF2B5EF4-FFF2-40B4-BE49-F238E27FC236}">
-                <a16:creationId xmlns:a16="http://schemas.microsoft.com/office/drawing/2014/main" id="{85E060F4-7BF1-488F-A856-9F882C20ABEB}"/>
-              </a:ext>
-            </a:extLst>
-          </p:cNvPr>
+            <a:endParaRPr lang="en-US" dirty="0"/>
+          </a:p>
+        </p:txBody>
+      </p:sp>
+      <p:sp>
+        <p:nvSpPr>
+          <p:cNvPr id="5" name="Text Placeholder 4"/>
           <p:cNvSpPr>
             <a:spLocks noGrp="1"/>
           </p:cNvSpPr>
@@ -1690,16 +2201,22 @@
         </p:nvSpPr>
         <p:spPr>
           <a:xfrm>
-            <a:off x="6172200" y="1681163"/>
-            <a:ext cx="5183188" cy="823912"/>
+            <a:off x="4663440" y="1846052"/>
+            <a:ext cx="3703320" cy="736282"/>
           </a:xfrm>
         </p:spPr>
         <p:txBody>
-          <a:bodyPr anchor="b"/>
+          <a:bodyPr lIns="91440" rIns="91440" anchor="ctr">
+            <a:normAutofit/>
+          </a:bodyPr>
           <a:lstStyle>
             <a:lvl1pPr marL="0" indent="0">
               <a:buNone/>
-              <a:defRPr sz="2400" b="1"/>
+              <a:defRPr sz="2000" b="0" cap="all" baseline="0">
+                <a:solidFill>
+                  <a:schemeClr val="tx2"/>
+                </a:solidFill>
+              </a:defRPr>
             </a:lvl1pPr>
             <a:lvl2pPr marL="457200" indent="0">
               <a:buNone/>
@@ -1745,13 +2262,7 @@
       </p:sp>
       <p:sp>
         <p:nvSpPr>
-          <p:cNvPr id="6" name="Tartalom helye 5">
-            <a:extLst>
-              <a:ext uri="{FF2B5EF4-FFF2-40B4-BE49-F238E27FC236}">
-                <a16:creationId xmlns:a16="http://schemas.microsoft.com/office/drawing/2014/main" id="{475D8554-0308-49AC-AF64-D607FCDB44D5}"/>
-              </a:ext>
-            </a:extLst>
-          </p:cNvPr>
+          <p:cNvPr id="6" name="Content Placeholder 5"/>
           <p:cNvSpPr>
             <a:spLocks noGrp="1"/>
           </p:cNvSpPr>
@@ -1761,8 +2272,8 @@
         </p:nvSpPr>
         <p:spPr>
           <a:xfrm>
-            <a:off x="6172200" y="2505075"/>
-            <a:ext cx="5183188" cy="3684588"/>
+            <a:off x="4663440" y="2582334"/>
+            <a:ext cx="3703320" cy="3286760"/>
           </a:xfrm>
         </p:spPr>
         <p:txBody>
@@ -1802,19 +2313,13 @@
               <a:rPr lang="hu-HU"/>
               <a:t>Ötödik szint</a:t>
             </a:r>
-            <a:endParaRPr lang="en-GB"/>
-          </a:p>
-        </p:txBody>
-      </p:sp>
-      <p:sp>
-        <p:nvSpPr>
-          <p:cNvPr id="7" name="Dátum helye 6">
-            <a:extLst>
-              <a:ext uri="{FF2B5EF4-FFF2-40B4-BE49-F238E27FC236}">
-                <a16:creationId xmlns:a16="http://schemas.microsoft.com/office/drawing/2014/main" id="{7475A1E9-6E39-4DB0-AEF2-EEF265335DC6}"/>
-              </a:ext>
-            </a:extLst>
-          </p:cNvPr>
+            <a:endParaRPr lang="en-US" dirty="0"/>
+          </a:p>
+        </p:txBody>
+      </p:sp>
+      <p:sp>
+        <p:nvSpPr>
+          <p:cNvPr id="7" name="Date Placeholder 6"/>
           <p:cNvSpPr>
             <a:spLocks noGrp="1"/>
           </p:cNvSpPr>
@@ -1827,23 +2332,16 @@
           <a:bodyPr/>
           <a:lstStyle/>
           <a:p>
-            <a:fld id="{A00BCB4F-31B8-47ED-9CD7-1B4D0F1274C2}" type="datetimeFigureOut">
-              <a:rPr lang="en-GB" smtClean="0"/>
+            <a:r>
+              <a:rPr lang="en-GB"/>
               <a:t>27/10/2017</a:t>
-            </a:fld>
-            <a:endParaRPr lang="en-GB"/>
-          </a:p>
-        </p:txBody>
-      </p:sp>
-      <p:sp>
-        <p:nvSpPr>
-          <p:cNvPr id="8" name="Élőláb helye 7">
-            <a:extLst>
-              <a:ext uri="{FF2B5EF4-FFF2-40B4-BE49-F238E27FC236}">
-                <a16:creationId xmlns:a16="http://schemas.microsoft.com/office/drawing/2014/main" id="{75F80846-2537-474D-A3EB-B89F667168FB}"/>
-              </a:ext>
-            </a:extLst>
-          </p:cNvPr>
+            </a:r>
+          </a:p>
+        </p:txBody>
+      </p:sp>
+      <p:sp>
+        <p:nvSpPr>
+          <p:cNvPr id="8" name="Footer Placeholder 7"/>
           <p:cNvSpPr>
             <a:spLocks noGrp="1"/>
           </p:cNvSpPr>
@@ -1856,19 +2354,16 @@
           <a:bodyPr/>
           <a:lstStyle/>
           <a:p>
-            <a:endParaRPr lang="en-GB"/>
-          </a:p>
-        </p:txBody>
-      </p:sp>
-      <p:sp>
-        <p:nvSpPr>
-          <p:cNvPr id="9" name="Dia számának helye 8">
-            <a:extLst>
-              <a:ext uri="{FF2B5EF4-FFF2-40B4-BE49-F238E27FC236}">
-                <a16:creationId xmlns:a16="http://schemas.microsoft.com/office/drawing/2014/main" id="{31871E37-991D-4EE0-9DCF-C1682FE5CAD8}"/>
-              </a:ext>
-            </a:extLst>
-          </p:cNvPr>
+            <a:r>
+              <a:rPr lang="en-GB"/>
+              <a:t>Boldizsár Kiss</a:t>
+            </a:r>
+          </a:p>
+        </p:txBody>
+      </p:sp>
+      <p:sp>
+        <p:nvSpPr>
+          <p:cNvPr id="9" name="Slide Number Placeholder 8"/>
           <p:cNvSpPr>
             <a:spLocks noGrp="1"/>
           </p:cNvSpPr>
@@ -1892,7 +2387,7 @@
     </p:spTree>
     <p:extLst>
       <p:ext uri="{BB962C8B-B14F-4D97-AF65-F5344CB8AC3E}">
-        <p14:creationId xmlns:p14="http://schemas.microsoft.com/office/powerpoint/2010/main" val="1898268221"/>
+        <p14:creationId xmlns:p14="http://schemas.microsoft.com/office/powerpoint/2010/main" val="1646600583"/>
       </p:ext>
     </p:extLst>
   </p:cSld>
@@ -1921,13 +2416,7 @@
       </p:grpSpPr>
       <p:sp>
         <p:nvSpPr>
-          <p:cNvPr id="2" name="Cím 1">
-            <a:extLst>
-              <a:ext uri="{FF2B5EF4-FFF2-40B4-BE49-F238E27FC236}">
-                <a16:creationId xmlns:a16="http://schemas.microsoft.com/office/drawing/2014/main" id="{62E0DE83-EC0B-4A4B-8A82-8F2A57F552E1}"/>
-              </a:ext>
-            </a:extLst>
-          </p:cNvPr>
+          <p:cNvPr id="2" name="Title 1"/>
           <p:cNvSpPr>
             <a:spLocks noGrp="1"/>
           </p:cNvSpPr>
@@ -1944,19 +2433,13 @@
               <a:rPr lang="hu-HU"/>
               <a:t>Mintacím szerkesztése</a:t>
             </a:r>
-            <a:endParaRPr lang="en-GB"/>
-          </a:p>
-        </p:txBody>
-      </p:sp>
-      <p:sp>
-        <p:nvSpPr>
-          <p:cNvPr id="3" name="Dátum helye 2">
-            <a:extLst>
-              <a:ext uri="{FF2B5EF4-FFF2-40B4-BE49-F238E27FC236}">
-                <a16:creationId xmlns:a16="http://schemas.microsoft.com/office/drawing/2014/main" id="{EF92E18A-7275-4896-9962-FACBADF9268C}"/>
-              </a:ext>
-            </a:extLst>
-          </p:cNvPr>
+            <a:endParaRPr lang="en-US" dirty="0"/>
+          </a:p>
+        </p:txBody>
+      </p:sp>
+      <p:sp>
+        <p:nvSpPr>
+          <p:cNvPr id="3" name="Date Placeholder 2"/>
           <p:cNvSpPr>
             <a:spLocks noGrp="1"/>
           </p:cNvSpPr>
@@ -1969,23 +2452,16 @@
           <a:bodyPr/>
           <a:lstStyle/>
           <a:p>
-            <a:fld id="{A00BCB4F-31B8-47ED-9CD7-1B4D0F1274C2}" type="datetimeFigureOut">
-              <a:rPr lang="en-GB" smtClean="0"/>
+            <a:r>
+              <a:rPr lang="en-GB"/>
               <a:t>27/10/2017</a:t>
-            </a:fld>
-            <a:endParaRPr lang="en-GB"/>
-          </a:p>
-        </p:txBody>
-      </p:sp>
-      <p:sp>
-        <p:nvSpPr>
-          <p:cNvPr id="4" name="Élőláb helye 3">
-            <a:extLst>
-              <a:ext uri="{FF2B5EF4-FFF2-40B4-BE49-F238E27FC236}">
-                <a16:creationId xmlns:a16="http://schemas.microsoft.com/office/drawing/2014/main" id="{4D1EC27B-2007-4FAF-B556-F85480BB7CE6}"/>
-              </a:ext>
-            </a:extLst>
-          </p:cNvPr>
+            </a:r>
+          </a:p>
+        </p:txBody>
+      </p:sp>
+      <p:sp>
+        <p:nvSpPr>
+          <p:cNvPr id="4" name="Footer Placeholder 3"/>
           <p:cNvSpPr>
             <a:spLocks noGrp="1"/>
           </p:cNvSpPr>
@@ -1998,19 +2474,16 @@
           <a:bodyPr/>
           <a:lstStyle/>
           <a:p>
-            <a:endParaRPr lang="en-GB"/>
-          </a:p>
-        </p:txBody>
-      </p:sp>
-      <p:sp>
-        <p:nvSpPr>
-          <p:cNvPr id="5" name="Dia számának helye 4">
-            <a:extLst>
-              <a:ext uri="{FF2B5EF4-FFF2-40B4-BE49-F238E27FC236}">
-                <a16:creationId xmlns:a16="http://schemas.microsoft.com/office/drawing/2014/main" id="{593BD607-275B-40FB-B352-AC7DC8402317}"/>
-              </a:ext>
-            </a:extLst>
-          </p:cNvPr>
+            <a:r>
+              <a:rPr lang="en-GB"/>
+              <a:t>Boldizsár Kiss</a:t>
+            </a:r>
+          </a:p>
+        </p:txBody>
+      </p:sp>
+      <p:sp>
+        <p:nvSpPr>
+          <p:cNvPr id="5" name="Slide Number Placeholder 4"/>
           <p:cNvSpPr>
             <a:spLocks noGrp="1"/>
           </p:cNvSpPr>
@@ -2034,7 +2507,7 @@
     </p:spTree>
     <p:extLst>
       <p:ext uri="{BB962C8B-B14F-4D97-AF65-F5344CB8AC3E}">
-        <p14:creationId xmlns:p14="http://schemas.microsoft.com/office/powerpoint/2010/main" val="1130132991"/>
+        <p14:creationId xmlns:p14="http://schemas.microsoft.com/office/powerpoint/2010/main" val="2538449350"/>
       </p:ext>
     </p:extLst>
   </p:cSld>
@@ -2045,7 +2518,7 @@
 </file>
 
 <file path=ppt/slideLayouts/slideLayout7.xml><?xml version="1.0" encoding="utf-8"?>
-<p:sldLayout xmlns:a="http://schemas.openxmlformats.org/drawingml/2006/main" xmlns:r="http://schemas.openxmlformats.org/officeDocument/2006/relationships" xmlns:p="http://schemas.openxmlformats.org/presentationml/2006/main" type="blank" preserve="1">
+<p:sldLayout xmlns:a="http://schemas.openxmlformats.org/drawingml/2006/main" xmlns:r="http://schemas.openxmlformats.org/officeDocument/2006/relationships" xmlns:p="http://schemas.openxmlformats.org/presentationml/2006/main" showMasterSp="0" type="blank" preserve="1">
   <p:cSld name="Üres">
     <p:spTree>
       <p:nvGrpSpPr>
@@ -2063,13 +2536,83 @@
       </p:grpSpPr>
       <p:sp>
         <p:nvSpPr>
-          <p:cNvPr id="2" name="Dátum helye 1">
-            <a:extLst>
-              <a:ext uri="{FF2B5EF4-FFF2-40B4-BE49-F238E27FC236}">
-                <a16:creationId xmlns:a16="http://schemas.microsoft.com/office/drawing/2014/main" id="{F01A442C-2FF3-4DD2-A391-4842D2D8A668}"/>
-              </a:ext>
-            </a:extLst>
-          </p:cNvPr>
+          <p:cNvPr id="5" name="Rectangle 4"/>
+          <p:cNvSpPr/>
+          <p:nvPr/>
+        </p:nvSpPr>
+        <p:spPr>
+          <a:xfrm>
+            <a:off x="2382" y="6400800"/>
+            <a:ext cx="9141619" cy="457200"/>
+          </a:xfrm>
+          <a:prstGeom prst="rect">
+            <a:avLst/>
+          </a:prstGeom>
+          <a:solidFill>
+            <a:schemeClr val="accent2"/>
+          </a:solidFill>
+          <a:ln>
+            <a:noFill/>
+          </a:ln>
+        </p:spPr>
+        <p:style>
+          <a:lnRef idx="2">
+            <a:schemeClr val="accent1">
+              <a:shade val="50000"/>
+            </a:schemeClr>
+          </a:lnRef>
+          <a:fillRef idx="1">
+            <a:schemeClr val="accent1"/>
+          </a:fillRef>
+          <a:effectRef idx="0">
+            <a:schemeClr val="accent1"/>
+          </a:effectRef>
+          <a:fontRef idx="minor">
+            <a:schemeClr val="lt1"/>
+          </a:fontRef>
+        </p:style>
+      </p:sp>
+      <p:sp>
+        <p:nvSpPr>
+          <p:cNvPr id="6" name="Rectangle 5"/>
+          <p:cNvSpPr/>
+          <p:nvPr/>
+        </p:nvSpPr>
+        <p:spPr>
+          <a:xfrm>
+            <a:off x="12" y="6334316"/>
+            <a:ext cx="9141619" cy="64008"/>
+          </a:xfrm>
+          <a:prstGeom prst="rect">
+            <a:avLst/>
+          </a:prstGeom>
+          <a:solidFill>
+            <a:schemeClr val="accent1"/>
+          </a:solidFill>
+          <a:ln>
+            <a:noFill/>
+          </a:ln>
+        </p:spPr>
+        <p:style>
+          <a:lnRef idx="2">
+            <a:schemeClr val="accent1">
+              <a:shade val="50000"/>
+            </a:schemeClr>
+          </a:lnRef>
+          <a:fillRef idx="1">
+            <a:schemeClr val="accent1"/>
+          </a:fillRef>
+          <a:effectRef idx="0">
+            <a:schemeClr val="accent1"/>
+          </a:effectRef>
+          <a:fontRef idx="minor">
+            <a:schemeClr val="lt1"/>
+          </a:fontRef>
+        </p:style>
+      </p:sp>
+      <p:sp>
+        <p:nvSpPr>
+          <p:cNvPr id="7" name="Date Placeholder 6"/>
           <p:cNvSpPr>
             <a:spLocks noGrp="1"/>
           </p:cNvSpPr>
@@ -2082,23 +2625,16 @@
           <a:bodyPr/>
           <a:lstStyle/>
           <a:p>
-            <a:fld id="{A00BCB4F-31B8-47ED-9CD7-1B4D0F1274C2}" type="datetimeFigureOut">
-              <a:rPr lang="en-GB" smtClean="0"/>
+            <a:r>
+              <a:rPr lang="en-GB"/>
               <a:t>27/10/2017</a:t>
-            </a:fld>
-            <a:endParaRPr lang="en-GB"/>
-          </a:p>
-        </p:txBody>
-      </p:sp>
-      <p:sp>
-        <p:nvSpPr>
-          <p:cNvPr id="3" name="Élőláb helye 2">
-            <a:extLst>
-              <a:ext uri="{FF2B5EF4-FFF2-40B4-BE49-F238E27FC236}">
-                <a16:creationId xmlns:a16="http://schemas.microsoft.com/office/drawing/2014/main" id="{209B20C5-1D7E-4F68-BF86-3D6F128E3A39}"/>
-              </a:ext>
-            </a:extLst>
-          </p:cNvPr>
+            </a:r>
+          </a:p>
+        </p:txBody>
+      </p:sp>
+      <p:sp>
+        <p:nvSpPr>
+          <p:cNvPr id="8" name="Footer Placeholder 7"/>
           <p:cNvSpPr>
             <a:spLocks noGrp="1"/>
           </p:cNvSpPr>
@@ -2109,21 +2645,26 @@
         <p:spPr/>
         <p:txBody>
           <a:bodyPr/>
-          <a:lstStyle/>
-          <a:p>
-            <a:endParaRPr lang="en-GB"/>
-          </a:p>
-        </p:txBody>
-      </p:sp>
-      <p:sp>
-        <p:nvSpPr>
-          <p:cNvPr id="4" name="Dia számának helye 3">
-            <a:extLst>
-              <a:ext uri="{FF2B5EF4-FFF2-40B4-BE49-F238E27FC236}">
-                <a16:creationId xmlns:a16="http://schemas.microsoft.com/office/drawing/2014/main" id="{CDF61A17-3A69-47A9-A339-4CA7AE9FBC4B}"/>
-              </a:ext>
-            </a:extLst>
-          </p:cNvPr>
+          <a:lstStyle>
+            <a:lvl1pPr>
+              <a:defRPr>
+                <a:solidFill>
+                  <a:srgbClr val="FFFFFF"/>
+                </a:solidFill>
+              </a:defRPr>
+            </a:lvl1pPr>
+          </a:lstStyle>
+          <a:p>
+            <a:r>
+              <a:rPr lang="en-GB"/>
+              <a:t>Boldizsár Kiss</a:t>
+            </a:r>
+          </a:p>
+        </p:txBody>
+      </p:sp>
+      <p:sp>
+        <p:nvSpPr>
+          <p:cNvPr id="9" name="Slide Number Placeholder 8"/>
           <p:cNvSpPr>
             <a:spLocks noGrp="1"/>
           </p:cNvSpPr>
@@ -2147,7 +2688,7 @@
     </p:spTree>
     <p:extLst>
       <p:ext uri="{BB962C8B-B14F-4D97-AF65-F5344CB8AC3E}">
-        <p14:creationId xmlns:p14="http://schemas.microsoft.com/office/powerpoint/2010/main" val="4025510915"/>
+        <p14:creationId xmlns:p14="http://schemas.microsoft.com/office/powerpoint/2010/main" val="83290965"/>
       </p:ext>
     </p:extLst>
   </p:cSld>
@@ -2158,7 +2699,7 @@
 </file>
 
 <file path=ppt/slideLayouts/slideLayout8.xml><?xml version="1.0" encoding="utf-8"?>
-<p:sldLayout xmlns:a="http://schemas.openxmlformats.org/drawingml/2006/main" xmlns:r="http://schemas.openxmlformats.org/officeDocument/2006/relationships" xmlns:p="http://schemas.openxmlformats.org/presentationml/2006/main" type="objTx" preserve="1">
+<p:sldLayout xmlns:a="http://schemas.openxmlformats.org/drawingml/2006/main" xmlns:r="http://schemas.openxmlformats.org/officeDocument/2006/relationships" xmlns:p="http://schemas.openxmlformats.org/presentationml/2006/main" showMasterSp="0" type="objTx" preserve="1">
   <p:cSld name="Tartalomrész képaláírással">
     <p:spTree>
       <p:nvGrpSpPr>
@@ -2176,31 +2717,107 @@
       </p:grpSpPr>
       <p:sp>
         <p:nvSpPr>
-          <p:cNvPr id="2" name="Cím 1">
-            <a:extLst>
-              <a:ext uri="{FF2B5EF4-FFF2-40B4-BE49-F238E27FC236}">
-                <a16:creationId xmlns:a16="http://schemas.microsoft.com/office/drawing/2014/main" id="{9A2CBAFD-F9B2-418C-9D15-FE464CA01DE3}"/>
-              </a:ext>
-            </a:extLst>
-          </p:cNvPr>
-          <p:cNvSpPr>
-            <a:spLocks noGrp="1"/>
-          </p:cNvSpPr>
-          <p:nvPr>
-            <p:ph type="title"/>
-          </p:nvPr>
+          <p:cNvPr id="8" name="Rectangle 7"/>
+          <p:cNvSpPr/>
+          <p:nvPr/>
         </p:nvSpPr>
         <p:spPr>
           <a:xfrm>
-            <a:off x="839788" y="457200"/>
-            <a:ext cx="3932237" cy="1600200"/>
+            <a:off x="13" y="0"/>
+            <a:ext cx="3038093" cy="6858000"/>
+          </a:xfrm>
+          <a:prstGeom prst="rect">
+            <a:avLst/>
+          </a:prstGeom>
+          <a:solidFill>
+            <a:schemeClr val="accent2"/>
+          </a:solidFill>
+          <a:ln>
+            <a:noFill/>
+          </a:ln>
+        </p:spPr>
+        <p:style>
+          <a:lnRef idx="2">
+            <a:schemeClr val="accent1">
+              <a:shade val="50000"/>
+            </a:schemeClr>
+          </a:lnRef>
+          <a:fillRef idx="1">
+            <a:schemeClr val="accent1"/>
+          </a:fillRef>
+          <a:effectRef idx="0">
+            <a:schemeClr val="accent1"/>
+          </a:effectRef>
+          <a:fontRef idx="minor">
+            <a:schemeClr val="lt1"/>
+          </a:fontRef>
+        </p:style>
+      </p:sp>
+      <p:sp>
+        <p:nvSpPr>
+          <p:cNvPr id="9" name="Rectangle 8"/>
+          <p:cNvSpPr/>
+          <p:nvPr/>
+        </p:nvSpPr>
+        <p:spPr>
+          <a:xfrm>
+            <a:off x="3030053" y="0"/>
+            <a:ext cx="48006" cy="6858000"/>
+          </a:xfrm>
+          <a:prstGeom prst="rect">
+            <a:avLst/>
+          </a:prstGeom>
+          <a:solidFill>
+            <a:schemeClr val="accent1"/>
+          </a:solidFill>
+          <a:ln>
+            <a:noFill/>
+          </a:ln>
+        </p:spPr>
+        <p:style>
+          <a:lnRef idx="2">
+            <a:schemeClr val="accent1">
+              <a:shade val="50000"/>
+            </a:schemeClr>
+          </a:lnRef>
+          <a:fillRef idx="1">
+            <a:schemeClr val="accent1"/>
+          </a:fillRef>
+          <a:effectRef idx="0">
+            <a:schemeClr val="accent1"/>
+          </a:effectRef>
+          <a:fontRef idx="minor">
+            <a:schemeClr val="lt1"/>
+          </a:fontRef>
+        </p:style>
+      </p:sp>
+      <p:sp>
+        <p:nvSpPr>
+          <p:cNvPr id="2" name="Title 1"/>
+          <p:cNvSpPr>
+            <a:spLocks noGrp="1"/>
+          </p:cNvSpPr>
+          <p:nvPr>
+            <p:ph type="title"/>
+          </p:nvPr>
+        </p:nvSpPr>
+        <p:spPr>
+          <a:xfrm>
+            <a:off x="342900" y="594359"/>
+            <a:ext cx="2400300" cy="2286000"/>
           </a:xfrm>
         </p:spPr>
         <p:txBody>
-          <a:bodyPr anchor="b"/>
+          <a:bodyPr anchor="b">
+            <a:normAutofit/>
+          </a:bodyPr>
           <a:lstStyle>
             <a:lvl1pPr>
-              <a:defRPr sz="3200"/>
+              <a:defRPr sz="3600" b="0">
+                <a:solidFill>
+                  <a:srgbClr val="FFFFFF"/>
+                </a:solidFill>
+              </a:defRPr>
             </a:lvl1pPr>
           </a:lstStyle>
           <a:p>
@@ -2208,19 +2825,13 @@
               <a:rPr lang="hu-HU"/>
               <a:t>Mintacím szerkesztése</a:t>
             </a:r>
-            <a:endParaRPr lang="en-GB"/>
-          </a:p>
-        </p:txBody>
-      </p:sp>
-      <p:sp>
-        <p:nvSpPr>
-          <p:cNvPr id="3" name="Tartalom helye 2">
-            <a:extLst>
-              <a:ext uri="{FF2B5EF4-FFF2-40B4-BE49-F238E27FC236}">
-                <a16:creationId xmlns:a16="http://schemas.microsoft.com/office/drawing/2014/main" id="{D82DC9F1-3F83-4AFF-A357-F0CDED6EFF5E}"/>
-              </a:ext>
-            </a:extLst>
-          </p:cNvPr>
+            <a:endParaRPr lang="en-US" dirty="0"/>
+          </a:p>
+        </p:txBody>
+      </p:sp>
+      <p:sp>
+        <p:nvSpPr>
+          <p:cNvPr id="3" name="Content Placeholder 2"/>
           <p:cNvSpPr>
             <a:spLocks noGrp="1"/>
           </p:cNvSpPr>
@@ -2230,224 +2841,210 @@
         </p:nvSpPr>
         <p:spPr>
           <a:xfrm>
-            <a:off x="5183188" y="987425"/>
-            <a:ext cx="6172200" cy="4873625"/>
+            <a:off x="3460237" y="731520"/>
+            <a:ext cx="5009393" cy="5257800"/>
           </a:xfrm>
         </p:spPr>
         <p:txBody>
           <a:bodyPr/>
+          <a:lstStyle/>
+          <a:p>
+            <a:pPr lvl="0"/>
+            <a:r>
+              <a:rPr lang="hu-HU"/>
+              <a:t>Mintaszöveg szerkesztése</a:t>
+            </a:r>
+          </a:p>
+          <a:p>
+            <a:pPr lvl="1"/>
+            <a:r>
+              <a:rPr lang="hu-HU"/>
+              <a:t>Második szint</a:t>
+            </a:r>
+          </a:p>
+          <a:p>
+            <a:pPr lvl="2"/>
+            <a:r>
+              <a:rPr lang="hu-HU"/>
+              <a:t>Harmadik szint</a:t>
+            </a:r>
+          </a:p>
+          <a:p>
+            <a:pPr lvl="3"/>
+            <a:r>
+              <a:rPr lang="hu-HU"/>
+              <a:t>Negyedik szint</a:t>
+            </a:r>
+          </a:p>
+          <a:p>
+            <a:pPr lvl="4"/>
+            <a:r>
+              <a:rPr lang="hu-HU"/>
+              <a:t>Ötödik szint</a:t>
+            </a:r>
+            <a:endParaRPr lang="en-US" dirty="0"/>
+          </a:p>
+        </p:txBody>
+      </p:sp>
+      <p:sp>
+        <p:nvSpPr>
+          <p:cNvPr id="4" name="Text Placeholder 3"/>
+          <p:cNvSpPr>
+            <a:spLocks noGrp="1"/>
+          </p:cNvSpPr>
+          <p:nvPr>
+            <p:ph type="body" sz="half" idx="2"/>
+          </p:nvPr>
+        </p:nvSpPr>
+        <p:spPr>
+          <a:xfrm>
+            <a:off x="342900" y="2926080"/>
+            <a:ext cx="2400300" cy="3379124"/>
+          </a:xfrm>
+        </p:spPr>
+        <p:txBody>
+          <a:bodyPr lIns="91440" rIns="91440">
+            <a:normAutofit/>
+          </a:bodyPr>
+          <a:lstStyle>
+            <a:lvl1pPr marL="0" indent="0">
+              <a:buNone/>
+              <a:defRPr sz="1500">
+                <a:solidFill>
+                  <a:srgbClr val="FFFFFF"/>
+                </a:solidFill>
+              </a:defRPr>
+            </a:lvl1pPr>
+            <a:lvl2pPr marL="457200" indent="0">
+              <a:buNone/>
+              <a:defRPr sz="1200"/>
+            </a:lvl2pPr>
+            <a:lvl3pPr marL="914400" indent="0">
+              <a:buNone/>
+              <a:defRPr sz="1000"/>
+            </a:lvl3pPr>
+            <a:lvl4pPr marL="1371600" indent="0">
+              <a:buNone/>
+              <a:defRPr sz="900"/>
+            </a:lvl4pPr>
+            <a:lvl5pPr marL="1828800" indent="0">
+              <a:buNone/>
+              <a:defRPr sz="900"/>
+            </a:lvl5pPr>
+            <a:lvl6pPr marL="2286000" indent="0">
+              <a:buNone/>
+              <a:defRPr sz="900"/>
+            </a:lvl6pPr>
+            <a:lvl7pPr marL="2743200" indent="0">
+              <a:buNone/>
+              <a:defRPr sz="900"/>
+            </a:lvl7pPr>
+            <a:lvl8pPr marL="3200400" indent="0">
+              <a:buNone/>
+              <a:defRPr sz="900"/>
+            </a:lvl8pPr>
+            <a:lvl9pPr marL="3657600" indent="0">
+              <a:buNone/>
+              <a:defRPr sz="900"/>
+            </a:lvl9pPr>
+          </a:lstStyle>
+          <a:p>
+            <a:pPr lvl="0"/>
+            <a:r>
+              <a:rPr lang="hu-HU"/>
+              <a:t>Mintaszöveg szerkesztése</a:t>
+            </a:r>
+          </a:p>
+        </p:txBody>
+      </p:sp>
+      <p:sp>
+        <p:nvSpPr>
+          <p:cNvPr id="5" name="Date Placeholder 4"/>
+          <p:cNvSpPr>
+            <a:spLocks noGrp="1"/>
+          </p:cNvSpPr>
+          <p:nvPr>
+            <p:ph type="dt" sz="half" idx="10"/>
+          </p:nvPr>
+        </p:nvSpPr>
+        <p:spPr>
+          <a:xfrm>
+            <a:off x="349134" y="6459786"/>
+            <a:ext cx="1963883" cy="365125"/>
+          </a:xfrm>
+        </p:spPr>
+        <p:txBody>
+          <a:bodyPr/>
+          <a:lstStyle>
+            <a:lvl1pPr algn="l">
+              <a:defRPr/>
+            </a:lvl1pPr>
+          </a:lstStyle>
+          <a:p>
+            <a:r>
+              <a:rPr lang="en-GB"/>
+              <a:t>27/10/2017</a:t>
+            </a:r>
+          </a:p>
+        </p:txBody>
+      </p:sp>
+      <p:sp>
+        <p:nvSpPr>
+          <p:cNvPr id="6" name="Footer Placeholder 5"/>
+          <p:cNvSpPr>
+            <a:spLocks noGrp="1"/>
+          </p:cNvSpPr>
+          <p:nvPr>
+            <p:ph type="ftr" sz="quarter" idx="11"/>
+          </p:nvPr>
+        </p:nvSpPr>
+        <p:spPr>
+          <a:xfrm>
+            <a:off x="3600450" y="6459786"/>
+            <a:ext cx="3486150" cy="365125"/>
+          </a:xfrm>
+        </p:spPr>
+        <p:txBody>
+          <a:bodyPr/>
+          <a:lstStyle>
+            <a:lvl1pPr algn="l">
+              <a:defRPr>
+                <a:solidFill>
+                  <a:schemeClr val="tx2"/>
+                </a:solidFill>
+              </a:defRPr>
+            </a:lvl1pPr>
+          </a:lstStyle>
+          <a:p>
+            <a:r>
+              <a:rPr lang="en-GB"/>
+              <a:t>Boldizsár Kiss</a:t>
+            </a:r>
+          </a:p>
+        </p:txBody>
+      </p:sp>
+      <p:sp>
+        <p:nvSpPr>
+          <p:cNvPr id="7" name="Slide Number Placeholder 6"/>
+          <p:cNvSpPr>
+            <a:spLocks noGrp="1"/>
+          </p:cNvSpPr>
+          <p:nvPr>
+            <p:ph type="sldNum" sz="quarter" idx="12"/>
+          </p:nvPr>
+        </p:nvSpPr>
+        <p:spPr/>
+        <p:txBody>
+          <a:bodyPr/>
           <a:lstStyle>
             <a:lvl1pPr>
-              <a:defRPr sz="3200"/>
+              <a:defRPr>
+                <a:solidFill>
+                  <a:schemeClr val="tx2"/>
+                </a:solidFill>
+              </a:defRPr>
             </a:lvl1pPr>
-            <a:lvl2pPr>
-              <a:defRPr sz="2800"/>
-            </a:lvl2pPr>
-            <a:lvl3pPr>
-              <a:defRPr sz="2400"/>
-            </a:lvl3pPr>
-            <a:lvl4pPr>
-              <a:defRPr sz="2000"/>
-            </a:lvl4pPr>
-            <a:lvl5pPr>
-              <a:defRPr sz="2000"/>
-            </a:lvl5pPr>
-            <a:lvl6pPr>
-              <a:defRPr sz="2000"/>
-            </a:lvl6pPr>
-            <a:lvl7pPr>
-              <a:defRPr sz="2000"/>
-            </a:lvl7pPr>
-            <a:lvl8pPr>
-              <a:defRPr sz="2000"/>
-            </a:lvl8pPr>
-            <a:lvl9pPr>
-              <a:defRPr sz="2000"/>
-            </a:lvl9pPr>
           </a:lstStyle>
-          <a:p>
-            <a:pPr lvl="0"/>
-            <a:r>
-              <a:rPr lang="hu-HU"/>
-              <a:t>Mintaszöveg szerkesztése</a:t>
-            </a:r>
-          </a:p>
-          <a:p>
-            <a:pPr lvl="1"/>
-            <a:r>
-              <a:rPr lang="hu-HU"/>
-              <a:t>Második szint</a:t>
-            </a:r>
-          </a:p>
-          <a:p>
-            <a:pPr lvl="2"/>
-            <a:r>
-              <a:rPr lang="hu-HU"/>
-              <a:t>Harmadik szint</a:t>
-            </a:r>
-          </a:p>
-          <a:p>
-            <a:pPr lvl="3"/>
-            <a:r>
-              <a:rPr lang="hu-HU"/>
-              <a:t>Negyedik szint</a:t>
-            </a:r>
-          </a:p>
-          <a:p>
-            <a:pPr lvl="4"/>
-            <a:r>
-              <a:rPr lang="hu-HU"/>
-              <a:t>Ötödik szint</a:t>
-            </a:r>
-            <a:endParaRPr lang="en-GB"/>
-          </a:p>
-        </p:txBody>
-      </p:sp>
-      <p:sp>
-        <p:nvSpPr>
-          <p:cNvPr id="4" name="Szöveg helye 3">
-            <a:extLst>
-              <a:ext uri="{FF2B5EF4-FFF2-40B4-BE49-F238E27FC236}">
-                <a16:creationId xmlns:a16="http://schemas.microsoft.com/office/drawing/2014/main" id="{75ABE3AC-F809-4FC9-8493-19AF8F0CBB99}"/>
-              </a:ext>
-            </a:extLst>
-          </p:cNvPr>
-          <p:cNvSpPr>
-            <a:spLocks noGrp="1"/>
-          </p:cNvSpPr>
-          <p:nvPr>
-            <p:ph type="body" sz="half" idx="2"/>
-          </p:nvPr>
-        </p:nvSpPr>
-        <p:spPr>
-          <a:xfrm>
-            <a:off x="839788" y="2057400"/>
-            <a:ext cx="3932237" cy="3811588"/>
-          </a:xfrm>
-        </p:spPr>
-        <p:txBody>
-          <a:bodyPr/>
-          <a:lstStyle>
-            <a:lvl1pPr marL="0" indent="0">
-              <a:buNone/>
-              <a:defRPr sz="1600"/>
-            </a:lvl1pPr>
-            <a:lvl2pPr marL="457200" indent="0">
-              <a:buNone/>
-              <a:defRPr sz="1400"/>
-            </a:lvl2pPr>
-            <a:lvl3pPr marL="914400" indent="0">
-              <a:buNone/>
-              <a:defRPr sz="1200"/>
-            </a:lvl3pPr>
-            <a:lvl4pPr marL="1371600" indent="0">
-              <a:buNone/>
-              <a:defRPr sz="1000"/>
-            </a:lvl4pPr>
-            <a:lvl5pPr marL="1828800" indent="0">
-              <a:buNone/>
-              <a:defRPr sz="1000"/>
-            </a:lvl5pPr>
-            <a:lvl6pPr marL="2286000" indent="0">
-              <a:buNone/>
-              <a:defRPr sz="1000"/>
-            </a:lvl6pPr>
-            <a:lvl7pPr marL="2743200" indent="0">
-              <a:buNone/>
-              <a:defRPr sz="1000"/>
-            </a:lvl7pPr>
-            <a:lvl8pPr marL="3200400" indent="0">
-              <a:buNone/>
-              <a:defRPr sz="1000"/>
-            </a:lvl8pPr>
-            <a:lvl9pPr marL="3657600" indent="0">
-              <a:buNone/>
-              <a:defRPr sz="1000"/>
-            </a:lvl9pPr>
-          </a:lstStyle>
-          <a:p>
-            <a:pPr lvl="0"/>
-            <a:r>
-              <a:rPr lang="hu-HU"/>
-              <a:t>Mintaszöveg szerkesztése</a:t>
-            </a:r>
-          </a:p>
-        </p:txBody>
-      </p:sp>
-      <p:sp>
-        <p:nvSpPr>
-          <p:cNvPr id="5" name="Dátum helye 4">
-            <a:extLst>
-              <a:ext uri="{FF2B5EF4-FFF2-40B4-BE49-F238E27FC236}">
-                <a16:creationId xmlns:a16="http://schemas.microsoft.com/office/drawing/2014/main" id="{48F961EC-8F26-4385-A93C-9F6DE67B8193}"/>
-              </a:ext>
-            </a:extLst>
-          </p:cNvPr>
-          <p:cNvSpPr>
-            <a:spLocks noGrp="1"/>
-          </p:cNvSpPr>
-          <p:nvPr>
-            <p:ph type="dt" sz="half" idx="10"/>
-          </p:nvPr>
-        </p:nvSpPr>
-        <p:spPr/>
-        <p:txBody>
-          <a:bodyPr/>
-          <a:lstStyle/>
-          <a:p>
-            <a:fld id="{A00BCB4F-31B8-47ED-9CD7-1B4D0F1274C2}" type="datetimeFigureOut">
-              <a:rPr lang="en-GB" smtClean="0"/>
-              <a:t>27/10/2017</a:t>
-            </a:fld>
-            <a:endParaRPr lang="en-GB"/>
-          </a:p>
-        </p:txBody>
-      </p:sp>
-      <p:sp>
-        <p:nvSpPr>
-          <p:cNvPr id="6" name="Élőláb helye 5">
-            <a:extLst>
-              <a:ext uri="{FF2B5EF4-FFF2-40B4-BE49-F238E27FC236}">
-                <a16:creationId xmlns:a16="http://schemas.microsoft.com/office/drawing/2014/main" id="{0067142E-A832-4D80-9B91-E52C22C24BD3}"/>
-              </a:ext>
-            </a:extLst>
-          </p:cNvPr>
-          <p:cNvSpPr>
-            <a:spLocks noGrp="1"/>
-          </p:cNvSpPr>
-          <p:nvPr>
-            <p:ph type="ftr" sz="quarter" idx="11"/>
-          </p:nvPr>
-        </p:nvSpPr>
-        <p:spPr/>
-        <p:txBody>
-          <a:bodyPr/>
-          <a:lstStyle/>
-          <a:p>
-            <a:endParaRPr lang="en-GB"/>
-          </a:p>
-        </p:txBody>
-      </p:sp>
-      <p:sp>
-        <p:nvSpPr>
-          <p:cNvPr id="7" name="Dia számának helye 6">
-            <a:extLst>
-              <a:ext uri="{FF2B5EF4-FFF2-40B4-BE49-F238E27FC236}">
-                <a16:creationId xmlns:a16="http://schemas.microsoft.com/office/drawing/2014/main" id="{5FD884C6-A313-478E-8B43-8753A5175B44}"/>
-              </a:ext>
-            </a:extLst>
-          </p:cNvPr>
-          <p:cNvSpPr>
-            <a:spLocks noGrp="1"/>
-          </p:cNvSpPr>
-          <p:nvPr>
-            <p:ph type="sldNum" sz="quarter" idx="12"/>
-          </p:nvPr>
-        </p:nvSpPr>
-        <p:spPr/>
-        <p:txBody>
-          <a:bodyPr/>
-          <a:lstStyle/>
           <a:p>
             <a:fld id="{A02811C3-B397-4C0C-B0F8-7534EDBE35B7}" type="slidenum">
               <a:rPr lang="en-GB" smtClean="0"/>
@@ -2460,7 +3057,7 @@
     </p:spTree>
     <p:extLst>
       <p:ext uri="{BB962C8B-B14F-4D97-AF65-F5344CB8AC3E}">
-        <p14:creationId xmlns:p14="http://schemas.microsoft.com/office/powerpoint/2010/main" val="484475295"/>
+        <p14:creationId xmlns:p14="http://schemas.microsoft.com/office/powerpoint/2010/main" val="4236357464"/>
       </p:ext>
     </p:extLst>
   </p:cSld>
@@ -2471,7 +3068,7 @@
 </file>
 
 <file path=ppt/slideLayouts/slideLayout9.xml><?xml version="1.0" encoding="utf-8"?>
-<p:sldLayout xmlns:a="http://schemas.openxmlformats.org/drawingml/2006/main" xmlns:r="http://schemas.openxmlformats.org/officeDocument/2006/relationships" xmlns:p="http://schemas.openxmlformats.org/presentationml/2006/main" type="picTx" preserve="1">
+<p:sldLayout xmlns:a="http://schemas.openxmlformats.org/drawingml/2006/main" xmlns:r="http://schemas.openxmlformats.org/officeDocument/2006/relationships" xmlns:p="http://schemas.openxmlformats.org/presentationml/2006/main" showMasterSp="0" type="picTx" preserve="1">
   <p:cSld name="Kép képaláírással">
     <p:spTree>
       <p:nvGrpSpPr>
@@ -2489,31 +3086,107 @@
       </p:grpSpPr>
       <p:sp>
         <p:nvSpPr>
-          <p:cNvPr id="2" name="Cím 1">
-            <a:extLst>
-              <a:ext uri="{FF2B5EF4-FFF2-40B4-BE49-F238E27FC236}">
-                <a16:creationId xmlns:a16="http://schemas.microsoft.com/office/drawing/2014/main" id="{B47582FF-1796-452C-B355-DD8424A858F1}"/>
-              </a:ext>
-            </a:extLst>
-          </p:cNvPr>
-          <p:cNvSpPr>
-            <a:spLocks noGrp="1"/>
-          </p:cNvSpPr>
-          <p:nvPr>
-            <p:ph type="title"/>
-          </p:nvPr>
+          <p:cNvPr id="8" name="Rectangle 7"/>
+          <p:cNvSpPr/>
+          <p:nvPr/>
         </p:nvSpPr>
         <p:spPr>
           <a:xfrm>
-            <a:off x="839788" y="457200"/>
-            <a:ext cx="3932237" cy="1600200"/>
+            <a:off x="0" y="4953000"/>
+            <a:ext cx="9141619" cy="1905000"/>
+          </a:xfrm>
+          <a:prstGeom prst="rect">
+            <a:avLst/>
+          </a:prstGeom>
+          <a:solidFill>
+            <a:schemeClr val="accent2"/>
+          </a:solidFill>
+          <a:ln>
+            <a:noFill/>
+          </a:ln>
+        </p:spPr>
+        <p:style>
+          <a:lnRef idx="2">
+            <a:schemeClr val="accent1">
+              <a:shade val="50000"/>
+            </a:schemeClr>
+          </a:lnRef>
+          <a:fillRef idx="1">
+            <a:schemeClr val="accent1"/>
+          </a:fillRef>
+          <a:effectRef idx="0">
+            <a:schemeClr val="accent1"/>
+          </a:effectRef>
+          <a:fontRef idx="minor">
+            <a:schemeClr val="lt1"/>
+          </a:fontRef>
+        </p:style>
+      </p:sp>
+      <p:sp>
+        <p:nvSpPr>
+          <p:cNvPr id="9" name="Rectangle 8"/>
+          <p:cNvSpPr/>
+          <p:nvPr/>
+        </p:nvSpPr>
+        <p:spPr>
+          <a:xfrm>
+            <a:off x="12" y="4915076"/>
+            <a:ext cx="9141619" cy="64008"/>
+          </a:xfrm>
+          <a:prstGeom prst="rect">
+            <a:avLst/>
+          </a:prstGeom>
+          <a:solidFill>
+            <a:schemeClr val="accent1"/>
+          </a:solidFill>
+          <a:ln>
+            <a:noFill/>
+          </a:ln>
+        </p:spPr>
+        <p:style>
+          <a:lnRef idx="2">
+            <a:schemeClr val="accent1">
+              <a:shade val="50000"/>
+            </a:schemeClr>
+          </a:lnRef>
+          <a:fillRef idx="1">
+            <a:schemeClr val="accent1"/>
+          </a:fillRef>
+          <a:effectRef idx="0">
+            <a:schemeClr val="accent1"/>
+          </a:effectRef>
+          <a:fontRef idx="minor">
+            <a:schemeClr val="lt1"/>
+          </a:fontRef>
+        </p:style>
+      </p:sp>
+      <p:sp>
+        <p:nvSpPr>
+          <p:cNvPr id="2" name="Title 1"/>
+          <p:cNvSpPr>
+            <a:spLocks noGrp="1"/>
+          </p:cNvSpPr>
+          <p:nvPr>
+            <p:ph type="title"/>
+          </p:nvPr>
+        </p:nvSpPr>
+        <p:spPr>
+          <a:xfrm>
+            <a:off x="822960" y="5074920"/>
+            <a:ext cx="7589520" cy="822960"/>
           </a:xfrm>
         </p:spPr>
         <p:txBody>
-          <a:bodyPr anchor="b"/>
+          <a:bodyPr tIns="0" bIns="0" anchor="b">
+            <a:noAutofit/>
+          </a:bodyPr>
           <a:lstStyle>
             <a:lvl1pPr>
-              <a:defRPr sz="3200"/>
+              <a:defRPr sz="3600" b="0">
+                <a:solidFill>
+                  <a:srgbClr val="FFFFFF"/>
+                </a:solidFill>
+              </a:defRPr>
             </a:lvl1pPr>
           </a:lstStyle>
           <a:p>
@@ -2521,21 +3194,15 @@
               <a:rPr lang="hu-HU"/>
               <a:t>Mintacím szerkesztése</a:t>
             </a:r>
-            <a:endParaRPr lang="en-GB"/>
-          </a:p>
-        </p:txBody>
-      </p:sp>
-      <p:sp>
-        <p:nvSpPr>
-          <p:cNvPr id="3" name="Kép helye 2">
-            <a:extLst>
-              <a:ext uri="{FF2B5EF4-FFF2-40B4-BE49-F238E27FC236}">
-                <a16:creationId xmlns:a16="http://schemas.microsoft.com/office/drawing/2014/main" id="{344F93BC-F306-4E51-B4B0-F7C8AECD1E89}"/>
-              </a:ext>
-            </a:extLst>
-          </p:cNvPr>
-          <p:cNvSpPr>
-            <a:spLocks noGrp="1"/>
+            <a:endParaRPr lang="en-US" dirty="0"/>
+          </a:p>
+        </p:txBody>
+      </p:sp>
+      <p:sp>
+        <p:nvSpPr>
+          <p:cNvPr id="3" name="Picture Placeholder 2"/>
+          <p:cNvSpPr>
+            <a:spLocks noGrp="1" noChangeAspect="1"/>
           </p:cNvSpPr>
           <p:nvPr>
             <p:ph type="pic" idx="1"/>
@@ -2543,16 +3210,26 @@
         </p:nvSpPr>
         <p:spPr>
           <a:xfrm>
-            <a:off x="5183188" y="987425"/>
-            <a:ext cx="6172200" cy="4873625"/>
+            <a:off x="12" y="0"/>
+            <a:ext cx="9143989" cy="4915076"/>
           </a:xfrm>
+          <a:blipFill>
+            <a:blip r:embed="rId2"/>
+            <a:stretch>
+              <a:fillRect/>
+            </a:stretch>
+          </a:blipFill>
         </p:spPr>
         <p:txBody>
-          <a:bodyPr/>
+          <a:bodyPr lIns="457200" tIns="457200" anchor="t"/>
           <a:lstStyle>
             <a:lvl1pPr marL="0" indent="0">
               <a:buNone/>
-              <a:defRPr sz="3200"/>
+              <a:defRPr sz="3200">
+                <a:solidFill>
+                  <a:schemeClr val="bg1"/>
+                </a:solidFill>
+              </a:defRPr>
             </a:lvl1pPr>
             <a:lvl2pPr marL="457200" indent="0">
               <a:buNone/>
@@ -2588,19 +3265,17 @@
             </a:lvl9pPr>
           </a:lstStyle>
           <a:p>
-            <a:endParaRPr lang="en-GB"/>
-          </a:p>
-        </p:txBody>
-      </p:sp>
-      <p:sp>
-        <p:nvSpPr>
-          <p:cNvPr id="4" name="Szöveg helye 3">
-            <a:extLst>
-              <a:ext uri="{FF2B5EF4-FFF2-40B4-BE49-F238E27FC236}">
-                <a16:creationId xmlns:a16="http://schemas.microsoft.com/office/drawing/2014/main" id="{D7519387-FCF5-4E77-B977-5791D023DA74}"/>
-              </a:ext>
-            </a:extLst>
-          </p:cNvPr>
+            <a:r>
+              <a:rPr lang="hu-HU"/>
+              <a:t>Kép beszúrásához kattintson az ikonra</a:t>
+            </a:r>
+            <a:endParaRPr lang="en-US" dirty="0"/>
+          </a:p>
+        </p:txBody>
+      </p:sp>
+      <p:sp>
+        <p:nvSpPr>
+          <p:cNvPr id="4" name="Text Placeholder 3"/>
           <p:cNvSpPr>
             <a:spLocks noGrp="1"/>
           </p:cNvSpPr>
@@ -2610,48 +3285,60 @@
         </p:nvSpPr>
         <p:spPr>
           <a:xfrm>
-            <a:off x="839788" y="2057400"/>
-            <a:ext cx="3932237" cy="3811588"/>
+            <a:off x="822959" y="5907024"/>
+            <a:ext cx="7589520" cy="594360"/>
           </a:xfrm>
         </p:spPr>
         <p:txBody>
-          <a:bodyPr/>
+          <a:bodyPr lIns="91440" tIns="0" rIns="91440" bIns="0">
+            <a:normAutofit/>
+          </a:bodyPr>
           <a:lstStyle>
             <a:lvl1pPr marL="0" indent="0">
-              <a:buNone/>
-              <a:defRPr sz="1600"/>
+              <a:spcBef>
+                <a:spcPts val="0"/>
+              </a:spcBef>
+              <a:spcAft>
+                <a:spcPts val="600"/>
+              </a:spcAft>
+              <a:buNone/>
+              <a:defRPr sz="1500">
+                <a:solidFill>
+                  <a:srgbClr val="FFFFFF"/>
+                </a:solidFill>
+              </a:defRPr>
             </a:lvl1pPr>
             <a:lvl2pPr marL="457200" indent="0">
               <a:buNone/>
-              <a:defRPr sz="1400"/>
+              <a:defRPr sz="1200"/>
             </a:lvl2pPr>
             <a:lvl3pPr marL="914400" indent="0">
               <a:buNone/>
-              <a:defRPr sz="1200"/>
+              <a:defRPr sz="1000"/>
             </a:lvl3pPr>
             <a:lvl4pPr marL="1371600" indent="0">
               <a:buNone/>
-              <a:defRPr sz="1000"/>
+              <a:defRPr sz="900"/>
             </a:lvl4pPr>
             <a:lvl5pPr marL="1828800" indent="0">
               <a:buNone/>
-              <a:defRPr sz="1000"/>
+              <a:defRPr sz="900"/>
             </a:lvl5pPr>
             <a:lvl6pPr marL="2286000" indent="0">
               <a:buNone/>
-              <a:defRPr sz="1000"/>
+              <a:defRPr sz="900"/>
             </a:lvl6pPr>
             <a:lvl7pPr marL="2743200" indent="0">
               <a:buNone/>
-              <a:defRPr sz="1000"/>
+              <a:defRPr sz="900"/>
             </a:lvl7pPr>
             <a:lvl8pPr marL="3200400" indent="0">
               <a:buNone/>
-              <a:defRPr sz="1000"/>
+              <a:defRPr sz="900"/>
             </a:lvl8pPr>
             <a:lvl9pPr marL="3657600" indent="0">
               <a:buNone/>
-              <a:defRPr sz="1000"/>
+              <a:defRPr sz="900"/>
             </a:lvl9pPr>
           </a:lstStyle>
           <a:p>
@@ -2665,13 +3352,7 @@
       </p:sp>
       <p:sp>
         <p:nvSpPr>
-          <p:cNvPr id="5" name="Dátum helye 4">
-            <a:extLst>
-              <a:ext uri="{FF2B5EF4-FFF2-40B4-BE49-F238E27FC236}">
-                <a16:creationId xmlns:a16="http://schemas.microsoft.com/office/drawing/2014/main" id="{4707CFA1-E9DA-4F10-A915-82FBE121D3A0}"/>
-              </a:ext>
-            </a:extLst>
-          </p:cNvPr>
+          <p:cNvPr id="5" name="Date Placeholder 4"/>
           <p:cNvSpPr>
             <a:spLocks noGrp="1"/>
           </p:cNvSpPr>
@@ -2684,23 +3365,16 @@
           <a:bodyPr/>
           <a:lstStyle/>
           <a:p>
-            <a:fld id="{A00BCB4F-31B8-47ED-9CD7-1B4D0F1274C2}" type="datetimeFigureOut">
-              <a:rPr lang="en-GB" smtClean="0"/>
+            <a:r>
+              <a:rPr lang="en-GB"/>
               <a:t>27/10/2017</a:t>
-            </a:fld>
-            <a:endParaRPr lang="en-GB"/>
-          </a:p>
-        </p:txBody>
-      </p:sp>
-      <p:sp>
-        <p:nvSpPr>
-          <p:cNvPr id="6" name="Élőláb helye 5">
-            <a:extLst>
-              <a:ext uri="{FF2B5EF4-FFF2-40B4-BE49-F238E27FC236}">
-                <a16:creationId xmlns:a16="http://schemas.microsoft.com/office/drawing/2014/main" id="{A4AC8D01-0333-4FF6-BED2-F8B73734A3E9}"/>
-              </a:ext>
-            </a:extLst>
-          </p:cNvPr>
+            </a:r>
+          </a:p>
+        </p:txBody>
+      </p:sp>
+      <p:sp>
+        <p:nvSpPr>
+          <p:cNvPr id="6" name="Footer Placeholder 5"/>
           <p:cNvSpPr>
             <a:spLocks noGrp="1"/>
           </p:cNvSpPr>
@@ -2713,19 +3387,16 @@
           <a:bodyPr/>
           <a:lstStyle/>
           <a:p>
-            <a:endParaRPr lang="en-GB"/>
-          </a:p>
-        </p:txBody>
-      </p:sp>
-      <p:sp>
-        <p:nvSpPr>
-          <p:cNvPr id="7" name="Dia számának helye 6">
-            <a:extLst>
-              <a:ext uri="{FF2B5EF4-FFF2-40B4-BE49-F238E27FC236}">
-                <a16:creationId xmlns:a16="http://schemas.microsoft.com/office/drawing/2014/main" id="{E5E9ABBB-5829-4F29-967E-C03D84B89FAA}"/>
-              </a:ext>
-            </a:extLst>
-          </p:cNvPr>
+            <a:r>
+              <a:rPr lang="en-GB"/>
+              <a:t>Boldizsár Kiss</a:t>
+            </a:r>
+          </a:p>
+        </p:txBody>
+      </p:sp>
+      <p:sp>
+        <p:nvSpPr>
+          <p:cNvPr id="7" name="Slide Number Placeholder 6"/>
           <p:cNvSpPr>
             <a:spLocks noGrp="1"/>
           </p:cNvSpPr>
@@ -2749,7 +3420,7 @@
     </p:spTree>
     <p:extLst>
       <p:ext uri="{BB962C8B-B14F-4D97-AF65-F5344CB8AC3E}">
-        <p14:creationId xmlns:p14="http://schemas.microsoft.com/office/powerpoint/2010/main" val="1686032185"/>
+        <p14:creationId xmlns:p14="http://schemas.microsoft.com/office/powerpoint/2010/main" val="4253788884"/>
       </p:ext>
     </p:extLst>
   </p:cSld>
@@ -2783,31 +3454,101 @@
       </p:grpSpPr>
       <p:sp>
         <p:nvSpPr>
-          <p:cNvPr id="2" name="Cím helye 1">
-            <a:extLst>
-              <a:ext uri="{FF2B5EF4-FFF2-40B4-BE49-F238E27FC236}">
-                <a16:creationId xmlns:a16="http://schemas.microsoft.com/office/drawing/2014/main" id="{520F9285-1010-476C-B3B8-A8FD11DFD937}"/>
-              </a:ext>
-            </a:extLst>
-          </p:cNvPr>
-          <p:cNvSpPr>
-            <a:spLocks noGrp="1"/>
-          </p:cNvSpPr>
-          <p:nvPr>
-            <p:ph type="title"/>
-          </p:nvPr>
+          <p:cNvPr id="7" name="Rectangle 6"/>
+          <p:cNvSpPr/>
+          <p:nvPr/>
         </p:nvSpPr>
         <p:spPr>
           <a:xfrm>
-            <a:off x="838200" y="365125"/>
-            <a:ext cx="10515600" cy="1325563"/>
+            <a:off x="0" y="6400800"/>
+            <a:ext cx="9144001" cy="457200"/>
+          </a:xfrm>
+          <a:prstGeom prst="rect">
+            <a:avLst/>
+          </a:prstGeom>
+          <a:solidFill>
+            <a:schemeClr val="accent2"/>
+          </a:solidFill>
+          <a:ln>
+            <a:noFill/>
+          </a:ln>
+        </p:spPr>
+        <p:style>
+          <a:lnRef idx="2">
+            <a:schemeClr val="accent1">
+              <a:shade val="50000"/>
+            </a:schemeClr>
+          </a:lnRef>
+          <a:fillRef idx="1">
+            <a:schemeClr val="accent1"/>
+          </a:fillRef>
+          <a:effectRef idx="0">
+            <a:schemeClr val="accent1"/>
+          </a:effectRef>
+          <a:fontRef idx="minor">
+            <a:schemeClr val="lt1"/>
+          </a:fontRef>
+        </p:style>
+      </p:sp>
+      <p:sp>
+        <p:nvSpPr>
+          <p:cNvPr id="9" name="Rectangle 8"/>
+          <p:cNvSpPr/>
+          <p:nvPr/>
+        </p:nvSpPr>
+        <p:spPr>
+          <a:xfrm>
+            <a:off x="0" y="6334315"/>
+            <a:ext cx="9144001" cy="65999"/>
+          </a:xfrm>
+          <a:prstGeom prst="rect">
+            <a:avLst/>
+          </a:prstGeom>
+          <a:solidFill>
+            <a:schemeClr val="accent1"/>
+          </a:solidFill>
+          <a:ln>
+            <a:noFill/>
+          </a:ln>
+        </p:spPr>
+        <p:style>
+          <a:lnRef idx="2">
+            <a:schemeClr val="accent1">
+              <a:shade val="50000"/>
+            </a:schemeClr>
+          </a:lnRef>
+          <a:fillRef idx="1">
+            <a:schemeClr val="accent1"/>
+          </a:fillRef>
+          <a:effectRef idx="0">
+            <a:schemeClr val="accent1"/>
+          </a:effectRef>
+          <a:fontRef idx="minor">
+            <a:schemeClr val="lt1"/>
+          </a:fontRef>
+        </p:style>
+      </p:sp>
+      <p:sp>
+        <p:nvSpPr>
+          <p:cNvPr id="2" name="Title Placeholder 1"/>
+          <p:cNvSpPr>
+            <a:spLocks noGrp="1"/>
+          </p:cNvSpPr>
+          <p:nvPr>
+            <p:ph type="title"/>
+          </p:nvPr>
+        </p:nvSpPr>
+        <p:spPr>
+          <a:xfrm>
+            <a:off x="822960" y="286604"/>
+            <a:ext cx="7543800" cy="1450757"/>
           </a:xfrm>
           <a:prstGeom prst="rect">
             <a:avLst/>
           </a:prstGeom>
         </p:spPr>
         <p:txBody>
-          <a:bodyPr vert="horz" lIns="91440" tIns="45720" rIns="91440" bIns="45720" rtlCol="0" anchor="ctr">
+          <a:bodyPr vert="horz" lIns="91440" tIns="45720" rIns="91440" bIns="45720" rtlCol="0" anchor="b">
             <a:normAutofit/>
           </a:bodyPr>
           <a:lstStyle/>
@@ -2816,19 +3557,13 @@
               <a:rPr lang="hu-HU"/>
               <a:t>Mintacím szerkesztése</a:t>
             </a:r>
-            <a:endParaRPr lang="en-GB"/>
-          </a:p>
-        </p:txBody>
-      </p:sp>
-      <p:sp>
-        <p:nvSpPr>
-          <p:cNvPr id="3" name="Szöveg helye 2">
-            <a:extLst>
-              <a:ext uri="{FF2B5EF4-FFF2-40B4-BE49-F238E27FC236}">
-                <a16:creationId xmlns:a16="http://schemas.microsoft.com/office/drawing/2014/main" id="{6C34C17F-FDFC-45E9-AC2A-A65509D480F2}"/>
-              </a:ext>
-            </a:extLst>
-          </p:cNvPr>
+            <a:endParaRPr lang="en-US" dirty="0"/>
+          </a:p>
+        </p:txBody>
+      </p:sp>
+      <p:sp>
+        <p:nvSpPr>
+          <p:cNvPr id="3" name="Text Placeholder 2"/>
           <p:cNvSpPr>
             <a:spLocks noGrp="1"/>
           </p:cNvSpPr>
@@ -2838,15 +3573,15 @@
         </p:nvSpPr>
         <p:spPr>
           <a:xfrm>
-            <a:off x="838200" y="1825625"/>
-            <a:ext cx="10515600" cy="4351338"/>
+            <a:off x="822959" y="1845734"/>
+            <a:ext cx="7543801" cy="4023360"/>
           </a:xfrm>
           <a:prstGeom prst="rect">
             <a:avLst/>
           </a:prstGeom>
         </p:spPr>
         <p:txBody>
-          <a:bodyPr vert="horz" lIns="91440" tIns="45720" rIns="91440" bIns="45720" rtlCol="0">
+          <a:bodyPr vert="horz" lIns="0" tIns="45720" rIns="0" bIns="45720" rtlCol="0">
             <a:normAutofit/>
           </a:bodyPr>
           <a:lstStyle/>
@@ -2884,19 +3619,13 @@
               <a:rPr lang="hu-HU"/>
               <a:t>Ötödik szint</a:t>
             </a:r>
-            <a:endParaRPr lang="en-GB"/>
-          </a:p>
-        </p:txBody>
-      </p:sp>
-      <p:sp>
-        <p:nvSpPr>
-          <p:cNvPr id="4" name="Dátum helye 3">
-            <a:extLst>
-              <a:ext uri="{FF2B5EF4-FFF2-40B4-BE49-F238E27FC236}">
-                <a16:creationId xmlns:a16="http://schemas.microsoft.com/office/drawing/2014/main" id="{CAE24D3F-9D7F-49C6-8669-DD1D06E5A1DB}"/>
-              </a:ext>
-            </a:extLst>
-          </p:cNvPr>
+            <a:endParaRPr lang="en-US" dirty="0"/>
+          </a:p>
+        </p:txBody>
+      </p:sp>
+      <p:sp>
+        <p:nvSpPr>
+          <p:cNvPr id="4" name="Date Placeholder 3"/>
           <p:cNvSpPr>
             <a:spLocks noGrp="1"/>
           </p:cNvSpPr>
@@ -2906,8 +3635,8 @@
         </p:nvSpPr>
         <p:spPr>
           <a:xfrm>
-            <a:off x="838200" y="6356350"/>
-            <a:ext cx="2743200" cy="365125"/>
+            <a:off x="822961" y="6459786"/>
+            <a:ext cx="1854203" cy="365125"/>
           </a:xfrm>
           <a:prstGeom prst="rect">
             <a:avLst/>
@@ -2917,33 +3646,24 @@
           <a:bodyPr vert="horz" lIns="91440" tIns="45720" rIns="91440" bIns="45720" rtlCol="0" anchor="ctr"/>
           <a:lstStyle>
             <a:lvl1pPr algn="l">
-              <a:defRPr sz="1200">
+              <a:defRPr sz="900">
                 <a:solidFill>
-                  <a:schemeClr val="tx1">
-                    <a:tint val="75000"/>
-                  </a:schemeClr>
+                  <a:srgbClr val="FFFFFF"/>
                 </a:solidFill>
               </a:defRPr>
             </a:lvl1pPr>
           </a:lstStyle>
           <a:p>
-            <a:fld id="{A00BCB4F-31B8-47ED-9CD7-1B4D0F1274C2}" type="datetimeFigureOut">
-              <a:rPr lang="en-GB" smtClean="0"/>
+            <a:r>
+              <a:rPr lang="en-GB"/>
               <a:t>27/10/2017</a:t>
-            </a:fld>
-            <a:endParaRPr lang="en-GB"/>
-          </a:p>
-        </p:txBody>
-      </p:sp>
-      <p:sp>
-        <p:nvSpPr>
-          <p:cNvPr id="5" name="Élőláb helye 4">
-            <a:extLst>
-              <a:ext uri="{FF2B5EF4-FFF2-40B4-BE49-F238E27FC236}">
-                <a16:creationId xmlns:a16="http://schemas.microsoft.com/office/drawing/2014/main" id="{DA31E41B-0D3F-4941-B83C-003408E2FC40}"/>
-              </a:ext>
-            </a:extLst>
-          </p:cNvPr>
+            </a:r>
+          </a:p>
+        </p:txBody>
+      </p:sp>
+      <p:sp>
+        <p:nvSpPr>
+          <p:cNvPr id="5" name="Footer Placeholder 4"/>
           <p:cNvSpPr>
             <a:spLocks noGrp="1"/>
           </p:cNvSpPr>
@@ -2953,8 +3673,8 @@
         </p:nvSpPr>
         <p:spPr>
           <a:xfrm>
-            <a:off x="4038600" y="6356350"/>
-            <a:ext cx="4114800" cy="365125"/>
+            <a:off x="2764639" y="6459786"/>
+            <a:ext cx="3617103" cy="365125"/>
           </a:xfrm>
           <a:prstGeom prst="rect">
             <a:avLst/>
@@ -2964,29 +3684,24 @@
           <a:bodyPr vert="horz" lIns="91440" tIns="45720" rIns="91440" bIns="45720" rtlCol="0" anchor="ctr"/>
           <a:lstStyle>
             <a:lvl1pPr algn="ctr">
-              <a:defRPr sz="1200">
+              <a:defRPr sz="900" cap="all" baseline="0">
                 <a:solidFill>
-                  <a:schemeClr val="tx1">
-                    <a:tint val="75000"/>
-                  </a:schemeClr>
+                  <a:srgbClr val="FFFFFF"/>
                 </a:solidFill>
               </a:defRPr>
             </a:lvl1pPr>
           </a:lstStyle>
           <a:p>
-            <a:endParaRPr lang="en-GB"/>
-          </a:p>
-        </p:txBody>
-      </p:sp>
-      <p:sp>
-        <p:nvSpPr>
-          <p:cNvPr id="6" name="Dia számának helye 5">
-            <a:extLst>
-              <a:ext uri="{FF2B5EF4-FFF2-40B4-BE49-F238E27FC236}">
-                <a16:creationId xmlns:a16="http://schemas.microsoft.com/office/drawing/2014/main" id="{6A50082C-B4FE-4D3B-A8F4-4A0AECFF2E5A}"/>
-              </a:ext>
-            </a:extLst>
-          </p:cNvPr>
+            <a:r>
+              <a:rPr lang="en-GB"/>
+              <a:t>Boldizsár Kiss</a:t>
+            </a:r>
+          </a:p>
+        </p:txBody>
+      </p:sp>
+      <p:sp>
+        <p:nvSpPr>
+          <p:cNvPr id="6" name="Slide Number Placeholder 5"/>
           <p:cNvSpPr>
             <a:spLocks noGrp="1"/>
           </p:cNvSpPr>
@@ -2996,8 +3711,8 @@
         </p:nvSpPr>
         <p:spPr>
           <a:xfrm>
-            <a:off x="8610600" y="6356350"/>
-            <a:ext cx="2743200" cy="365125"/>
+            <a:off x="7425344" y="6459786"/>
+            <a:ext cx="984019" cy="365125"/>
           </a:xfrm>
           <a:prstGeom prst="rect">
             <a:avLst/>
@@ -3007,11 +3722,9 @@
           <a:bodyPr vert="horz" lIns="91440" tIns="45720" rIns="91440" bIns="45720" rtlCol="0" anchor="ctr"/>
           <a:lstStyle>
             <a:lvl1pPr algn="r">
-              <a:defRPr sz="1200">
+              <a:defRPr sz="1050">
                 <a:solidFill>
-                  <a:schemeClr val="tx1">
-                    <a:tint val="75000"/>
-                  </a:schemeClr>
+                  <a:srgbClr val="FFFFFF"/>
                 </a:solidFill>
               </a:defRPr>
             </a:lvl1pPr>
@@ -3025,40 +3738,82 @@
           </a:p>
         </p:txBody>
       </p:sp>
+      <p:cxnSp>
+        <p:nvCxnSpPr>
+          <p:cNvPr id="10" name="Straight Connector 9"/>
+          <p:cNvCxnSpPr/>
+          <p:nvPr/>
+        </p:nvCxnSpPr>
+        <p:spPr>
+          <a:xfrm>
+            <a:off x="895149" y="1737845"/>
+            <a:ext cx="7475220" cy="0"/>
+          </a:xfrm>
+          <a:prstGeom prst="line">
+            <a:avLst/>
+          </a:prstGeom>
+          <a:ln w="6350">
+            <a:solidFill>
+              <a:schemeClr val="tx1">
+                <a:lumMod val="50000"/>
+                <a:lumOff val="50000"/>
+              </a:schemeClr>
+            </a:solidFill>
+          </a:ln>
+        </p:spPr>
+        <p:style>
+          <a:lnRef idx="1">
+            <a:schemeClr val="accent1"/>
+          </a:lnRef>
+          <a:fillRef idx="0">
+            <a:schemeClr val="accent1"/>
+          </a:fillRef>
+          <a:effectRef idx="0">
+            <a:schemeClr val="accent1"/>
+          </a:effectRef>
+          <a:fontRef idx="minor">
+            <a:schemeClr val="tx1"/>
+          </a:fontRef>
+        </p:style>
+      </p:cxnSp>
     </p:spTree>
     <p:extLst>
       <p:ext uri="{BB962C8B-B14F-4D97-AF65-F5344CB8AC3E}">
-        <p14:creationId xmlns:p14="http://schemas.microsoft.com/office/powerpoint/2010/main" val="2102358020"/>
+        <p14:creationId xmlns:p14="http://schemas.microsoft.com/office/powerpoint/2010/main" val="3566746422"/>
       </p:ext>
     </p:extLst>
   </p:cSld>
   <p:clrMap bg1="lt1" tx1="dk1" bg2="lt2" tx2="dk2" accent1="accent1" accent2="accent2" accent3="accent3" accent4="accent4" accent5="accent5" accent6="accent6" hlink="hlink" folHlink="folHlink"/>
   <p:sldLayoutIdLst>
-    <p:sldLayoutId id="2147483649" r:id="rId1"/>
-    <p:sldLayoutId id="2147483650" r:id="rId2"/>
-    <p:sldLayoutId id="2147483651" r:id="rId3"/>
-    <p:sldLayoutId id="2147483652" r:id="rId4"/>
-    <p:sldLayoutId id="2147483653" r:id="rId5"/>
-    <p:sldLayoutId id="2147483654" r:id="rId6"/>
-    <p:sldLayoutId id="2147483655" r:id="rId7"/>
-    <p:sldLayoutId id="2147483656" r:id="rId8"/>
-    <p:sldLayoutId id="2147483657" r:id="rId9"/>
-    <p:sldLayoutId id="2147483658" r:id="rId10"/>
-    <p:sldLayoutId id="2147483659" r:id="rId11"/>
+    <p:sldLayoutId id="2147483685" r:id="rId1"/>
+    <p:sldLayoutId id="2147483686" r:id="rId2"/>
+    <p:sldLayoutId id="2147483687" r:id="rId3"/>
+    <p:sldLayoutId id="2147483688" r:id="rId4"/>
+    <p:sldLayoutId id="2147483689" r:id="rId5"/>
+    <p:sldLayoutId id="2147483690" r:id="rId6"/>
+    <p:sldLayoutId id="2147483691" r:id="rId7"/>
+    <p:sldLayoutId id="2147483692" r:id="rId8"/>
+    <p:sldLayoutId id="2147483693" r:id="rId9"/>
+    <p:sldLayoutId id="2147483694" r:id="rId10"/>
+    <p:sldLayoutId id="2147483695" r:id="rId11"/>
   </p:sldLayoutIdLst>
+  <p:hf hdr="0"/>
   <p:txStyles>
     <p:titleStyle>
       <a:lvl1pPr algn="l" defTabSz="914400" rtl="0" eaLnBrk="1" latinLnBrk="0" hangingPunct="1">
         <a:lnSpc>
-          <a:spcPct val="90000"/>
+          <a:spcPct val="85000"/>
         </a:lnSpc>
         <a:spcBef>
           <a:spcPct val="0"/>
         </a:spcBef>
         <a:buNone/>
-        <a:defRPr sz="4400" kern="1200">
+        <a:defRPr sz="4800" kern="1200" spc="-50" baseline="0">
           <a:solidFill>
-            <a:schemeClr val="tx1"/>
+            <a:schemeClr val="tx1">
+              <a:lumMod val="75000"/>
+              <a:lumOff val="25000"/>
+            </a:schemeClr>
           </a:solidFill>
           <a:latin typeface="+mj-lt"/>
           <a:ea typeface="+mj-ea"/>
@@ -3067,162 +3822,244 @@
       </a:lvl1pPr>
     </p:titleStyle>
     <p:bodyStyle>
-      <a:lvl1pPr marL="228600" indent="-228600" algn="l" defTabSz="914400" rtl="0" eaLnBrk="1" latinLnBrk="0" hangingPunct="1">
+      <a:lvl1pPr marL="91440" indent="-91440" algn="l" defTabSz="914400" rtl="0" eaLnBrk="1" latinLnBrk="0" hangingPunct="1">
         <a:lnSpc>
           <a:spcPct val="90000"/>
         </a:lnSpc>
         <a:spcBef>
-          <a:spcPts val="1000"/>
+          <a:spcPts val="1200"/>
         </a:spcBef>
-        <a:buFont typeface="Arial" panose="020B0604020202020204" pitchFamily="34" charset="0"/>
-        <a:buChar char="•"/>
-        <a:defRPr sz="2800" kern="1200">
+        <a:spcAft>
+          <a:spcPts val="200"/>
+        </a:spcAft>
+        <a:buClr>
+          <a:schemeClr val="accent1"/>
+        </a:buClr>
+        <a:buSzPct val="100000"/>
+        <a:buFont typeface="Calibri" panose="020F0502020204030204" pitchFamily="34" charset="0"/>
+        <a:buChar char=" "/>
+        <a:defRPr sz="2000" kern="1200">
           <a:solidFill>
-            <a:schemeClr val="tx1"/>
+            <a:schemeClr val="tx1">
+              <a:lumMod val="75000"/>
+              <a:lumOff val="25000"/>
+            </a:schemeClr>
           </a:solidFill>
           <a:latin typeface="+mn-lt"/>
           <a:ea typeface="+mn-ea"/>
           <a:cs typeface="+mn-cs"/>
         </a:defRPr>
       </a:lvl1pPr>
-      <a:lvl2pPr marL="685800" indent="-228600" algn="l" defTabSz="914400" rtl="0" eaLnBrk="1" latinLnBrk="0" hangingPunct="1">
+      <a:lvl2pPr marL="384048" indent="-182880" algn="l" defTabSz="914400" rtl="0" eaLnBrk="1" latinLnBrk="0" hangingPunct="1">
         <a:lnSpc>
           <a:spcPct val="90000"/>
         </a:lnSpc>
         <a:spcBef>
-          <a:spcPts val="500"/>
+          <a:spcPts val="200"/>
         </a:spcBef>
-        <a:buFont typeface="Arial" panose="020B0604020202020204" pitchFamily="34" charset="0"/>
-        <a:buChar char="•"/>
-        <a:defRPr sz="2400" kern="1200">
+        <a:spcAft>
+          <a:spcPts val="400"/>
+        </a:spcAft>
+        <a:buClr>
+          <a:schemeClr val="accent1"/>
+        </a:buClr>
+        <a:buFont typeface="Calibri" pitchFamily="34" charset="0"/>
+        <a:buChar char="◦"/>
+        <a:defRPr sz="1800" kern="1200">
           <a:solidFill>
-            <a:schemeClr val="tx1"/>
+            <a:schemeClr val="tx1">
+              <a:lumMod val="75000"/>
+              <a:lumOff val="25000"/>
+            </a:schemeClr>
           </a:solidFill>
           <a:latin typeface="+mn-lt"/>
           <a:ea typeface="+mn-ea"/>
           <a:cs typeface="+mn-cs"/>
         </a:defRPr>
       </a:lvl2pPr>
-      <a:lvl3pPr marL="1143000" indent="-228600" algn="l" defTabSz="914400" rtl="0" eaLnBrk="1" latinLnBrk="0" hangingPunct="1">
+      <a:lvl3pPr marL="566928" indent="-182880" algn="l" defTabSz="914400" rtl="0" eaLnBrk="1" latinLnBrk="0" hangingPunct="1">
         <a:lnSpc>
           <a:spcPct val="90000"/>
         </a:lnSpc>
         <a:spcBef>
-          <a:spcPts val="500"/>
+          <a:spcPts val="200"/>
         </a:spcBef>
-        <a:buFont typeface="Arial" panose="020B0604020202020204" pitchFamily="34" charset="0"/>
-        <a:buChar char="•"/>
-        <a:defRPr sz="2000" kern="1200">
+        <a:spcAft>
+          <a:spcPts val="400"/>
+        </a:spcAft>
+        <a:buClr>
+          <a:schemeClr val="accent1"/>
+        </a:buClr>
+        <a:buFont typeface="Calibri" pitchFamily="34" charset="0"/>
+        <a:buChar char="◦"/>
+        <a:defRPr sz="1400" kern="1200">
           <a:solidFill>
-            <a:schemeClr val="tx1"/>
+            <a:schemeClr val="tx1">
+              <a:lumMod val="75000"/>
+              <a:lumOff val="25000"/>
+            </a:schemeClr>
           </a:solidFill>
           <a:latin typeface="+mn-lt"/>
           <a:ea typeface="+mn-ea"/>
           <a:cs typeface="+mn-cs"/>
         </a:defRPr>
       </a:lvl3pPr>
-      <a:lvl4pPr marL="1600200" indent="-228600" algn="l" defTabSz="914400" rtl="0" eaLnBrk="1" latinLnBrk="0" hangingPunct="1">
+      <a:lvl4pPr marL="749808" indent="-182880" algn="l" defTabSz="914400" rtl="0" eaLnBrk="1" latinLnBrk="0" hangingPunct="1">
         <a:lnSpc>
           <a:spcPct val="90000"/>
         </a:lnSpc>
         <a:spcBef>
-          <a:spcPts val="500"/>
+          <a:spcPts val="200"/>
         </a:spcBef>
-        <a:buFont typeface="Arial" panose="020B0604020202020204" pitchFamily="34" charset="0"/>
-        <a:buChar char="•"/>
-        <a:defRPr sz="1800" kern="1200">
+        <a:spcAft>
+          <a:spcPts val="400"/>
+        </a:spcAft>
+        <a:buClr>
+          <a:schemeClr val="accent1"/>
+        </a:buClr>
+        <a:buFont typeface="Calibri" pitchFamily="34" charset="0"/>
+        <a:buChar char="◦"/>
+        <a:defRPr sz="1400" kern="1200">
           <a:solidFill>
-            <a:schemeClr val="tx1"/>
+            <a:schemeClr val="tx1">
+              <a:lumMod val="75000"/>
+              <a:lumOff val="25000"/>
+            </a:schemeClr>
           </a:solidFill>
           <a:latin typeface="+mn-lt"/>
           <a:ea typeface="+mn-ea"/>
           <a:cs typeface="+mn-cs"/>
         </a:defRPr>
       </a:lvl4pPr>
-      <a:lvl5pPr marL="2057400" indent="-228600" algn="l" defTabSz="914400" rtl="0" eaLnBrk="1" latinLnBrk="0" hangingPunct="1">
+      <a:lvl5pPr marL="932688" indent="-182880" algn="l" defTabSz="914400" rtl="0" eaLnBrk="1" latinLnBrk="0" hangingPunct="1">
         <a:lnSpc>
           <a:spcPct val="90000"/>
         </a:lnSpc>
         <a:spcBef>
-          <a:spcPts val="500"/>
+          <a:spcPts val="200"/>
         </a:spcBef>
-        <a:buFont typeface="Arial" panose="020B0604020202020204" pitchFamily="34" charset="0"/>
-        <a:buChar char="•"/>
-        <a:defRPr sz="1800" kern="1200">
+        <a:spcAft>
+          <a:spcPts val="400"/>
+        </a:spcAft>
+        <a:buClr>
+          <a:schemeClr val="accent1"/>
+        </a:buClr>
+        <a:buFont typeface="Calibri" pitchFamily="34" charset="0"/>
+        <a:buChar char="◦"/>
+        <a:defRPr sz="1400" kern="1200">
           <a:solidFill>
-            <a:schemeClr val="tx1"/>
+            <a:schemeClr val="tx1">
+              <a:lumMod val="75000"/>
+              <a:lumOff val="25000"/>
+            </a:schemeClr>
           </a:solidFill>
           <a:latin typeface="+mn-lt"/>
           <a:ea typeface="+mn-ea"/>
           <a:cs typeface="+mn-cs"/>
         </a:defRPr>
       </a:lvl5pPr>
-      <a:lvl6pPr marL="2514600" indent="-228600" algn="l" defTabSz="914400" rtl="0" eaLnBrk="1" latinLnBrk="0" hangingPunct="1">
+      <a:lvl6pPr marL="1100000" indent="-228600" algn="l" defTabSz="914400" rtl="0" eaLnBrk="1" latinLnBrk="0" hangingPunct="1">
         <a:lnSpc>
           <a:spcPct val="90000"/>
         </a:lnSpc>
         <a:spcBef>
-          <a:spcPts val="500"/>
+          <a:spcPts val="200"/>
         </a:spcBef>
-        <a:buFont typeface="Arial" panose="020B0604020202020204" pitchFamily="34" charset="0"/>
-        <a:buChar char="•"/>
-        <a:defRPr sz="1800" kern="1200">
+        <a:spcAft>
+          <a:spcPts val="400"/>
+        </a:spcAft>
+        <a:buClr>
+          <a:schemeClr val="accent1"/>
+        </a:buClr>
+        <a:buFont typeface="Calibri" pitchFamily="34" charset="0"/>
+        <a:buChar char="◦"/>
+        <a:defRPr sz="1400" kern="1200">
           <a:solidFill>
-            <a:schemeClr val="tx1"/>
+            <a:schemeClr val="tx1">
+              <a:lumMod val="75000"/>
+              <a:lumOff val="25000"/>
+            </a:schemeClr>
           </a:solidFill>
           <a:latin typeface="+mn-lt"/>
           <a:ea typeface="+mn-ea"/>
           <a:cs typeface="+mn-cs"/>
         </a:defRPr>
       </a:lvl6pPr>
-      <a:lvl7pPr marL="2971800" indent="-228600" algn="l" defTabSz="914400" rtl="0" eaLnBrk="1" latinLnBrk="0" hangingPunct="1">
+      <a:lvl7pPr marL="1300000" indent="-228600" algn="l" defTabSz="914400" rtl="0" eaLnBrk="1" latinLnBrk="0" hangingPunct="1">
         <a:lnSpc>
           <a:spcPct val="90000"/>
         </a:lnSpc>
         <a:spcBef>
-          <a:spcPts val="500"/>
+          <a:spcPts val="200"/>
         </a:spcBef>
-        <a:buFont typeface="Arial" panose="020B0604020202020204" pitchFamily="34" charset="0"/>
-        <a:buChar char="•"/>
-        <a:defRPr sz="1800" kern="1200">
+        <a:spcAft>
+          <a:spcPts val="400"/>
+        </a:spcAft>
+        <a:buClr>
+          <a:schemeClr val="accent1"/>
+        </a:buClr>
+        <a:buFont typeface="Calibri" pitchFamily="34" charset="0"/>
+        <a:buChar char="◦"/>
+        <a:defRPr sz="1400" kern="1200">
           <a:solidFill>
-            <a:schemeClr val="tx1"/>
+            <a:schemeClr val="tx1">
+              <a:lumMod val="75000"/>
+              <a:lumOff val="25000"/>
+            </a:schemeClr>
           </a:solidFill>
           <a:latin typeface="+mn-lt"/>
           <a:ea typeface="+mn-ea"/>
           <a:cs typeface="+mn-cs"/>
         </a:defRPr>
       </a:lvl7pPr>
-      <a:lvl8pPr marL="3429000" indent="-228600" algn="l" defTabSz="914400" rtl="0" eaLnBrk="1" latinLnBrk="0" hangingPunct="1">
+      <a:lvl8pPr marL="1500000" indent="-228600" algn="l" defTabSz="914400" rtl="0" eaLnBrk="1" latinLnBrk="0" hangingPunct="1">
         <a:lnSpc>
           <a:spcPct val="90000"/>
         </a:lnSpc>
         <a:spcBef>
-          <a:spcPts val="500"/>
+          <a:spcPts val="200"/>
         </a:spcBef>
-        <a:buFont typeface="Arial" panose="020B0604020202020204" pitchFamily="34" charset="0"/>
-        <a:buChar char="•"/>
-        <a:defRPr sz="1800" kern="1200">
+        <a:spcAft>
+          <a:spcPts val="400"/>
+        </a:spcAft>
+        <a:buClr>
+          <a:schemeClr val="accent1"/>
+        </a:buClr>
+        <a:buFont typeface="Calibri" pitchFamily="34" charset="0"/>
+        <a:buChar char="◦"/>
+        <a:defRPr sz="1400" kern="1200">
           <a:solidFill>
-            <a:schemeClr val="tx1"/>
+            <a:schemeClr val="tx1">
+              <a:lumMod val="75000"/>
+              <a:lumOff val="25000"/>
+            </a:schemeClr>
           </a:solidFill>
           <a:latin typeface="+mn-lt"/>
           <a:ea typeface="+mn-ea"/>
           <a:cs typeface="+mn-cs"/>
         </a:defRPr>
       </a:lvl8pPr>
-      <a:lvl9pPr marL="3886200" indent="-228600" algn="l" defTabSz="914400" rtl="0" eaLnBrk="1" latinLnBrk="0" hangingPunct="1">
+      <a:lvl9pPr marL="1700000" indent="-228600" algn="l" defTabSz="914400" rtl="0" eaLnBrk="1" latinLnBrk="0" hangingPunct="1">
         <a:lnSpc>
           <a:spcPct val="90000"/>
         </a:lnSpc>
         <a:spcBef>
-          <a:spcPts val="500"/>
+          <a:spcPts val="200"/>
         </a:spcBef>
-        <a:buFont typeface="Arial" panose="020B0604020202020204" pitchFamily="34" charset="0"/>
-        <a:buChar char="•"/>
-        <a:defRPr sz="1800" kern="1200">
+        <a:spcAft>
+          <a:spcPts val="400"/>
+        </a:spcAft>
+        <a:buClr>
+          <a:schemeClr val="accent1"/>
+        </a:buClr>
+        <a:buFont typeface="Calibri" pitchFamily="34" charset="0"/>
+        <a:buChar char="◦"/>
+        <a:defRPr sz="1400" kern="1200">
           <a:solidFill>
-            <a:schemeClr val="tx1"/>
+            <a:schemeClr val="tx1">
+              <a:lumMod val="75000"/>
+              <a:lumOff val="25000"/>
+            </a:schemeClr>
           </a:solidFill>
           <a:latin typeface="+mn-lt"/>
           <a:ea typeface="+mn-ea"/>
@@ -3367,7 +4204,18 @@
           <a:bodyPr/>
           <a:lstStyle/>
           <a:p>
-            <a:endParaRPr lang="en-GB"/>
+            <a:pPr algn="ctr"/>
+            <a:r>
+              <a:rPr lang="hu-HU" dirty="0">
+                <a:latin typeface="Helvetica" panose="020B0604020202020204" pitchFamily="34" charset="0"/>
+                <a:cs typeface="Helvetica" panose="020B0604020202020204" pitchFamily="34" charset="0"/>
+              </a:rPr>
+              <a:t>Random temporary title</a:t>
+            </a:r>
+            <a:endParaRPr lang="en-GB" dirty="0">
+              <a:latin typeface="Helvetica" panose="020B0604020202020204" pitchFamily="34" charset="0"/>
+              <a:cs typeface="Helvetica" panose="020B0604020202020204" pitchFamily="34" charset="0"/>
+            </a:endParaRPr>
           </a:p>
         </p:txBody>
       </p:sp>
@@ -3392,6 +4240,102 @@
           <a:bodyPr/>
           <a:lstStyle/>
           <a:p>
+            <a:pPr algn="ctr"/>
+            <a:r>
+              <a:rPr lang="hu-HU" dirty="0">
+                <a:latin typeface="Helvetica" panose="020B0604020202020204" pitchFamily="34" charset="0"/>
+                <a:cs typeface="Helvetica" panose="020B0604020202020204" pitchFamily="34" charset="0"/>
+              </a:rPr>
+              <a:t>Boldizár Kiss</a:t>
+            </a:r>
+            <a:endParaRPr lang="en-GB" dirty="0">
+              <a:latin typeface="Helvetica" panose="020B0604020202020204" pitchFamily="34" charset="0"/>
+              <a:cs typeface="Helvetica" panose="020B0604020202020204" pitchFamily="34" charset="0"/>
+            </a:endParaRPr>
+          </a:p>
+        </p:txBody>
+      </p:sp>
+      <p:sp>
+        <p:nvSpPr>
+          <p:cNvPr id="4" name="Dátum helye 3">
+            <a:extLst>
+              <a:ext uri="{FF2B5EF4-FFF2-40B4-BE49-F238E27FC236}">
+                <a16:creationId xmlns:a16="http://schemas.microsoft.com/office/drawing/2014/main" id="{6C9251F0-10E3-44FE-A02C-E92763A809FF}"/>
+              </a:ext>
+            </a:extLst>
+          </p:cNvPr>
+          <p:cNvSpPr>
+            <a:spLocks noGrp="1"/>
+          </p:cNvSpPr>
+          <p:nvPr>
+            <p:ph type="dt" sz="half" idx="10"/>
+          </p:nvPr>
+        </p:nvSpPr>
+        <p:spPr/>
+        <p:txBody>
+          <a:bodyPr/>
+          <a:lstStyle/>
+          <a:p>
+            <a:r>
+              <a:rPr lang="en-GB"/>
+              <a:t>27/10/2017</a:t>
+            </a:r>
+          </a:p>
+        </p:txBody>
+      </p:sp>
+      <p:sp>
+        <p:nvSpPr>
+          <p:cNvPr id="5" name="Élőláb helye 4">
+            <a:extLst>
+              <a:ext uri="{FF2B5EF4-FFF2-40B4-BE49-F238E27FC236}">
+                <a16:creationId xmlns:a16="http://schemas.microsoft.com/office/drawing/2014/main" id="{EF92CBD6-A22E-42DC-A55C-A0043FC77046}"/>
+              </a:ext>
+            </a:extLst>
+          </p:cNvPr>
+          <p:cNvSpPr>
+            <a:spLocks noGrp="1"/>
+          </p:cNvSpPr>
+          <p:nvPr>
+            <p:ph type="ftr" sz="quarter" idx="11"/>
+          </p:nvPr>
+        </p:nvSpPr>
+        <p:spPr/>
+        <p:txBody>
+          <a:bodyPr/>
+          <a:lstStyle/>
+          <a:p>
+            <a:r>
+              <a:rPr lang="en-GB"/>
+              <a:t>Boldizsár Kiss</a:t>
+            </a:r>
+          </a:p>
+        </p:txBody>
+      </p:sp>
+      <p:sp>
+        <p:nvSpPr>
+          <p:cNvPr id="6" name="Dia számának helye 5">
+            <a:extLst>
+              <a:ext uri="{FF2B5EF4-FFF2-40B4-BE49-F238E27FC236}">
+                <a16:creationId xmlns:a16="http://schemas.microsoft.com/office/drawing/2014/main" id="{E64246EC-9F07-4A04-8461-CB10B687206F}"/>
+              </a:ext>
+            </a:extLst>
+          </p:cNvPr>
+          <p:cNvSpPr>
+            <a:spLocks noGrp="1"/>
+          </p:cNvSpPr>
+          <p:nvPr>
+            <p:ph type="sldNum" sz="quarter" idx="12"/>
+          </p:nvPr>
+        </p:nvSpPr>
+        <p:spPr/>
+        <p:txBody>
+          <a:bodyPr/>
+          <a:lstStyle/>
+          <a:p>
+            <a:fld id="{A02811C3-B397-4C0C-B0F8-7534EDBE35B7}" type="slidenum">
+              <a:rPr lang="en-GB" smtClean="0"/>
+              <a:t>1</a:t>
+            </a:fld>
             <a:endParaRPr lang="en-GB"/>
           </a:p>
         </p:txBody>
@@ -3409,7 +4353,1155 @@
 </p:sld>
 </file>
 
+<file path=ppt/slides/slide2.xml><?xml version="1.0" encoding="utf-8"?>
+<p:sld xmlns:a="http://schemas.openxmlformats.org/drawingml/2006/main" xmlns:r="http://schemas.openxmlformats.org/officeDocument/2006/relationships" xmlns:p="http://schemas.openxmlformats.org/presentationml/2006/main">
+  <p:cSld>
+    <p:spTree>
+      <p:nvGrpSpPr>
+        <p:cNvPr id="1" name=""/>
+        <p:cNvGrpSpPr/>
+        <p:nvPr/>
+      </p:nvGrpSpPr>
+      <p:grpSpPr>
+        <a:xfrm>
+          <a:off x="0" y="0"/>
+          <a:ext cx="0" cy="0"/>
+          <a:chOff x="0" y="0"/>
+          <a:chExt cx="0" cy="0"/>
+        </a:xfrm>
+      </p:grpSpPr>
+      <p:sp>
+        <p:nvSpPr>
+          <p:cNvPr id="2" name="Cím 1">
+            <a:extLst>
+              <a:ext uri="{FF2B5EF4-FFF2-40B4-BE49-F238E27FC236}">
+                <a16:creationId xmlns:a16="http://schemas.microsoft.com/office/drawing/2014/main" id="{CD61F941-FFC1-44DC-961F-AC96DB63EA04}"/>
+              </a:ext>
+            </a:extLst>
+          </p:cNvPr>
+          <p:cNvSpPr>
+            <a:spLocks noGrp="1"/>
+          </p:cNvSpPr>
+          <p:nvPr>
+            <p:ph type="title"/>
+          </p:nvPr>
+        </p:nvSpPr>
+        <p:spPr/>
+        <p:txBody>
+          <a:bodyPr/>
+          <a:lstStyle/>
+          <a:p>
+            <a:endParaRPr lang="en-GB" dirty="0">
+              <a:latin typeface="Helvetica" panose="020B0604020202020204" pitchFamily="34" charset="0"/>
+              <a:cs typeface="Helvetica" panose="020B0604020202020204" pitchFamily="34" charset="0"/>
+            </a:endParaRPr>
+          </a:p>
+        </p:txBody>
+      </p:sp>
+      <p:sp>
+        <p:nvSpPr>
+          <p:cNvPr id="3" name="Tartalom helye 2">
+            <a:extLst>
+              <a:ext uri="{FF2B5EF4-FFF2-40B4-BE49-F238E27FC236}">
+                <a16:creationId xmlns:a16="http://schemas.microsoft.com/office/drawing/2014/main" id="{4F088FF8-C589-487E-92A7-593551C60CA6}"/>
+              </a:ext>
+            </a:extLst>
+          </p:cNvPr>
+          <p:cNvSpPr>
+            <a:spLocks noGrp="1"/>
+          </p:cNvSpPr>
+          <p:nvPr>
+            <p:ph idx="1"/>
+          </p:nvPr>
+        </p:nvSpPr>
+        <p:spPr/>
+        <p:txBody>
+          <a:bodyPr>
+            <a:normAutofit/>
+          </a:bodyPr>
+          <a:lstStyle/>
+          <a:p>
+            <a:endParaRPr lang="en-GB" sz="3200" dirty="0">
+              <a:latin typeface="Helvetica" panose="020B0604020202020204" pitchFamily="34" charset="0"/>
+              <a:cs typeface="Helvetica" panose="020B0604020202020204" pitchFamily="34" charset="0"/>
+            </a:endParaRPr>
+          </a:p>
+        </p:txBody>
+      </p:sp>
+      <p:sp>
+        <p:nvSpPr>
+          <p:cNvPr id="4" name="Dátum helye 3">
+            <a:extLst>
+              <a:ext uri="{FF2B5EF4-FFF2-40B4-BE49-F238E27FC236}">
+                <a16:creationId xmlns:a16="http://schemas.microsoft.com/office/drawing/2014/main" id="{0D41324F-D905-45ED-BAAD-BE22AE85050D}"/>
+              </a:ext>
+            </a:extLst>
+          </p:cNvPr>
+          <p:cNvSpPr>
+            <a:spLocks noGrp="1"/>
+          </p:cNvSpPr>
+          <p:nvPr>
+            <p:ph type="dt" sz="half" idx="10"/>
+          </p:nvPr>
+        </p:nvSpPr>
+        <p:spPr/>
+        <p:txBody>
+          <a:bodyPr/>
+          <a:lstStyle/>
+          <a:p>
+            <a:r>
+              <a:rPr lang="en-GB"/>
+              <a:t>27/10/2017</a:t>
+            </a:r>
+          </a:p>
+        </p:txBody>
+      </p:sp>
+      <p:sp>
+        <p:nvSpPr>
+          <p:cNvPr id="5" name="Élőláb helye 4">
+            <a:extLst>
+              <a:ext uri="{FF2B5EF4-FFF2-40B4-BE49-F238E27FC236}">
+                <a16:creationId xmlns:a16="http://schemas.microsoft.com/office/drawing/2014/main" id="{10ED16D7-10A5-4F85-9964-6B995F12A3A5}"/>
+              </a:ext>
+            </a:extLst>
+          </p:cNvPr>
+          <p:cNvSpPr>
+            <a:spLocks noGrp="1"/>
+          </p:cNvSpPr>
+          <p:nvPr>
+            <p:ph type="ftr" sz="quarter" idx="11"/>
+          </p:nvPr>
+        </p:nvSpPr>
+        <p:spPr/>
+        <p:txBody>
+          <a:bodyPr/>
+          <a:lstStyle/>
+          <a:p>
+            <a:r>
+              <a:rPr lang="en-GB"/>
+              <a:t>Boldizsár Kiss</a:t>
+            </a:r>
+          </a:p>
+        </p:txBody>
+      </p:sp>
+      <p:sp>
+        <p:nvSpPr>
+          <p:cNvPr id="6" name="Dia számának helye 5">
+            <a:extLst>
+              <a:ext uri="{FF2B5EF4-FFF2-40B4-BE49-F238E27FC236}">
+                <a16:creationId xmlns:a16="http://schemas.microsoft.com/office/drawing/2014/main" id="{8C25FA4F-F92E-415C-AF0A-82E18B060EE4}"/>
+              </a:ext>
+            </a:extLst>
+          </p:cNvPr>
+          <p:cNvSpPr>
+            <a:spLocks noGrp="1"/>
+          </p:cNvSpPr>
+          <p:nvPr>
+            <p:ph type="sldNum" sz="quarter" idx="12"/>
+          </p:nvPr>
+        </p:nvSpPr>
+        <p:spPr/>
+        <p:txBody>
+          <a:bodyPr/>
+          <a:lstStyle/>
+          <a:p>
+            <a:fld id="{A02811C3-B397-4C0C-B0F8-7534EDBE35B7}" type="slidenum">
+              <a:rPr lang="en-GB" smtClean="0"/>
+              <a:t>2</a:t>
+            </a:fld>
+            <a:endParaRPr lang="en-GB"/>
+          </a:p>
+        </p:txBody>
+      </p:sp>
+    </p:spTree>
+    <p:extLst>
+      <p:ext uri="{BB962C8B-B14F-4D97-AF65-F5344CB8AC3E}">
+        <p14:creationId xmlns:p14="http://schemas.microsoft.com/office/powerpoint/2010/main" val="484753059"/>
+      </p:ext>
+    </p:extLst>
+  </p:cSld>
+  <p:clrMapOvr>
+    <a:masterClrMapping/>
+  </p:clrMapOvr>
+</p:sld>
+</file>
+
+<file path=ppt/slides/slide3.xml><?xml version="1.0" encoding="utf-8"?>
+<p:sld xmlns:a="http://schemas.openxmlformats.org/drawingml/2006/main" xmlns:r="http://schemas.openxmlformats.org/officeDocument/2006/relationships" xmlns:p="http://schemas.openxmlformats.org/presentationml/2006/main">
+  <p:cSld>
+    <p:spTree>
+      <p:nvGrpSpPr>
+        <p:cNvPr id="1" name=""/>
+        <p:cNvGrpSpPr/>
+        <p:nvPr/>
+      </p:nvGrpSpPr>
+      <p:grpSpPr>
+        <a:xfrm>
+          <a:off x="0" y="0"/>
+          <a:ext cx="0" cy="0"/>
+          <a:chOff x="0" y="0"/>
+          <a:chExt cx="0" cy="0"/>
+        </a:xfrm>
+      </p:grpSpPr>
+      <p:sp>
+        <p:nvSpPr>
+          <p:cNvPr id="2" name="Cím 1">
+            <a:extLst>
+              <a:ext uri="{FF2B5EF4-FFF2-40B4-BE49-F238E27FC236}">
+                <a16:creationId xmlns:a16="http://schemas.microsoft.com/office/drawing/2014/main" id="{CD61F941-FFC1-44DC-961F-AC96DB63EA04}"/>
+              </a:ext>
+            </a:extLst>
+          </p:cNvPr>
+          <p:cNvSpPr>
+            <a:spLocks noGrp="1"/>
+          </p:cNvSpPr>
+          <p:nvPr>
+            <p:ph type="title"/>
+          </p:nvPr>
+        </p:nvSpPr>
+        <p:spPr/>
+        <p:txBody>
+          <a:bodyPr/>
+          <a:lstStyle/>
+          <a:p>
+            <a:endParaRPr lang="en-GB" dirty="0">
+              <a:latin typeface="Helvetica" panose="020B0604020202020204" pitchFamily="34" charset="0"/>
+              <a:cs typeface="Helvetica" panose="020B0604020202020204" pitchFamily="34" charset="0"/>
+            </a:endParaRPr>
+          </a:p>
+        </p:txBody>
+      </p:sp>
+      <p:sp>
+        <p:nvSpPr>
+          <p:cNvPr id="3" name="Tartalom helye 2">
+            <a:extLst>
+              <a:ext uri="{FF2B5EF4-FFF2-40B4-BE49-F238E27FC236}">
+                <a16:creationId xmlns:a16="http://schemas.microsoft.com/office/drawing/2014/main" id="{4F088FF8-C589-487E-92A7-593551C60CA6}"/>
+              </a:ext>
+            </a:extLst>
+          </p:cNvPr>
+          <p:cNvSpPr>
+            <a:spLocks noGrp="1"/>
+          </p:cNvSpPr>
+          <p:nvPr>
+            <p:ph idx="1"/>
+          </p:nvPr>
+        </p:nvSpPr>
+        <p:spPr/>
+        <p:txBody>
+          <a:bodyPr>
+            <a:normAutofit/>
+          </a:bodyPr>
+          <a:lstStyle/>
+          <a:p>
+            <a:endParaRPr lang="en-GB" sz="3200" dirty="0">
+              <a:latin typeface="Helvetica" panose="020B0604020202020204" pitchFamily="34" charset="0"/>
+              <a:cs typeface="Helvetica" panose="020B0604020202020204" pitchFamily="34" charset="0"/>
+            </a:endParaRPr>
+          </a:p>
+        </p:txBody>
+      </p:sp>
+      <p:sp>
+        <p:nvSpPr>
+          <p:cNvPr id="4" name="Dátum helye 3">
+            <a:extLst>
+              <a:ext uri="{FF2B5EF4-FFF2-40B4-BE49-F238E27FC236}">
+                <a16:creationId xmlns:a16="http://schemas.microsoft.com/office/drawing/2014/main" id="{79F23A73-A358-4B9C-B3C7-17B6EBDE473E}"/>
+              </a:ext>
+            </a:extLst>
+          </p:cNvPr>
+          <p:cNvSpPr>
+            <a:spLocks noGrp="1"/>
+          </p:cNvSpPr>
+          <p:nvPr>
+            <p:ph type="dt" sz="half" idx="10"/>
+          </p:nvPr>
+        </p:nvSpPr>
+        <p:spPr/>
+        <p:txBody>
+          <a:bodyPr/>
+          <a:lstStyle/>
+          <a:p>
+            <a:r>
+              <a:rPr lang="en-GB"/>
+              <a:t>27/10/2017</a:t>
+            </a:r>
+          </a:p>
+        </p:txBody>
+      </p:sp>
+      <p:sp>
+        <p:nvSpPr>
+          <p:cNvPr id="5" name="Élőláb helye 4">
+            <a:extLst>
+              <a:ext uri="{FF2B5EF4-FFF2-40B4-BE49-F238E27FC236}">
+                <a16:creationId xmlns:a16="http://schemas.microsoft.com/office/drawing/2014/main" id="{52ACF948-26FC-4F2B-99E2-A41A799816A6}"/>
+              </a:ext>
+            </a:extLst>
+          </p:cNvPr>
+          <p:cNvSpPr>
+            <a:spLocks noGrp="1"/>
+          </p:cNvSpPr>
+          <p:nvPr>
+            <p:ph type="ftr" sz="quarter" idx="11"/>
+          </p:nvPr>
+        </p:nvSpPr>
+        <p:spPr/>
+        <p:txBody>
+          <a:bodyPr/>
+          <a:lstStyle/>
+          <a:p>
+            <a:r>
+              <a:rPr lang="en-GB"/>
+              <a:t>Boldizsár Kiss</a:t>
+            </a:r>
+          </a:p>
+        </p:txBody>
+      </p:sp>
+      <p:sp>
+        <p:nvSpPr>
+          <p:cNvPr id="6" name="Dia számának helye 5">
+            <a:extLst>
+              <a:ext uri="{FF2B5EF4-FFF2-40B4-BE49-F238E27FC236}">
+                <a16:creationId xmlns:a16="http://schemas.microsoft.com/office/drawing/2014/main" id="{ADFD6795-F8F9-4079-B189-4F75065DE1AF}"/>
+              </a:ext>
+            </a:extLst>
+          </p:cNvPr>
+          <p:cNvSpPr>
+            <a:spLocks noGrp="1"/>
+          </p:cNvSpPr>
+          <p:nvPr>
+            <p:ph type="sldNum" sz="quarter" idx="12"/>
+          </p:nvPr>
+        </p:nvSpPr>
+        <p:spPr/>
+        <p:txBody>
+          <a:bodyPr/>
+          <a:lstStyle/>
+          <a:p>
+            <a:fld id="{A02811C3-B397-4C0C-B0F8-7534EDBE35B7}" type="slidenum">
+              <a:rPr lang="en-GB" smtClean="0"/>
+              <a:t>3</a:t>
+            </a:fld>
+            <a:endParaRPr lang="en-GB"/>
+          </a:p>
+        </p:txBody>
+      </p:sp>
+    </p:spTree>
+    <p:extLst>
+      <p:ext uri="{BB962C8B-B14F-4D97-AF65-F5344CB8AC3E}">
+        <p14:creationId xmlns:p14="http://schemas.microsoft.com/office/powerpoint/2010/main" val="4201840033"/>
+      </p:ext>
+    </p:extLst>
+  </p:cSld>
+  <p:clrMapOvr>
+    <a:masterClrMapping/>
+  </p:clrMapOvr>
+</p:sld>
+</file>
+
+<file path=ppt/slides/slide4.xml><?xml version="1.0" encoding="utf-8"?>
+<p:sld xmlns:a="http://schemas.openxmlformats.org/drawingml/2006/main" xmlns:r="http://schemas.openxmlformats.org/officeDocument/2006/relationships" xmlns:p="http://schemas.openxmlformats.org/presentationml/2006/main">
+  <p:cSld>
+    <p:spTree>
+      <p:nvGrpSpPr>
+        <p:cNvPr id="1" name=""/>
+        <p:cNvGrpSpPr/>
+        <p:nvPr/>
+      </p:nvGrpSpPr>
+      <p:grpSpPr>
+        <a:xfrm>
+          <a:off x="0" y="0"/>
+          <a:ext cx="0" cy="0"/>
+          <a:chOff x="0" y="0"/>
+          <a:chExt cx="0" cy="0"/>
+        </a:xfrm>
+      </p:grpSpPr>
+      <p:sp>
+        <p:nvSpPr>
+          <p:cNvPr id="2" name="Cím 1">
+            <a:extLst>
+              <a:ext uri="{FF2B5EF4-FFF2-40B4-BE49-F238E27FC236}">
+                <a16:creationId xmlns:a16="http://schemas.microsoft.com/office/drawing/2014/main" id="{CD61F941-FFC1-44DC-961F-AC96DB63EA04}"/>
+              </a:ext>
+            </a:extLst>
+          </p:cNvPr>
+          <p:cNvSpPr>
+            <a:spLocks noGrp="1"/>
+          </p:cNvSpPr>
+          <p:nvPr>
+            <p:ph type="title"/>
+          </p:nvPr>
+        </p:nvSpPr>
+        <p:spPr/>
+        <p:txBody>
+          <a:bodyPr/>
+          <a:lstStyle/>
+          <a:p>
+            <a:endParaRPr lang="en-GB" dirty="0">
+              <a:latin typeface="Helvetica" panose="020B0604020202020204" pitchFamily="34" charset="0"/>
+              <a:cs typeface="Helvetica" panose="020B0604020202020204" pitchFamily="34" charset="0"/>
+            </a:endParaRPr>
+          </a:p>
+        </p:txBody>
+      </p:sp>
+      <p:sp>
+        <p:nvSpPr>
+          <p:cNvPr id="3" name="Tartalom helye 2">
+            <a:extLst>
+              <a:ext uri="{FF2B5EF4-FFF2-40B4-BE49-F238E27FC236}">
+                <a16:creationId xmlns:a16="http://schemas.microsoft.com/office/drawing/2014/main" id="{4F088FF8-C589-487E-92A7-593551C60CA6}"/>
+              </a:ext>
+            </a:extLst>
+          </p:cNvPr>
+          <p:cNvSpPr>
+            <a:spLocks noGrp="1"/>
+          </p:cNvSpPr>
+          <p:nvPr>
+            <p:ph idx="1"/>
+          </p:nvPr>
+        </p:nvSpPr>
+        <p:spPr/>
+        <p:txBody>
+          <a:bodyPr>
+            <a:normAutofit/>
+          </a:bodyPr>
+          <a:lstStyle/>
+          <a:p>
+            <a:endParaRPr lang="en-GB" sz="3200" dirty="0">
+              <a:latin typeface="Helvetica" panose="020B0604020202020204" pitchFamily="34" charset="0"/>
+              <a:cs typeface="Helvetica" panose="020B0604020202020204" pitchFamily="34" charset="0"/>
+            </a:endParaRPr>
+          </a:p>
+        </p:txBody>
+      </p:sp>
+      <p:sp>
+        <p:nvSpPr>
+          <p:cNvPr id="4" name="Dátum helye 3">
+            <a:extLst>
+              <a:ext uri="{FF2B5EF4-FFF2-40B4-BE49-F238E27FC236}">
+                <a16:creationId xmlns:a16="http://schemas.microsoft.com/office/drawing/2014/main" id="{EEA0F499-9B51-49B5-AB2B-A3D6BC3AC196}"/>
+              </a:ext>
+            </a:extLst>
+          </p:cNvPr>
+          <p:cNvSpPr>
+            <a:spLocks noGrp="1"/>
+          </p:cNvSpPr>
+          <p:nvPr>
+            <p:ph type="dt" sz="half" idx="10"/>
+          </p:nvPr>
+        </p:nvSpPr>
+        <p:spPr/>
+        <p:txBody>
+          <a:bodyPr/>
+          <a:lstStyle/>
+          <a:p>
+            <a:r>
+              <a:rPr lang="en-GB"/>
+              <a:t>27/10/2017</a:t>
+            </a:r>
+          </a:p>
+        </p:txBody>
+      </p:sp>
+      <p:sp>
+        <p:nvSpPr>
+          <p:cNvPr id="5" name="Élőláb helye 4">
+            <a:extLst>
+              <a:ext uri="{FF2B5EF4-FFF2-40B4-BE49-F238E27FC236}">
+                <a16:creationId xmlns:a16="http://schemas.microsoft.com/office/drawing/2014/main" id="{2F219574-FA9E-4B0B-BB27-630EE6176F27}"/>
+              </a:ext>
+            </a:extLst>
+          </p:cNvPr>
+          <p:cNvSpPr>
+            <a:spLocks noGrp="1"/>
+          </p:cNvSpPr>
+          <p:nvPr>
+            <p:ph type="ftr" sz="quarter" idx="11"/>
+          </p:nvPr>
+        </p:nvSpPr>
+        <p:spPr/>
+        <p:txBody>
+          <a:bodyPr/>
+          <a:lstStyle/>
+          <a:p>
+            <a:r>
+              <a:rPr lang="en-GB"/>
+              <a:t>Boldizsár Kiss</a:t>
+            </a:r>
+          </a:p>
+        </p:txBody>
+      </p:sp>
+      <p:sp>
+        <p:nvSpPr>
+          <p:cNvPr id="6" name="Dia számának helye 5">
+            <a:extLst>
+              <a:ext uri="{FF2B5EF4-FFF2-40B4-BE49-F238E27FC236}">
+                <a16:creationId xmlns:a16="http://schemas.microsoft.com/office/drawing/2014/main" id="{93557138-C83E-44C2-B277-AEF051AAF237}"/>
+              </a:ext>
+            </a:extLst>
+          </p:cNvPr>
+          <p:cNvSpPr>
+            <a:spLocks noGrp="1"/>
+          </p:cNvSpPr>
+          <p:nvPr>
+            <p:ph type="sldNum" sz="quarter" idx="12"/>
+          </p:nvPr>
+        </p:nvSpPr>
+        <p:spPr/>
+        <p:txBody>
+          <a:bodyPr/>
+          <a:lstStyle/>
+          <a:p>
+            <a:fld id="{A02811C3-B397-4C0C-B0F8-7534EDBE35B7}" type="slidenum">
+              <a:rPr lang="en-GB" smtClean="0"/>
+              <a:t>4</a:t>
+            </a:fld>
+            <a:endParaRPr lang="en-GB"/>
+          </a:p>
+        </p:txBody>
+      </p:sp>
+    </p:spTree>
+    <p:extLst>
+      <p:ext uri="{BB962C8B-B14F-4D97-AF65-F5344CB8AC3E}">
+        <p14:creationId xmlns:p14="http://schemas.microsoft.com/office/powerpoint/2010/main" val="1592816699"/>
+      </p:ext>
+    </p:extLst>
+  </p:cSld>
+  <p:clrMapOvr>
+    <a:masterClrMapping/>
+  </p:clrMapOvr>
+</p:sld>
+</file>
+
+<file path=ppt/slides/slide5.xml><?xml version="1.0" encoding="utf-8"?>
+<p:sld xmlns:a="http://schemas.openxmlformats.org/drawingml/2006/main" xmlns:r="http://schemas.openxmlformats.org/officeDocument/2006/relationships" xmlns:p="http://schemas.openxmlformats.org/presentationml/2006/main">
+  <p:cSld>
+    <p:spTree>
+      <p:nvGrpSpPr>
+        <p:cNvPr id="1" name=""/>
+        <p:cNvGrpSpPr/>
+        <p:nvPr/>
+      </p:nvGrpSpPr>
+      <p:grpSpPr>
+        <a:xfrm>
+          <a:off x="0" y="0"/>
+          <a:ext cx="0" cy="0"/>
+          <a:chOff x="0" y="0"/>
+          <a:chExt cx="0" cy="0"/>
+        </a:xfrm>
+      </p:grpSpPr>
+      <p:sp>
+        <p:nvSpPr>
+          <p:cNvPr id="2" name="Cím 1">
+            <a:extLst>
+              <a:ext uri="{FF2B5EF4-FFF2-40B4-BE49-F238E27FC236}">
+                <a16:creationId xmlns:a16="http://schemas.microsoft.com/office/drawing/2014/main" id="{CD61F941-FFC1-44DC-961F-AC96DB63EA04}"/>
+              </a:ext>
+            </a:extLst>
+          </p:cNvPr>
+          <p:cNvSpPr>
+            <a:spLocks noGrp="1"/>
+          </p:cNvSpPr>
+          <p:nvPr>
+            <p:ph type="title"/>
+          </p:nvPr>
+        </p:nvSpPr>
+        <p:spPr/>
+        <p:txBody>
+          <a:bodyPr/>
+          <a:lstStyle/>
+          <a:p>
+            <a:endParaRPr lang="en-GB" dirty="0">
+              <a:latin typeface="Helvetica" panose="020B0604020202020204" pitchFamily="34" charset="0"/>
+              <a:cs typeface="Helvetica" panose="020B0604020202020204" pitchFamily="34" charset="0"/>
+            </a:endParaRPr>
+          </a:p>
+        </p:txBody>
+      </p:sp>
+      <p:sp>
+        <p:nvSpPr>
+          <p:cNvPr id="3" name="Tartalom helye 2">
+            <a:extLst>
+              <a:ext uri="{FF2B5EF4-FFF2-40B4-BE49-F238E27FC236}">
+                <a16:creationId xmlns:a16="http://schemas.microsoft.com/office/drawing/2014/main" id="{4F088FF8-C589-487E-92A7-593551C60CA6}"/>
+              </a:ext>
+            </a:extLst>
+          </p:cNvPr>
+          <p:cNvSpPr>
+            <a:spLocks noGrp="1"/>
+          </p:cNvSpPr>
+          <p:nvPr>
+            <p:ph idx="1"/>
+          </p:nvPr>
+        </p:nvSpPr>
+        <p:spPr/>
+        <p:txBody>
+          <a:bodyPr>
+            <a:normAutofit/>
+          </a:bodyPr>
+          <a:lstStyle/>
+          <a:p>
+            <a:endParaRPr lang="en-GB" sz="3200" dirty="0">
+              <a:latin typeface="Helvetica" panose="020B0604020202020204" pitchFamily="34" charset="0"/>
+              <a:cs typeface="Helvetica" panose="020B0604020202020204" pitchFamily="34" charset="0"/>
+            </a:endParaRPr>
+          </a:p>
+        </p:txBody>
+      </p:sp>
+      <p:sp>
+        <p:nvSpPr>
+          <p:cNvPr id="4" name="Dátum helye 3">
+            <a:extLst>
+              <a:ext uri="{FF2B5EF4-FFF2-40B4-BE49-F238E27FC236}">
+                <a16:creationId xmlns:a16="http://schemas.microsoft.com/office/drawing/2014/main" id="{2776FF57-92C5-4CE1-B9C3-36393CE9057D}"/>
+              </a:ext>
+            </a:extLst>
+          </p:cNvPr>
+          <p:cNvSpPr>
+            <a:spLocks noGrp="1"/>
+          </p:cNvSpPr>
+          <p:nvPr>
+            <p:ph type="dt" sz="half" idx="10"/>
+          </p:nvPr>
+        </p:nvSpPr>
+        <p:spPr/>
+        <p:txBody>
+          <a:bodyPr/>
+          <a:lstStyle/>
+          <a:p>
+            <a:r>
+              <a:rPr lang="en-GB"/>
+              <a:t>27/10/2017</a:t>
+            </a:r>
+          </a:p>
+        </p:txBody>
+      </p:sp>
+      <p:sp>
+        <p:nvSpPr>
+          <p:cNvPr id="5" name="Élőláb helye 4">
+            <a:extLst>
+              <a:ext uri="{FF2B5EF4-FFF2-40B4-BE49-F238E27FC236}">
+                <a16:creationId xmlns:a16="http://schemas.microsoft.com/office/drawing/2014/main" id="{959870D0-DF33-4FE2-976E-2D7FEFA9683D}"/>
+              </a:ext>
+            </a:extLst>
+          </p:cNvPr>
+          <p:cNvSpPr>
+            <a:spLocks noGrp="1"/>
+          </p:cNvSpPr>
+          <p:nvPr>
+            <p:ph type="ftr" sz="quarter" idx="11"/>
+          </p:nvPr>
+        </p:nvSpPr>
+        <p:spPr/>
+        <p:txBody>
+          <a:bodyPr/>
+          <a:lstStyle/>
+          <a:p>
+            <a:r>
+              <a:rPr lang="en-GB"/>
+              <a:t>Boldizsár Kiss</a:t>
+            </a:r>
+          </a:p>
+        </p:txBody>
+      </p:sp>
+      <p:sp>
+        <p:nvSpPr>
+          <p:cNvPr id="6" name="Dia számának helye 5">
+            <a:extLst>
+              <a:ext uri="{FF2B5EF4-FFF2-40B4-BE49-F238E27FC236}">
+                <a16:creationId xmlns:a16="http://schemas.microsoft.com/office/drawing/2014/main" id="{643387F1-0ED4-4A20-A6B5-217211C9D120}"/>
+              </a:ext>
+            </a:extLst>
+          </p:cNvPr>
+          <p:cNvSpPr>
+            <a:spLocks noGrp="1"/>
+          </p:cNvSpPr>
+          <p:nvPr>
+            <p:ph type="sldNum" sz="quarter" idx="12"/>
+          </p:nvPr>
+        </p:nvSpPr>
+        <p:spPr/>
+        <p:txBody>
+          <a:bodyPr/>
+          <a:lstStyle/>
+          <a:p>
+            <a:fld id="{A02811C3-B397-4C0C-B0F8-7534EDBE35B7}" type="slidenum">
+              <a:rPr lang="en-GB" smtClean="0"/>
+              <a:t>5</a:t>
+            </a:fld>
+            <a:endParaRPr lang="en-GB"/>
+          </a:p>
+        </p:txBody>
+      </p:sp>
+    </p:spTree>
+    <p:extLst>
+      <p:ext uri="{BB962C8B-B14F-4D97-AF65-F5344CB8AC3E}">
+        <p14:creationId xmlns:p14="http://schemas.microsoft.com/office/powerpoint/2010/main" val="3922907846"/>
+      </p:ext>
+    </p:extLst>
+  </p:cSld>
+  <p:clrMapOvr>
+    <a:masterClrMapping/>
+  </p:clrMapOvr>
+</p:sld>
+</file>
+
+<file path=ppt/slides/slide6.xml><?xml version="1.0" encoding="utf-8"?>
+<p:sld xmlns:a="http://schemas.openxmlformats.org/drawingml/2006/main" xmlns:r="http://schemas.openxmlformats.org/officeDocument/2006/relationships" xmlns:p="http://schemas.openxmlformats.org/presentationml/2006/main">
+  <p:cSld>
+    <p:spTree>
+      <p:nvGrpSpPr>
+        <p:cNvPr id="1" name=""/>
+        <p:cNvGrpSpPr/>
+        <p:nvPr/>
+      </p:nvGrpSpPr>
+      <p:grpSpPr>
+        <a:xfrm>
+          <a:off x="0" y="0"/>
+          <a:ext cx="0" cy="0"/>
+          <a:chOff x="0" y="0"/>
+          <a:chExt cx="0" cy="0"/>
+        </a:xfrm>
+      </p:grpSpPr>
+      <p:sp>
+        <p:nvSpPr>
+          <p:cNvPr id="2" name="Cím 1">
+            <a:extLst>
+              <a:ext uri="{FF2B5EF4-FFF2-40B4-BE49-F238E27FC236}">
+                <a16:creationId xmlns:a16="http://schemas.microsoft.com/office/drawing/2014/main" id="{CD61F941-FFC1-44DC-961F-AC96DB63EA04}"/>
+              </a:ext>
+            </a:extLst>
+          </p:cNvPr>
+          <p:cNvSpPr>
+            <a:spLocks noGrp="1"/>
+          </p:cNvSpPr>
+          <p:nvPr>
+            <p:ph type="title"/>
+          </p:nvPr>
+        </p:nvSpPr>
+        <p:spPr/>
+        <p:txBody>
+          <a:bodyPr/>
+          <a:lstStyle/>
+          <a:p>
+            <a:endParaRPr lang="en-GB" dirty="0">
+              <a:latin typeface="Helvetica" panose="020B0604020202020204" pitchFamily="34" charset="0"/>
+              <a:cs typeface="Helvetica" panose="020B0604020202020204" pitchFamily="34" charset="0"/>
+            </a:endParaRPr>
+          </a:p>
+        </p:txBody>
+      </p:sp>
+      <p:sp>
+        <p:nvSpPr>
+          <p:cNvPr id="3" name="Tartalom helye 2">
+            <a:extLst>
+              <a:ext uri="{FF2B5EF4-FFF2-40B4-BE49-F238E27FC236}">
+                <a16:creationId xmlns:a16="http://schemas.microsoft.com/office/drawing/2014/main" id="{4F088FF8-C589-487E-92A7-593551C60CA6}"/>
+              </a:ext>
+            </a:extLst>
+          </p:cNvPr>
+          <p:cNvSpPr>
+            <a:spLocks noGrp="1"/>
+          </p:cNvSpPr>
+          <p:nvPr>
+            <p:ph idx="1"/>
+          </p:nvPr>
+        </p:nvSpPr>
+        <p:spPr/>
+        <p:txBody>
+          <a:bodyPr>
+            <a:normAutofit/>
+          </a:bodyPr>
+          <a:lstStyle/>
+          <a:p>
+            <a:endParaRPr lang="en-GB" sz="3200" dirty="0">
+              <a:latin typeface="Helvetica" panose="020B0604020202020204" pitchFamily="34" charset="0"/>
+              <a:cs typeface="Helvetica" panose="020B0604020202020204" pitchFamily="34" charset="0"/>
+            </a:endParaRPr>
+          </a:p>
+        </p:txBody>
+      </p:sp>
+      <p:sp>
+        <p:nvSpPr>
+          <p:cNvPr id="4" name="Dátum helye 3">
+            <a:extLst>
+              <a:ext uri="{FF2B5EF4-FFF2-40B4-BE49-F238E27FC236}">
+                <a16:creationId xmlns:a16="http://schemas.microsoft.com/office/drawing/2014/main" id="{105F7794-2D75-46B0-9EB5-1154765DACD3}"/>
+              </a:ext>
+            </a:extLst>
+          </p:cNvPr>
+          <p:cNvSpPr>
+            <a:spLocks noGrp="1"/>
+          </p:cNvSpPr>
+          <p:nvPr>
+            <p:ph type="dt" sz="half" idx="10"/>
+          </p:nvPr>
+        </p:nvSpPr>
+        <p:spPr/>
+        <p:txBody>
+          <a:bodyPr/>
+          <a:lstStyle/>
+          <a:p>
+            <a:r>
+              <a:rPr lang="en-GB"/>
+              <a:t>27/10/2017</a:t>
+            </a:r>
+          </a:p>
+        </p:txBody>
+      </p:sp>
+      <p:sp>
+        <p:nvSpPr>
+          <p:cNvPr id="5" name="Élőláb helye 4">
+            <a:extLst>
+              <a:ext uri="{FF2B5EF4-FFF2-40B4-BE49-F238E27FC236}">
+                <a16:creationId xmlns:a16="http://schemas.microsoft.com/office/drawing/2014/main" id="{9EA2FE84-8E50-45C7-84F3-0BE1D4884700}"/>
+              </a:ext>
+            </a:extLst>
+          </p:cNvPr>
+          <p:cNvSpPr>
+            <a:spLocks noGrp="1"/>
+          </p:cNvSpPr>
+          <p:nvPr>
+            <p:ph type="ftr" sz="quarter" idx="11"/>
+          </p:nvPr>
+        </p:nvSpPr>
+        <p:spPr/>
+        <p:txBody>
+          <a:bodyPr/>
+          <a:lstStyle/>
+          <a:p>
+            <a:r>
+              <a:rPr lang="en-GB"/>
+              <a:t>Boldizsár Kiss</a:t>
+            </a:r>
+          </a:p>
+        </p:txBody>
+      </p:sp>
+      <p:sp>
+        <p:nvSpPr>
+          <p:cNvPr id="6" name="Dia számának helye 5">
+            <a:extLst>
+              <a:ext uri="{FF2B5EF4-FFF2-40B4-BE49-F238E27FC236}">
+                <a16:creationId xmlns:a16="http://schemas.microsoft.com/office/drawing/2014/main" id="{011F97E3-7494-4C5A-BC3A-E56EBD482C53}"/>
+              </a:ext>
+            </a:extLst>
+          </p:cNvPr>
+          <p:cNvSpPr>
+            <a:spLocks noGrp="1"/>
+          </p:cNvSpPr>
+          <p:nvPr>
+            <p:ph type="sldNum" sz="quarter" idx="12"/>
+          </p:nvPr>
+        </p:nvSpPr>
+        <p:spPr/>
+        <p:txBody>
+          <a:bodyPr/>
+          <a:lstStyle/>
+          <a:p>
+            <a:fld id="{A02811C3-B397-4C0C-B0F8-7534EDBE35B7}" type="slidenum">
+              <a:rPr lang="en-GB" smtClean="0"/>
+              <a:t>6</a:t>
+            </a:fld>
+            <a:endParaRPr lang="en-GB"/>
+          </a:p>
+        </p:txBody>
+      </p:sp>
+    </p:spTree>
+    <p:extLst>
+      <p:ext uri="{BB962C8B-B14F-4D97-AF65-F5344CB8AC3E}">
+        <p14:creationId xmlns:p14="http://schemas.microsoft.com/office/powerpoint/2010/main" val="273143224"/>
+      </p:ext>
+    </p:extLst>
+  </p:cSld>
+  <p:clrMapOvr>
+    <a:masterClrMapping/>
+  </p:clrMapOvr>
+</p:sld>
+</file>
+
 <file path=ppt/theme/theme1.xml><?xml version="1.0" encoding="utf-8"?>
+<a:theme xmlns:a="http://schemas.openxmlformats.org/drawingml/2006/main" name="Retrospektív">
+  <a:themeElements>
+    <a:clrScheme name="Retrospektív">
+      <a:dk1>
+        <a:srgbClr val="000000"/>
+      </a:dk1>
+      <a:lt1>
+        <a:sysClr val="window" lastClr="FFFFFF"/>
+      </a:lt1>
+      <a:dk2>
+        <a:srgbClr val="637052"/>
+      </a:dk2>
+      <a:lt2>
+        <a:srgbClr val="CCDDEA"/>
+      </a:lt2>
+      <a:accent1>
+        <a:srgbClr val="E48312"/>
+      </a:accent1>
+      <a:accent2>
+        <a:srgbClr val="BD582C"/>
+      </a:accent2>
+      <a:accent3>
+        <a:srgbClr val="865640"/>
+      </a:accent3>
+      <a:accent4>
+        <a:srgbClr val="9B8357"/>
+      </a:accent4>
+      <a:accent5>
+        <a:srgbClr val="C2BC80"/>
+      </a:accent5>
+      <a:accent6>
+        <a:srgbClr val="94A088"/>
+      </a:accent6>
+      <a:hlink>
+        <a:srgbClr val="2998E3"/>
+      </a:hlink>
+      <a:folHlink>
+        <a:srgbClr val="8C8C8C"/>
+      </a:folHlink>
+    </a:clrScheme>
+    <a:fontScheme name="Retrospektív">
+      <a:majorFont>
+        <a:latin typeface="Calibri Light" panose="020F0302020204030204"/>
+        <a:ea typeface=""/>
+        <a:cs typeface=""/>
+        <a:font script="Jpan" typeface="ＭＳ Ｐゴシック"/>
+        <a:font script="Hang" typeface="맑은 고딕"/>
+        <a:font script="Hans" typeface="宋体"/>
+        <a:font script="Hant" typeface="新細明體"/>
+        <a:font script="Arab" typeface="Times New Roman"/>
+        <a:font script="Hebr" typeface="Times New Roman"/>
+        <a:font script="Thai" typeface="Angsana New"/>
+        <a:font script="Ethi" typeface="Nyala"/>
+        <a:font script="Beng" typeface="Vrinda"/>
+        <a:font script="Gujr" typeface="Shruti"/>
+        <a:font script="Khmr" typeface="MoolBoran"/>
+        <a:font script="Knda" typeface="Tunga"/>
+        <a:font script="Guru" typeface="Raavi"/>
+        <a:font script="Cans" typeface="Euphemia"/>
+        <a:font script="Cher" typeface="Plantagenet Cherokee"/>
+        <a:font script="Yiii" typeface="Microsoft Yi Baiti"/>
+        <a:font script="Tibt" typeface="Microsoft Himalaya"/>
+        <a:font script="Thaa" typeface="MV Boli"/>
+        <a:font script="Deva" typeface="Mangal"/>
+        <a:font script="Telu" typeface="Gautami"/>
+        <a:font script="Taml" typeface="Latha"/>
+        <a:font script="Syrc" typeface="Estrangelo Edessa"/>
+        <a:font script="Orya" typeface="Kalinga"/>
+        <a:font script="Mlym" typeface="Kartika"/>
+        <a:font script="Laoo" typeface="DokChampa"/>
+        <a:font script="Sinh" typeface="Iskoola Pota"/>
+        <a:font script="Mong" typeface="Mongolian Baiti"/>
+        <a:font script="Viet" typeface="Times New Roman"/>
+        <a:font script="Uigh" typeface="Microsoft Uighur"/>
+        <a:font script="Geor" typeface="Sylfaen"/>
+      </a:majorFont>
+      <a:minorFont>
+        <a:latin typeface="Calibri" panose="020F0502020204030204"/>
+        <a:ea typeface=""/>
+        <a:cs typeface=""/>
+        <a:font script="Jpan" typeface="ＭＳ Ｐゴシック"/>
+        <a:font script="Hang" typeface="맑은 고딕"/>
+        <a:font script="Hans" typeface="宋体"/>
+        <a:font script="Hant" typeface="新細明體"/>
+        <a:font script="Arab" typeface="Arial"/>
+        <a:font script="Hebr" typeface="Arial"/>
+        <a:font script="Thai" typeface="Cordia New"/>
+        <a:font script="Ethi" typeface="Nyala"/>
+        <a:font script="Beng" typeface="Vrinda"/>
+        <a:font script="Gujr" typeface="Shruti"/>
+        <a:font script="Khmr" typeface="DaunPenh"/>
+        <a:font script="Knda" typeface="Tunga"/>
+        <a:font script="Guru" typeface="Raavi"/>
+        <a:font script="Cans" typeface="Euphemia"/>
+        <a:font script="Cher" typeface="Plantagenet Cherokee"/>
+        <a:font script="Yiii" typeface="Microsoft Yi Baiti"/>
+        <a:font script="Tibt" typeface="Microsoft Himalaya"/>
+        <a:font script="Thaa" typeface="MV Boli"/>
+        <a:font script="Deva" typeface="Mangal"/>
+        <a:font script="Telu" typeface="Gautami"/>
+        <a:font script="Taml" typeface="Latha"/>
+        <a:font script="Syrc" typeface="Estrangelo Edessa"/>
+        <a:font script="Orya" typeface="Kalinga"/>
+        <a:font script="Mlym" typeface="Kartika"/>
+        <a:font script="Laoo" typeface="DokChampa"/>
+        <a:font script="Sinh" typeface="Iskoola Pota"/>
+        <a:font script="Mong" typeface="Mongolian Baiti"/>
+        <a:font script="Viet" typeface="Arial"/>
+        <a:font script="Uigh" typeface="Microsoft Uighur"/>
+        <a:font script="Geor" typeface="Sylfaen"/>
+      </a:minorFont>
+    </a:fontScheme>
+    <a:fmtScheme name="Retrospektív">
+      <a:fillStyleLst>
+        <a:solidFill>
+          <a:schemeClr val="phClr"/>
+        </a:solidFill>
+        <a:gradFill rotWithShape="1">
+          <a:gsLst>
+            <a:gs pos="0">
+              <a:schemeClr val="phClr">
+                <a:tint val="65000"/>
+                <a:shade val="92000"/>
+                <a:satMod val="130000"/>
+              </a:schemeClr>
+            </a:gs>
+            <a:gs pos="45000">
+              <a:schemeClr val="phClr">
+                <a:tint val="60000"/>
+                <a:shade val="99000"/>
+                <a:satMod val="120000"/>
+              </a:schemeClr>
+            </a:gs>
+            <a:gs pos="100000">
+              <a:schemeClr val="phClr">
+                <a:tint val="55000"/>
+                <a:satMod val="140000"/>
+              </a:schemeClr>
+            </a:gs>
+          </a:gsLst>
+          <a:path path="circle">
+            <a:fillToRect l="100000" t="100000" r="100000" b="100000"/>
+          </a:path>
+        </a:gradFill>
+        <a:gradFill rotWithShape="1">
+          <a:gsLst>
+            <a:gs pos="0">
+              <a:schemeClr val="phClr">
+                <a:shade val="85000"/>
+                <a:satMod val="130000"/>
+              </a:schemeClr>
+            </a:gs>
+            <a:gs pos="34000">
+              <a:schemeClr val="phClr">
+                <a:shade val="87000"/>
+                <a:satMod val="125000"/>
+              </a:schemeClr>
+            </a:gs>
+            <a:gs pos="70000">
+              <a:schemeClr val="phClr">
+                <a:tint val="100000"/>
+                <a:shade val="90000"/>
+                <a:satMod val="130000"/>
+              </a:schemeClr>
+            </a:gs>
+            <a:gs pos="100000">
+              <a:schemeClr val="phClr">
+                <a:tint val="100000"/>
+                <a:shade val="100000"/>
+                <a:satMod val="110000"/>
+              </a:schemeClr>
+            </a:gs>
+          </a:gsLst>
+          <a:path path="circle">
+            <a:fillToRect l="100000" t="100000" r="100000" b="100000"/>
+          </a:path>
+        </a:gradFill>
+      </a:fillStyleLst>
+      <a:lnStyleLst>
+        <a:ln w="12700" cap="flat" cmpd="sng" algn="ctr">
+          <a:solidFill>
+            <a:schemeClr val="phClr"/>
+          </a:solidFill>
+          <a:prstDash val="solid"/>
+        </a:ln>
+        <a:ln w="15875" cap="flat" cmpd="sng" algn="ctr">
+          <a:solidFill>
+            <a:schemeClr val="phClr"/>
+          </a:solidFill>
+          <a:prstDash val="solid"/>
+        </a:ln>
+        <a:ln w="25400" cap="flat" cmpd="sng" algn="ctr">
+          <a:solidFill>
+            <a:schemeClr val="phClr"/>
+          </a:solidFill>
+          <a:prstDash val="solid"/>
+        </a:ln>
+      </a:lnStyleLst>
+      <a:effectStyleLst>
+        <a:effectStyle>
+          <a:effectLst/>
+        </a:effectStyle>
+        <a:effectStyle>
+          <a:effectLst>
+            <a:outerShdw blurRad="38100" dist="25400" dir="2700000" algn="br" rotWithShape="0">
+              <a:srgbClr val="000000">
+                <a:alpha val="60000"/>
+              </a:srgbClr>
+            </a:outerShdw>
+          </a:effectLst>
+        </a:effectStyle>
+        <a:effectStyle>
+          <a:effectLst>
+            <a:outerShdw blurRad="44450" dist="25400" dir="2700000" algn="br" rotWithShape="0">
+              <a:srgbClr val="000000">
+                <a:alpha val="60000"/>
+              </a:srgbClr>
+            </a:outerShdw>
+          </a:effectLst>
+          <a:scene3d>
+            <a:camera prst="orthographicFront">
+              <a:rot lat="0" lon="0" rev="0"/>
+            </a:camera>
+            <a:lightRig rig="threePt" dir="t">
+              <a:rot lat="0" lon="0" rev="19800000"/>
+            </a:lightRig>
+          </a:scene3d>
+          <a:sp3d prstMaterial="flat">
+            <a:bevelT w="25400" h="31750"/>
+          </a:sp3d>
+        </a:effectStyle>
+      </a:effectStyleLst>
+      <a:bgFillStyleLst>
+        <a:solidFill>
+          <a:schemeClr val="phClr"/>
+        </a:solidFill>
+        <a:solidFill>
+          <a:schemeClr val="phClr">
+            <a:tint val="90000"/>
+            <a:shade val="97000"/>
+            <a:satMod val="130000"/>
+          </a:schemeClr>
+        </a:solidFill>
+        <a:gradFill rotWithShape="1">
+          <a:gsLst>
+            <a:gs pos="0">
+              <a:schemeClr val="phClr">
+                <a:tint val="96000"/>
+                <a:shade val="99000"/>
+                <a:satMod val="140000"/>
+              </a:schemeClr>
+            </a:gs>
+            <a:gs pos="65000">
+              <a:schemeClr val="phClr">
+                <a:tint val="100000"/>
+                <a:shade val="80000"/>
+                <a:satMod val="130000"/>
+              </a:schemeClr>
+            </a:gs>
+            <a:gs pos="100000">
+              <a:schemeClr val="phClr">
+                <a:tint val="100000"/>
+                <a:shade val="48000"/>
+                <a:satMod val="120000"/>
+              </a:schemeClr>
+            </a:gs>
+          </a:gsLst>
+          <a:lin ang="16200000" scaled="0"/>
+        </a:gradFill>
+      </a:bgFillStyleLst>
+    </a:fmtScheme>
+  </a:themeElements>
+  <a:objectDefaults/>
+  <a:extraClrSchemeLst/>
+  <a:extLst>
+    <a:ext uri="{05A4C25C-085E-4340-85A3-A5531E510DB2}">
+      <thm15:themeFamily xmlns:thm15="http://schemas.microsoft.com/office/thememl/2012/main" name="Retrospect" id="{5F128B03-DCCA-4EEB-AB3B-CF2899314A46}" vid="{3F1AAB62-24C6-49D2-8E01-B56FAC9A3DCD}"/>
+    </a:ext>
+  </a:extLst>
+</a:theme>
+</file>
+
+<file path=ppt/theme/theme2.xml><?xml version="1.0" encoding="utf-8"?>
 <a:theme xmlns:a="http://schemas.openxmlformats.org/drawingml/2006/main" name="Office-téma">
   <a:themeElements>
     <a:clrScheme name="Office">

--- a/week07/day04/demo/ppt-w07.pptx
+++ b/week07/day04/demo/ppt-w07.pptx
@@ -4205,13 +4205,6 @@
           <a:lstStyle/>
           <a:p>
             <a:pPr algn="ctr"/>
-            <a:r>
-              <a:rPr lang="hu-HU" dirty="0">
-                <a:latin typeface="Helvetica" panose="020B0604020202020204" pitchFamily="34" charset="0"/>
-                <a:cs typeface="Helvetica" panose="020B0604020202020204" pitchFamily="34" charset="0"/>
-              </a:rPr>
-              <a:t>Random temporary title</a:t>
-            </a:r>
             <a:endParaRPr lang="en-GB" dirty="0">
               <a:latin typeface="Helvetica" panose="020B0604020202020204" pitchFamily="34" charset="0"/>
               <a:cs typeface="Helvetica" panose="020B0604020202020204" pitchFamily="34" charset="0"/>
@@ -4391,6 +4384,13 @@
           <a:bodyPr/>
           <a:lstStyle/>
           <a:p>
+            <a:r>
+              <a:rPr lang="hu-HU" dirty="0">
+                <a:latin typeface="Helvetica" panose="020B0604020202020204" pitchFamily="34" charset="0"/>
+                <a:cs typeface="Helvetica" panose="020B0604020202020204" pitchFamily="34" charset="0"/>
+              </a:rPr>
+              <a:t>TDD Poker</a:t>
+            </a:r>
             <a:endParaRPr lang="en-GB" dirty="0">
               <a:latin typeface="Helvetica" panose="020B0604020202020204" pitchFamily="34" charset="0"/>
               <a:cs typeface="Helvetica" panose="020B0604020202020204" pitchFamily="34" charset="0"/>
@@ -4421,10 +4421,22 @@
           </a:bodyPr>
           <a:lstStyle/>
           <a:p>
-            <a:endParaRPr lang="en-GB" sz="3200" dirty="0">
-              <a:latin typeface="Helvetica" panose="020B0604020202020204" pitchFamily="34" charset="0"/>
-              <a:cs typeface="Helvetica" panose="020B0604020202020204" pitchFamily="34" charset="0"/>
-            </a:endParaRPr>
+            <a:r>
+              <a:rPr lang="hu-HU" sz="3200" dirty="0">
+                <a:latin typeface="Helvetica" panose="020B0604020202020204" pitchFamily="34" charset="0"/>
+                <a:cs typeface="Helvetica" panose="020B0604020202020204" pitchFamily="34" charset="0"/>
+              </a:rPr>
+              <a:t>Main target: writing a small program which can compare the values of two hands by basic poker rules</a:t>
+            </a:r>
+          </a:p>
+          <a:p>
+            <a:r>
+              <a:rPr lang="hu-HU" sz="3200" dirty="0">
+                <a:latin typeface="Helvetica" panose="020B0604020202020204" pitchFamily="34" charset="0"/>
+                <a:cs typeface="Helvetica" panose="020B0604020202020204" pitchFamily="34" charset="0"/>
+              </a:rPr>
+              <a:t>Status checks are made by unit tests, </a:t>
+            </a:r>
           </a:p>
         </p:txBody>
       </p:sp>
@@ -4564,6 +4576,13 @@
           <a:bodyPr/>
           <a:lstStyle/>
           <a:p>
+            <a:r>
+              <a:rPr lang="hu-HU" dirty="0">
+                <a:latin typeface="Helvetica" panose="020B0604020202020204" pitchFamily="34" charset="0"/>
+                <a:cs typeface="Helvetica" panose="020B0604020202020204" pitchFamily="34" charset="0"/>
+              </a:rPr>
+              <a:t>TDD Poker</a:t>
+            </a:r>
             <a:endParaRPr lang="en-GB" dirty="0">
               <a:latin typeface="Helvetica" panose="020B0604020202020204" pitchFamily="34" charset="0"/>
               <a:cs typeface="Helvetica" panose="020B0604020202020204" pitchFamily="34" charset="0"/>
@@ -4587,17 +4606,43 @@
             <p:ph idx="1"/>
           </p:nvPr>
         </p:nvSpPr>
-        <p:spPr/>
+        <p:spPr>
+          <a:xfrm>
+            <a:off x="822959" y="1845734"/>
+            <a:ext cx="3735789" cy="4023360"/>
+          </a:xfrm>
+        </p:spPr>
         <p:txBody>
           <a:bodyPr>
-            <a:normAutofit/>
+            <a:normAutofit fontScale="85000" lnSpcReduction="20000"/>
           </a:bodyPr>
           <a:lstStyle/>
           <a:p>
-            <a:endParaRPr lang="en-GB" sz="3200" dirty="0">
-              <a:latin typeface="Helvetica" panose="020B0604020202020204" pitchFamily="34" charset="0"/>
-              <a:cs typeface="Helvetica" panose="020B0604020202020204" pitchFamily="34" charset="0"/>
-            </a:endParaRPr>
+            <a:r>
+              <a:rPr lang="hu-HU" sz="3200" dirty="0">
+                <a:latin typeface="Helvetica" panose="020B0604020202020204" pitchFamily="34" charset="0"/>
+                <a:cs typeface="Helvetica" panose="020B0604020202020204" pitchFamily="34" charset="0"/>
+              </a:rPr>
+              <a:t>Hand class (not represents the exact hands, but handles them</a:t>
+            </a:r>
+          </a:p>
+          <a:p>
+            <a:r>
+              <a:rPr lang="hu-HU" sz="3200" dirty="0">
+                <a:latin typeface="Helvetica" panose="020B0604020202020204" pitchFamily="34" charset="0"/>
+                <a:cs typeface="Helvetica" panose="020B0604020202020204" pitchFamily="34" charset="0"/>
+              </a:rPr>
+              <a:t>It sorts the cards and mark them if they are parts of a combination</a:t>
+            </a:r>
+          </a:p>
+          <a:p>
+            <a:r>
+              <a:rPr lang="hu-HU" sz="3200" dirty="0">
+                <a:latin typeface="Helvetica" panose="020B0604020202020204" pitchFamily="34" charset="0"/>
+                <a:cs typeface="Helvetica" panose="020B0604020202020204" pitchFamily="34" charset="0"/>
+              </a:rPr>
+              <a:t>The Game method calls others and returns with an int, depended on the comparison status</a:t>
+            </a:r>
           </a:p>
         </p:txBody>
       </p:sp>
@@ -4686,6 +4731,42 @@
           </a:p>
         </p:txBody>
       </p:sp>
+      <p:pic>
+        <p:nvPicPr>
+          <p:cNvPr id="8" name="Kép 7">
+            <a:extLst>
+              <a:ext uri="{FF2B5EF4-FFF2-40B4-BE49-F238E27FC236}">
+                <a16:creationId xmlns:a16="http://schemas.microsoft.com/office/drawing/2014/main" id="{D982C32F-3C37-4DA7-B5A9-29660DA1325C}"/>
+              </a:ext>
+            </a:extLst>
+          </p:cNvPr>
+          <p:cNvPicPr>
+            <a:picLocks noChangeAspect="1"/>
+          </p:cNvPicPr>
+          <p:nvPr/>
+        </p:nvPicPr>
+        <p:blipFill>
+          <a:blip r:embed="rId2">
+            <a:extLst>
+              <a:ext uri="{28A0092B-C50C-407E-A947-70E740481C1C}">
+                <a14:useLocalDpi xmlns:a14="http://schemas.microsoft.com/office/drawing/2010/main" val="0"/>
+              </a:ext>
+            </a:extLst>
+          </a:blip>
+          <a:stretch>
+            <a:fillRect/>
+          </a:stretch>
+        </p:blipFill>
+        <p:spPr>
+          <a:xfrm>
+            <a:off x="5234609" y="1886090"/>
+            <a:ext cx="3174754" cy="4355608"/>
+          </a:xfrm>
+          <a:prstGeom prst="rect">
+            <a:avLst/>
+          </a:prstGeom>
+        </p:spPr>
+      </p:pic>
     </p:spTree>
     <p:extLst>
       <p:ext uri="{BB962C8B-B14F-4D97-AF65-F5344CB8AC3E}">
@@ -4737,6 +4818,13 @@
           <a:bodyPr/>
           <a:lstStyle/>
           <a:p>
+            <a:r>
+              <a:rPr lang="hu-HU" dirty="0">
+                <a:latin typeface="Helvetica" panose="020B0604020202020204" pitchFamily="34" charset="0"/>
+                <a:cs typeface="Helvetica" panose="020B0604020202020204" pitchFamily="34" charset="0"/>
+              </a:rPr>
+              <a:t>TDD Poker methods</a:t>
+            </a:r>
             <a:endParaRPr lang="en-GB" dirty="0">
               <a:latin typeface="Helvetica" panose="020B0604020202020204" pitchFamily="34" charset="0"/>
               <a:cs typeface="Helvetica" panose="020B0604020202020204" pitchFamily="34" charset="0"/>
@@ -4763,14 +4851,58 @@
         <p:spPr/>
         <p:txBody>
           <a:bodyPr>
-            <a:normAutofit/>
+            <a:normAutofit lnSpcReduction="10000"/>
           </a:bodyPr>
           <a:lstStyle/>
           <a:p>
-            <a:endParaRPr lang="en-GB" sz="3200" dirty="0">
-              <a:latin typeface="Helvetica" panose="020B0604020202020204" pitchFamily="34" charset="0"/>
-              <a:cs typeface="Helvetica" panose="020B0604020202020204" pitchFamily="34" charset="0"/>
-            </a:endParaRPr>
+            <a:r>
+              <a:rPr lang="hu-HU" sz="3200" dirty="0">
+                <a:latin typeface="Helvetica" panose="020B0604020202020204" pitchFamily="34" charset="0"/>
+                <a:cs typeface="Helvetica" panose="020B0604020202020204" pitchFamily="34" charset="0"/>
+              </a:rPr>
+              <a:t>SortElements – sorts the cards</a:t>
+            </a:r>
+          </a:p>
+          <a:p>
+            <a:r>
+              <a:rPr lang="hu-HU" sz="3200" dirty="0">
+                <a:latin typeface="Helvetica" panose="020B0604020202020204" pitchFamily="34" charset="0"/>
+                <a:cs typeface="Helvetica" panose="020B0604020202020204" pitchFamily="34" charset="0"/>
+              </a:rPr>
+              <a:t>Combination – gives the hand a combination value (also using SortElements) and marks the </a:t>
+            </a:r>
+            <a:r>
+              <a:rPr lang="hu-HU" sz="3200">
+                <a:latin typeface="Helvetica" panose="020B0604020202020204" pitchFamily="34" charset="0"/>
+                <a:cs typeface="Helvetica" panose="020B0604020202020204" pitchFamily="34" charset="0"/>
+              </a:rPr>
+              <a:t>ones in </a:t>
+            </a:r>
+            <a:r>
+              <a:rPr lang="hu-HU" sz="3200" dirty="0">
+                <a:latin typeface="Helvetica" panose="020B0604020202020204" pitchFamily="34" charset="0"/>
+                <a:cs typeface="Helvetica" panose="020B0604020202020204" pitchFamily="34" charset="0"/>
+              </a:rPr>
+              <a:t>the combination</a:t>
+            </a:r>
+          </a:p>
+          <a:p>
+            <a:r>
+              <a:rPr lang="hu-HU" sz="3200" dirty="0">
+                <a:latin typeface="Helvetica" panose="020B0604020202020204" pitchFamily="34" charset="0"/>
+                <a:cs typeface="Helvetica" panose="020B0604020202020204" pitchFamily="34" charset="0"/>
+              </a:rPr>
+              <a:t>RemoveElement – removes specific cards from the list (hand)</a:t>
+            </a:r>
+          </a:p>
+          <a:p>
+            <a:r>
+              <a:rPr lang="hu-HU" sz="3200" dirty="0">
+                <a:latin typeface="Helvetica" panose="020B0604020202020204" pitchFamily="34" charset="0"/>
+                <a:cs typeface="Helvetica" panose="020B0604020202020204" pitchFamily="34" charset="0"/>
+              </a:rPr>
+              <a:t>Game – uses all others</a:t>
+            </a:r>
           </a:p>
         </p:txBody>
       </p:sp>

--- a/week07/day04/demo/ppt-w07.pptx
+++ b/week07/day04/demo/ppt-w07.pptx
@@ -5,7 +5,7 @@
     <p:sldMasterId id="2147483684" r:id="rId1"/>
   </p:sldMasterIdLst>
   <p:notesMasterIdLst>
-    <p:notesMasterId r:id="rId8"/>
+    <p:notesMasterId r:id="rId11"/>
   </p:notesMasterIdLst>
   <p:sldIdLst>
     <p:sldId id="256" r:id="rId2"/>
@@ -14,6 +14,9 @@
     <p:sldId id="259" r:id="rId5"/>
     <p:sldId id="260" r:id="rId6"/>
     <p:sldId id="261" r:id="rId7"/>
+    <p:sldId id="263" r:id="rId8"/>
+    <p:sldId id="264" r:id="rId9"/>
+    <p:sldId id="265" r:id="rId10"/>
   </p:sldIdLst>
   <p:sldSz cx="9144000" cy="6858000" type="screen4x3"/>
   <p:notesSz cx="6858000" cy="9144000"/>
@@ -4389,7 +4392,7 @@
                 <a:latin typeface="Helvetica" panose="020B0604020202020204" pitchFamily="34" charset="0"/>
                 <a:cs typeface="Helvetica" panose="020B0604020202020204" pitchFamily="34" charset="0"/>
               </a:rPr>
-              <a:t>TDD Poker</a:t>
+              <a:t>Poker</a:t>
             </a:r>
             <a:endParaRPr lang="en-GB" dirty="0">
               <a:latin typeface="Helvetica" panose="020B0604020202020204" pitchFamily="34" charset="0"/>
@@ -4435,7 +4438,7 @@
                 <a:latin typeface="Helvetica" panose="020B0604020202020204" pitchFamily="34" charset="0"/>
                 <a:cs typeface="Helvetica" panose="020B0604020202020204" pitchFamily="34" charset="0"/>
               </a:rPr>
-              <a:t>Status checks are made by unit tests, </a:t>
+              <a:t>Status checks are made by unit tests, which represent different hand combinations and comparisons of them</a:t>
             </a:r>
           </a:p>
         </p:txBody>
@@ -4581,7 +4584,7 @@
                 <a:latin typeface="Helvetica" panose="020B0604020202020204" pitchFamily="34" charset="0"/>
                 <a:cs typeface="Helvetica" panose="020B0604020202020204" pitchFamily="34" charset="0"/>
               </a:rPr>
-              <a:t>TDD Poker</a:t>
+              <a:t>Program structure</a:t>
             </a:r>
             <a:endParaRPr lang="en-GB" dirty="0">
               <a:latin typeface="Helvetica" panose="020B0604020202020204" pitchFamily="34" charset="0"/>
@@ -4609,12 +4612,12 @@
         <p:spPr>
           <a:xfrm>
             <a:off x="822959" y="1845734"/>
-            <a:ext cx="3735789" cy="4023360"/>
+            <a:ext cx="4120102" cy="4023360"/>
           </a:xfrm>
         </p:spPr>
         <p:txBody>
           <a:bodyPr>
-            <a:normAutofit fontScale="85000" lnSpcReduction="20000"/>
+            <a:normAutofit fontScale="92500" lnSpcReduction="10000"/>
           </a:bodyPr>
           <a:lstStyle/>
           <a:p>
@@ -4623,7 +4626,7 @@
                 <a:latin typeface="Helvetica" panose="020B0604020202020204" pitchFamily="34" charset="0"/>
                 <a:cs typeface="Helvetica" panose="020B0604020202020204" pitchFamily="34" charset="0"/>
               </a:rPr>
-              <a:t>Hand class (not represents the exact hands, but handles them</a:t>
+              <a:t>A Hand class (not represents the exact hands, but handles them): it sorts the cards and mark them if they are parts of a combination</a:t>
             </a:r>
           </a:p>
           <a:p>
@@ -4632,16 +4635,21 @@
                 <a:latin typeface="Helvetica" panose="020B0604020202020204" pitchFamily="34" charset="0"/>
                 <a:cs typeface="Helvetica" panose="020B0604020202020204" pitchFamily="34" charset="0"/>
               </a:rPr>
-              <a:t>It sorts the cards and mark them if they are parts of a combination</a:t>
-            </a:r>
-          </a:p>
-          <a:p>
+              <a:t>Another Test file (</a:t>
+            </a:r>
+            <a:r>
+              <a:rPr lang="hu-HU" sz="3200">
+                <a:latin typeface="Helvetica" panose="020B0604020202020204" pitchFamily="34" charset="0"/>
+                <a:cs typeface="Helvetica" panose="020B0604020202020204" pitchFamily="34" charset="0"/>
+              </a:rPr>
+              <a:t>other project) </a:t>
+            </a:r>
             <a:r>
               <a:rPr lang="hu-HU" sz="3200" dirty="0">
                 <a:latin typeface="Helvetica" panose="020B0604020202020204" pitchFamily="34" charset="0"/>
                 <a:cs typeface="Helvetica" panose="020B0604020202020204" pitchFamily="34" charset="0"/>
               </a:rPr>
-              <a:t>The Game method calls others and returns with an int, depended on the comparison status</a:t>
+              <a:t>is responsible for unit tests</a:t>
             </a:r>
           </a:p>
         </p:txBody>
@@ -4733,10 +4741,10 @@
       </p:sp>
       <p:pic>
         <p:nvPicPr>
-          <p:cNvPr id="8" name="Kép 7">
+          <p:cNvPr id="10" name="Kép 9">
             <a:extLst>
               <a:ext uri="{FF2B5EF4-FFF2-40B4-BE49-F238E27FC236}">
-                <a16:creationId xmlns:a16="http://schemas.microsoft.com/office/drawing/2014/main" id="{D982C32F-3C37-4DA7-B5A9-29660DA1325C}"/>
+                <a16:creationId xmlns:a16="http://schemas.microsoft.com/office/drawing/2014/main" id="{E0F512BA-E7E5-44B4-9522-1BF7CE9DD754}"/>
               </a:ext>
             </a:extLst>
           </p:cNvPr>
@@ -4746,21 +4754,15 @@
           <p:nvPr/>
         </p:nvPicPr>
         <p:blipFill>
-          <a:blip r:embed="rId2">
-            <a:extLst>
-              <a:ext uri="{28A0092B-C50C-407E-A947-70E740481C1C}">
-                <a14:useLocalDpi xmlns:a14="http://schemas.microsoft.com/office/drawing/2010/main" val="0"/>
-              </a:ext>
-            </a:extLst>
-          </a:blip>
+          <a:blip r:embed="rId2"/>
           <a:stretch>
             <a:fillRect/>
           </a:stretch>
         </p:blipFill>
         <p:spPr>
           <a:xfrm>
-            <a:off x="5234609" y="1886090"/>
-            <a:ext cx="3174754" cy="4355608"/>
+            <a:off x="5408043" y="1845734"/>
+            <a:ext cx="2958717" cy="4023360"/>
           </a:xfrm>
           <a:prstGeom prst="rect">
             <a:avLst/>
@@ -4823,7 +4825,7 @@
                 <a:latin typeface="Helvetica" panose="020B0604020202020204" pitchFamily="34" charset="0"/>
                 <a:cs typeface="Helvetica" panose="020B0604020202020204" pitchFamily="34" charset="0"/>
               </a:rPr>
-              <a:t>TDD Poker methods</a:t>
+              <a:t>Poker methods</a:t>
             </a:r>
             <a:endParaRPr lang="en-GB" dirty="0">
               <a:latin typeface="Helvetica" panose="020B0604020202020204" pitchFamily="34" charset="0"/>
@@ -4851,7 +4853,7 @@
         <p:spPr/>
         <p:txBody>
           <a:bodyPr>
-            <a:normAutofit lnSpcReduction="10000"/>
+            <a:normAutofit fontScale="92500" lnSpcReduction="10000"/>
           </a:bodyPr>
           <a:lstStyle/>
           <a:p>
@@ -4869,21 +4871,7 @@
                 <a:latin typeface="Helvetica" panose="020B0604020202020204" pitchFamily="34" charset="0"/>
                 <a:cs typeface="Helvetica" panose="020B0604020202020204" pitchFamily="34" charset="0"/>
               </a:rPr>
-              <a:t>Combination – gives the hand a combination value (also using SortElements) and marks the </a:t>
-            </a:r>
-            <a:r>
-              <a:rPr lang="hu-HU" sz="3200">
-                <a:latin typeface="Helvetica" panose="020B0604020202020204" pitchFamily="34" charset="0"/>
-                <a:cs typeface="Helvetica" panose="020B0604020202020204" pitchFamily="34" charset="0"/>
-              </a:rPr>
-              <a:t>ones in </a:t>
-            </a:r>
-            <a:r>
-              <a:rPr lang="hu-HU" sz="3200" dirty="0">
-                <a:latin typeface="Helvetica" panose="020B0604020202020204" pitchFamily="34" charset="0"/>
-                <a:cs typeface="Helvetica" panose="020B0604020202020204" pitchFamily="34" charset="0"/>
-              </a:rPr>
-              <a:t>the combination</a:t>
+              <a:t>Combination – gives the hand a combination value (also using SortElements) and marks the ones in the combination</a:t>
             </a:r>
           </a:p>
           <a:p>
@@ -4901,7 +4889,7 @@
                 <a:latin typeface="Helvetica" panose="020B0604020202020204" pitchFamily="34" charset="0"/>
                 <a:cs typeface="Helvetica" panose="020B0604020202020204" pitchFamily="34" charset="0"/>
               </a:rPr>
-              <a:t>Game – uses all others</a:t>
+              <a:t>Game – uses all others, returns which player won</a:t>
             </a:r>
           </a:p>
         </p:txBody>
@@ -5042,6 +5030,13 @@
           <a:bodyPr/>
           <a:lstStyle/>
           <a:p>
+            <a:r>
+              <a:rPr lang="hu-HU" dirty="0">
+                <a:latin typeface="Helvetica" panose="020B0604020202020204" pitchFamily="34" charset="0"/>
+                <a:cs typeface="Helvetica" panose="020B0604020202020204" pitchFamily="34" charset="0"/>
+              </a:rPr>
+              <a:t>SortElements</a:t>
+            </a:r>
             <a:endParaRPr lang="en-GB" dirty="0">
               <a:latin typeface="Helvetica" panose="020B0604020202020204" pitchFamily="34" charset="0"/>
               <a:cs typeface="Helvetica" panose="020B0604020202020204" pitchFamily="34" charset="0"/>
@@ -5049,36 +5044,38 @@
           </a:p>
         </p:txBody>
       </p:sp>
-      <p:sp>
-        <p:nvSpPr>
-          <p:cNvPr id="3" name="Tartalom helye 2">
+      <p:pic>
+        <p:nvPicPr>
+          <p:cNvPr id="7" name="Tartalom helye 6">
             <a:extLst>
               <a:ext uri="{FF2B5EF4-FFF2-40B4-BE49-F238E27FC236}">
-                <a16:creationId xmlns:a16="http://schemas.microsoft.com/office/drawing/2014/main" id="{4F088FF8-C589-487E-92A7-593551C60CA6}"/>
+                <a16:creationId xmlns:a16="http://schemas.microsoft.com/office/drawing/2014/main" id="{D8D7C18B-7CD4-4294-A600-EA7A76E59DC3}"/>
               </a:ext>
             </a:extLst>
           </p:cNvPr>
-          <p:cNvSpPr>
-            <a:spLocks noGrp="1"/>
-          </p:cNvSpPr>
+          <p:cNvPicPr>
+            <a:picLocks noGrp="1" noChangeAspect="1"/>
+          </p:cNvPicPr>
           <p:nvPr>
             <p:ph idx="1"/>
           </p:nvPr>
-        </p:nvSpPr>
-        <p:spPr/>
-        <p:txBody>
-          <a:bodyPr>
-            <a:normAutofit/>
-          </a:bodyPr>
-          <a:lstStyle/>
-          <a:p>
-            <a:endParaRPr lang="en-GB" sz="3200" dirty="0">
-              <a:latin typeface="Helvetica" panose="020B0604020202020204" pitchFamily="34" charset="0"/>
-              <a:cs typeface="Helvetica" panose="020B0604020202020204" pitchFamily="34" charset="0"/>
-            </a:endParaRPr>
-          </a:p>
-        </p:txBody>
-      </p:sp>
+        </p:nvPicPr>
+        <p:blipFill>
+          <a:blip r:embed="rId2"/>
+          <a:stretch>
+            <a:fillRect/>
+          </a:stretch>
+        </p:blipFill>
+        <p:spPr>
+          <a:xfrm>
+            <a:off x="1950567" y="2000866"/>
+            <a:ext cx="5288586" cy="4195414"/>
+          </a:xfrm>
+          <a:prstGeom prst="rect">
+            <a:avLst/>
+          </a:prstGeom>
+        </p:spPr>
+      </p:pic>
       <p:sp>
         <p:nvSpPr>
           <p:cNvPr id="4" name="Dátum helye 3">
@@ -5215,6 +5212,13 @@
           <a:bodyPr/>
           <a:lstStyle/>
           <a:p>
+            <a:r>
+              <a:rPr lang="hu-HU" dirty="0">
+                <a:latin typeface="Helvetica" panose="020B0604020202020204" pitchFamily="34" charset="0"/>
+                <a:cs typeface="Helvetica" panose="020B0604020202020204" pitchFamily="34" charset="0"/>
+              </a:rPr>
+              <a:t>Combination</a:t>
+            </a:r>
             <a:endParaRPr lang="en-GB" dirty="0">
               <a:latin typeface="Helvetica" panose="020B0604020202020204" pitchFamily="34" charset="0"/>
               <a:cs typeface="Helvetica" panose="020B0604020202020204" pitchFamily="34" charset="0"/>
@@ -5238,13 +5242,34 @@
             <p:ph idx="1"/>
           </p:nvPr>
         </p:nvSpPr>
-        <p:spPr/>
+        <p:spPr>
+          <a:xfrm>
+            <a:off x="822959" y="1845734"/>
+            <a:ext cx="3152693" cy="4023360"/>
+          </a:xfrm>
+        </p:spPr>
         <p:txBody>
           <a:bodyPr>
-            <a:normAutofit/>
+            <a:normAutofit fontScale="85000" lnSpcReduction="10000"/>
           </a:bodyPr>
           <a:lstStyle/>
           <a:p>
+            <a:r>
+              <a:rPr lang="hu-HU" sz="3200" dirty="0">
+                <a:latin typeface="Helvetica" panose="020B0604020202020204" pitchFamily="34" charset="0"/>
+                <a:cs typeface="Helvetica" panose="020B0604020202020204" pitchFamily="34" charset="0"/>
+              </a:rPr>
+              <a:t>Gives a new element to the list (combination value)</a:t>
+            </a:r>
+          </a:p>
+          <a:p>
+            <a:r>
+              <a:rPr lang="hu-HU" sz="3200" dirty="0">
+                <a:latin typeface="Helvetica" panose="020B0604020202020204" pitchFamily="34" charset="0"/>
+                <a:cs typeface="Helvetica" panose="020B0604020202020204" pitchFamily="34" charset="0"/>
+              </a:rPr>
+              <a:t>It gets a value by counting the corresponding card values (with modifications to fit to the official combination order)</a:t>
+            </a:r>
             <a:endParaRPr lang="en-GB" sz="3200" dirty="0">
               <a:latin typeface="Helvetica" panose="020B0604020202020204" pitchFamily="34" charset="0"/>
               <a:cs typeface="Helvetica" panose="020B0604020202020204" pitchFamily="34" charset="0"/>
@@ -5337,10 +5362,638 @@
           </a:p>
         </p:txBody>
       </p:sp>
+      <p:pic>
+        <p:nvPicPr>
+          <p:cNvPr id="8" name="Kép 7">
+            <a:extLst>
+              <a:ext uri="{FF2B5EF4-FFF2-40B4-BE49-F238E27FC236}">
+                <a16:creationId xmlns:a16="http://schemas.microsoft.com/office/drawing/2014/main" id="{167FF3A2-5625-4841-961B-871DD3DD73BD}"/>
+              </a:ext>
+            </a:extLst>
+          </p:cNvPr>
+          <p:cNvPicPr>
+            <a:picLocks noChangeAspect="1"/>
+          </p:cNvPicPr>
+          <p:nvPr/>
+        </p:nvPicPr>
+        <p:blipFill>
+          <a:blip r:embed="rId2"/>
+          <a:stretch>
+            <a:fillRect/>
+          </a:stretch>
+        </p:blipFill>
+        <p:spPr>
+          <a:xfrm>
+            <a:off x="4084583" y="1833772"/>
+            <a:ext cx="4324779" cy="4447758"/>
+          </a:xfrm>
+          <a:prstGeom prst="rect">
+            <a:avLst/>
+          </a:prstGeom>
+        </p:spPr>
+      </p:pic>
     </p:spTree>
     <p:extLst>
       <p:ext uri="{BB962C8B-B14F-4D97-AF65-F5344CB8AC3E}">
         <p14:creationId xmlns:p14="http://schemas.microsoft.com/office/powerpoint/2010/main" val="273143224"/>
+      </p:ext>
+    </p:extLst>
+  </p:cSld>
+  <p:clrMapOvr>
+    <a:masterClrMapping/>
+  </p:clrMapOvr>
+</p:sld>
+</file>
+
+<file path=ppt/slides/slide7.xml><?xml version="1.0" encoding="utf-8"?>
+<p:sld xmlns:a="http://schemas.openxmlformats.org/drawingml/2006/main" xmlns:r="http://schemas.openxmlformats.org/officeDocument/2006/relationships" xmlns:p="http://schemas.openxmlformats.org/presentationml/2006/main">
+  <p:cSld>
+    <p:spTree>
+      <p:nvGrpSpPr>
+        <p:cNvPr id="1" name=""/>
+        <p:cNvGrpSpPr/>
+        <p:nvPr/>
+      </p:nvGrpSpPr>
+      <p:grpSpPr>
+        <a:xfrm>
+          <a:off x="0" y="0"/>
+          <a:ext cx="0" cy="0"/>
+          <a:chOff x="0" y="0"/>
+          <a:chExt cx="0" cy="0"/>
+        </a:xfrm>
+      </p:grpSpPr>
+      <p:sp>
+        <p:nvSpPr>
+          <p:cNvPr id="2" name="Cím 1">
+            <a:extLst>
+              <a:ext uri="{FF2B5EF4-FFF2-40B4-BE49-F238E27FC236}">
+                <a16:creationId xmlns:a16="http://schemas.microsoft.com/office/drawing/2014/main" id="{CD61F941-FFC1-44DC-961F-AC96DB63EA04}"/>
+              </a:ext>
+            </a:extLst>
+          </p:cNvPr>
+          <p:cNvSpPr>
+            <a:spLocks noGrp="1"/>
+          </p:cNvSpPr>
+          <p:nvPr>
+            <p:ph type="title"/>
+          </p:nvPr>
+        </p:nvSpPr>
+        <p:spPr/>
+        <p:txBody>
+          <a:bodyPr/>
+          <a:lstStyle/>
+          <a:p>
+            <a:r>
+              <a:rPr lang="hu-HU" dirty="0">
+                <a:latin typeface="Helvetica" panose="020B0604020202020204" pitchFamily="34" charset="0"/>
+                <a:cs typeface="Helvetica" panose="020B0604020202020204" pitchFamily="34" charset="0"/>
+              </a:rPr>
+              <a:t>RemoveElement</a:t>
+            </a:r>
+            <a:endParaRPr lang="en-GB" dirty="0">
+              <a:latin typeface="Helvetica" panose="020B0604020202020204" pitchFamily="34" charset="0"/>
+              <a:cs typeface="Helvetica" panose="020B0604020202020204" pitchFamily="34" charset="0"/>
+            </a:endParaRPr>
+          </a:p>
+        </p:txBody>
+      </p:sp>
+      <p:sp>
+        <p:nvSpPr>
+          <p:cNvPr id="3" name="Tartalom helye 2">
+            <a:extLst>
+              <a:ext uri="{FF2B5EF4-FFF2-40B4-BE49-F238E27FC236}">
+                <a16:creationId xmlns:a16="http://schemas.microsoft.com/office/drawing/2014/main" id="{4F088FF8-C589-487E-92A7-593551C60CA6}"/>
+              </a:ext>
+            </a:extLst>
+          </p:cNvPr>
+          <p:cNvSpPr>
+            <a:spLocks noGrp="1"/>
+          </p:cNvSpPr>
+          <p:nvPr>
+            <p:ph idx="1"/>
+          </p:nvPr>
+        </p:nvSpPr>
+        <p:spPr>
+          <a:xfrm>
+            <a:off x="822960" y="1845734"/>
+            <a:ext cx="2821388" cy="4237014"/>
+          </a:xfrm>
+        </p:spPr>
+        <p:txBody>
+          <a:bodyPr>
+            <a:normAutofit/>
+          </a:bodyPr>
+          <a:lstStyle/>
+          <a:p>
+            <a:r>
+              <a:rPr lang="hu-HU" sz="3200" dirty="0">
+                <a:latin typeface="Helvetica" panose="020B0604020202020204" pitchFamily="34" charset="0"/>
+                <a:cs typeface="Helvetica" panose="020B0604020202020204" pitchFamily="34" charset="0"/>
+              </a:rPr>
+              <a:t>Removes the elements of the list which are not part of the combination (or are, depending on a parameter)</a:t>
+            </a:r>
+          </a:p>
+        </p:txBody>
+      </p:sp>
+      <p:sp>
+        <p:nvSpPr>
+          <p:cNvPr id="4" name="Dátum helye 3">
+            <a:extLst>
+              <a:ext uri="{FF2B5EF4-FFF2-40B4-BE49-F238E27FC236}">
+                <a16:creationId xmlns:a16="http://schemas.microsoft.com/office/drawing/2014/main" id="{EEA0F499-9B51-49B5-AB2B-A3D6BC3AC196}"/>
+              </a:ext>
+            </a:extLst>
+          </p:cNvPr>
+          <p:cNvSpPr>
+            <a:spLocks noGrp="1"/>
+          </p:cNvSpPr>
+          <p:nvPr>
+            <p:ph type="dt" sz="half" idx="10"/>
+          </p:nvPr>
+        </p:nvSpPr>
+        <p:spPr/>
+        <p:txBody>
+          <a:bodyPr/>
+          <a:lstStyle/>
+          <a:p>
+            <a:r>
+              <a:rPr lang="en-GB"/>
+              <a:t>27/10/2017</a:t>
+            </a:r>
+          </a:p>
+        </p:txBody>
+      </p:sp>
+      <p:sp>
+        <p:nvSpPr>
+          <p:cNvPr id="5" name="Élőláb helye 4">
+            <a:extLst>
+              <a:ext uri="{FF2B5EF4-FFF2-40B4-BE49-F238E27FC236}">
+                <a16:creationId xmlns:a16="http://schemas.microsoft.com/office/drawing/2014/main" id="{2F219574-FA9E-4B0B-BB27-630EE6176F27}"/>
+              </a:ext>
+            </a:extLst>
+          </p:cNvPr>
+          <p:cNvSpPr>
+            <a:spLocks noGrp="1"/>
+          </p:cNvSpPr>
+          <p:nvPr>
+            <p:ph type="ftr" sz="quarter" idx="11"/>
+          </p:nvPr>
+        </p:nvSpPr>
+        <p:spPr/>
+        <p:txBody>
+          <a:bodyPr/>
+          <a:lstStyle/>
+          <a:p>
+            <a:r>
+              <a:rPr lang="en-GB"/>
+              <a:t>Boldizsár Kiss</a:t>
+            </a:r>
+          </a:p>
+        </p:txBody>
+      </p:sp>
+      <p:sp>
+        <p:nvSpPr>
+          <p:cNvPr id="6" name="Dia számának helye 5">
+            <a:extLst>
+              <a:ext uri="{FF2B5EF4-FFF2-40B4-BE49-F238E27FC236}">
+                <a16:creationId xmlns:a16="http://schemas.microsoft.com/office/drawing/2014/main" id="{93557138-C83E-44C2-B277-AEF051AAF237}"/>
+              </a:ext>
+            </a:extLst>
+          </p:cNvPr>
+          <p:cNvSpPr>
+            <a:spLocks noGrp="1"/>
+          </p:cNvSpPr>
+          <p:nvPr>
+            <p:ph type="sldNum" sz="quarter" idx="12"/>
+          </p:nvPr>
+        </p:nvSpPr>
+        <p:spPr/>
+        <p:txBody>
+          <a:bodyPr/>
+          <a:lstStyle/>
+          <a:p>
+            <a:fld id="{A02811C3-B397-4C0C-B0F8-7534EDBE35B7}" type="slidenum">
+              <a:rPr lang="en-GB" smtClean="0"/>
+              <a:t>7</a:t>
+            </a:fld>
+            <a:endParaRPr lang="en-GB"/>
+          </a:p>
+        </p:txBody>
+      </p:sp>
+      <p:pic>
+        <p:nvPicPr>
+          <p:cNvPr id="7" name="Kép 6">
+            <a:extLst>
+              <a:ext uri="{FF2B5EF4-FFF2-40B4-BE49-F238E27FC236}">
+                <a16:creationId xmlns:a16="http://schemas.microsoft.com/office/drawing/2014/main" id="{F7B4C1ED-6AC0-4970-9EB5-A3A849E234AD}"/>
+              </a:ext>
+            </a:extLst>
+          </p:cNvPr>
+          <p:cNvPicPr>
+            <a:picLocks noChangeAspect="1"/>
+          </p:cNvPicPr>
+          <p:nvPr/>
+        </p:nvPicPr>
+        <p:blipFill>
+          <a:blip r:embed="rId2"/>
+          <a:stretch>
+            <a:fillRect/>
+          </a:stretch>
+        </p:blipFill>
+        <p:spPr>
+          <a:xfrm>
+            <a:off x="3700317" y="2267962"/>
+            <a:ext cx="4666443" cy="3392557"/>
+          </a:xfrm>
+          <a:prstGeom prst="rect">
+            <a:avLst/>
+          </a:prstGeom>
+        </p:spPr>
+      </p:pic>
+    </p:spTree>
+    <p:extLst>
+      <p:ext uri="{BB962C8B-B14F-4D97-AF65-F5344CB8AC3E}">
+        <p14:creationId xmlns:p14="http://schemas.microsoft.com/office/powerpoint/2010/main" val="1313336783"/>
+      </p:ext>
+    </p:extLst>
+  </p:cSld>
+  <p:clrMapOvr>
+    <a:masterClrMapping/>
+  </p:clrMapOvr>
+</p:sld>
+</file>
+
+<file path=ppt/slides/slide8.xml><?xml version="1.0" encoding="utf-8"?>
+<p:sld xmlns:a="http://schemas.openxmlformats.org/drawingml/2006/main" xmlns:r="http://schemas.openxmlformats.org/officeDocument/2006/relationships" xmlns:p="http://schemas.openxmlformats.org/presentationml/2006/main">
+  <p:cSld>
+    <p:spTree>
+      <p:nvGrpSpPr>
+        <p:cNvPr id="1" name=""/>
+        <p:cNvGrpSpPr/>
+        <p:nvPr/>
+      </p:nvGrpSpPr>
+      <p:grpSpPr>
+        <a:xfrm>
+          <a:off x="0" y="0"/>
+          <a:ext cx="0" cy="0"/>
+          <a:chOff x="0" y="0"/>
+          <a:chExt cx="0" cy="0"/>
+        </a:xfrm>
+      </p:grpSpPr>
+      <p:sp>
+        <p:nvSpPr>
+          <p:cNvPr id="2" name="Cím 1">
+            <a:extLst>
+              <a:ext uri="{FF2B5EF4-FFF2-40B4-BE49-F238E27FC236}">
+                <a16:creationId xmlns:a16="http://schemas.microsoft.com/office/drawing/2014/main" id="{CD61F941-FFC1-44DC-961F-AC96DB63EA04}"/>
+              </a:ext>
+            </a:extLst>
+          </p:cNvPr>
+          <p:cNvSpPr>
+            <a:spLocks noGrp="1"/>
+          </p:cNvSpPr>
+          <p:nvPr>
+            <p:ph type="title"/>
+          </p:nvPr>
+        </p:nvSpPr>
+        <p:spPr/>
+        <p:txBody>
+          <a:bodyPr/>
+          <a:lstStyle/>
+          <a:p>
+            <a:r>
+              <a:rPr lang="hu-HU" dirty="0">
+                <a:latin typeface="Helvetica" panose="020B0604020202020204" pitchFamily="34" charset="0"/>
+                <a:cs typeface="Helvetica" panose="020B0604020202020204" pitchFamily="34" charset="0"/>
+              </a:rPr>
+              <a:t>Tests</a:t>
+            </a:r>
+            <a:endParaRPr lang="en-GB" dirty="0">
+              <a:latin typeface="Helvetica" panose="020B0604020202020204" pitchFamily="34" charset="0"/>
+              <a:cs typeface="Helvetica" panose="020B0604020202020204" pitchFamily="34" charset="0"/>
+            </a:endParaRPr>
+          </a:p>
+        </p:txBody>
+      </p:sp>
+      <p:sp>
+        <p:nvSpPr>
+          <p:cNvPr id="3" name="Tartalom helye 2">
+            <a:extLst>
+              <a:ext uri="{FF2B5EF4-FFF2-40B4-BE49-F238E27FC236}">
+                <a16:creationId xmlns:a16="http://schemas.microsoft.com/office/drawing/2014/main" id="{4F088FF8-C589-487E-92A7-593551C60CA6}"/>
+              </a:ext>
+            </a:extLst>
+          </p:cNvPr>
+          <p:cNvSpPr>
+            <a:spLocks noGrp="1"/>
+          </p:cNvSpPr>
+          <p:nvPr>
+            <p:ph idx="1"/>
+          </p:nvPr>
+        </p:nvSpPr>
+        <p:spPr>
+          <a:xfrm>
+            <a:off x="822959" y="1845734"/>
+            <a:ext cx="3656275" cy="4023360"/>
+          </a:xfrm>
+        </p:spPr>
+        <p:txBody>
+          <a:bodyPr>
+            <a:normAutofit lnSpcReduction="10000"/>
+          </a:bodyPr>
+          <a:lstStyle/>
+          <a:p>
+            <a:r>
+              <a:rPr lang="hu-HU" sz="3200" dirty="0">
+                <a:latin typeface="Helvetica" panose="020B0604020202020204" pitchFamily="34" charset="0"/>
+                <a:cs typeface="Helvetica" panose="020B0604020202020204" pitchFamily="34" charset="0"/>
+              </a:rPr>
+              <a:t>Checks the winner hand and the combination value</a:t>
+            </a:r>
+          </a:p>
+          <a:p>
+            <a:r>
+              <a:rPr lang="hu-HU" sz="3200" dirty="0">
+                <a:latin typeface="Helvetica" panose="020B0604020202020204" pitchFamily="34" charset="0"/>
+                <a:cs typeface="Helvetica" panose="020B0604020202020204" pitchFamily="34" charset="0"/>
+              </a:rPr>
+              <a:t>Input lists represent the hands, each number on the right place represents a value or a suit (or a combination check)</a:t>
+            </a:r>
+          </a:p>
+        </p:txBody>
+      </p:sp>
+      <p:sp>
+        <p:nvSpPr>
+          <p:cNvPr id="4" name="Dátum helye 3">
+            <a:extLst>
+              <a:ext uri="{FF2B5EF4-FFF2-40B4-BE49-F238E27FC236}">
+                <a16:creationId xmlns:a16="http://schemas.microsoft.com/office/drawing/2014/main" id="{EEA0F499-9B51-49B5-AB2B-A3D6BC3AC196}"/>
+              </a:ext>
+            </a:extLst>
+          </p:cNvPr>
+          <p:cNvSpPr>
+            <a:spLocks noGrp="1"/>
+          </p:cNvSpPr>
+          <p:nvPr>
+            <p:ph type="dt" sz="half" idx="10"/>
+          </p:nvPr>
+        </p:nvSpPr>
+        <p:spPr/>
+        <p:txBody>
+          <a:bodyPr/>
+          <a:lstStyle/>
+          <a:p>
+            <a:r>
+              <a:rPr lang="en-GB"/>
+              <a:t>27/10/2017</a:t>
+            </a:r>
+          </a:p>
+        </p:txBody>
+      </p:sp>
+      <p:sp>
+        <p:nvSpPr>
+          <p:cNvPr id="5" name="Élőláb helye 4">
+            <a:extLst>
+              <a:ext uri="{FF2B5EF4-FFF2-40B4-BE49-F238E27FC236}">
+                <a16:creationId xmlns:a16="http://schemas.microsoft.com/office/drawing/2014/main" id="{2F219574-FA9E-4B0B-BB27-630EE6176F27}"/>
+              </a:ext>
+            </a:extLst>
+          </p:cNvPr>
+          <p:cNvSpPr>
+            <a:spLocks noGrp="1"/>
+          </p:cNvSpPr>
+          <p:nvPr>
+            <p:ph type="ftr" sz="quarter" idx="11"/>
+          </p:nvPr>
+        </p:nvSpPr>
+        <p:spPr/>
+        <p:txBody>
+          <a:bodyPr/>
+          <a:lstStyle/>
+          <a:p>
+            <a:r>
+              <a:rPr lang="en-GB"/>
+              <a:t>Boldizsár Kiss</a:t>
+            </a:r>
+          </a:p>
+        </p:txBody>
+      </p:sp>
+      <p:sp>
+        <p:nvSpPr>
+          <p:cNvPr id="6" name="Dia számának helye 5">
+            <a:extLst>
+              <a:ext uri="{FF2B5EF4-FFF2-40B4-BE49-F238E27FC236}">
+                <a16:creationId xmlns:a16="http://schemas.microsoft.com/office/drawing/2014/main" id="{93557138-C83E-44C2-B277-AEF051AAF237}"/>
+              </a:ext>
+            </a:extLst>
+          </p:cNvPr>
+          <p:cNvSpPr>
+            <a:spLocks noGrp="1"/>
+          </p:cNvSpPr>
+          <p:nvPr>
+            <p:ph type="sldNum" sz="quarter" idx="12"/>
+          </p:nvPr>
+        </p:nvSpPr>
+        <p:spPr/>
+        <p:txBody>
+          <a:bodyPr/>
+          <a:lstStyle/>
+          <a:p>
+            <a:fld id="{A02811C3-B397-4C0C-B0F8-7534EDBE35B7}" type="slidenum">
+              <a:rPr lang="en-GB" smtClean="0"/>
+              <a:t>8</a:t>
+            </a:fld>
+            <a:endParaRPr lang="en-GB"/>
+          </a:p>
+        </p:txBody>
+      </p:sp>
+      <p:pic>
+        <p:nvPicPr>
+          <p:cNvPr id="7" name="Kép 6">
+            <a:extLst>
+              <a:ext uri="{FF2B5EF4-FFF2-40B4-BE49-F238E27FC236}">
+                <a16:creationId xmlns:a16="http://schemas.microsoft.com/office/drawing/2014/main" id="{9EB3B581-182C-4638-9A26-5165EDAA7C4F}"/>
+              </a:ext>
+            </a:extLst>
+          </p:cNvPr>
+          <p:cNvPicPr>
+            <a:picLocks noChangeAspect="1"/>
+          </p:cNvPicPr>
+          <p:nvPr/>
+        </p:nvPicPr>
+        <p:blipFill>
+          <a:blip r:embed="rId2"/>
+          <a:stretch>
+            <a:fillRect/>
+          </a:stretch>
+        </p:blipFill>
+        <p:spPr>
+          <a:xfrm>
+            <a:off x="5001956" y="1845734"/>
+            <a:ext cx="3364805" cy="4023360"/>
+          </a:xfrm>
+          <a:prstGeom prst="rect">
+            <a:avLst/>
+          </a:prstGeom>
+        </p:spPr>
+      </p:pic>
+    </p:spTree>
+    <p:extLst>
+      <p:ext uri="{BB962C8B-B14F-4D97-AF65-F5344CB8AC3E}">
+        <p14:creationId xmlns:p14="http://schemas.microsoft.com/office/powerpoint/2010/main" val="481650344"/>
+      </p:ext>
+    </p:extLst>
+  </p:cSld>
+  <p:clrMapOvr>
+    <a:masterClrMapping/>
+  </p:clrMapOvr>
+</p:sld>
+</file>
+
+<file path=ppt/slides/slide9.xml><?xml version="1.0" encoding="utf-8"?>
+<p:sld xmlns:a="http://schemas.openxmlformats.org/drawingml/2006/main" xmlns:r="http://schemas.openxmlformats.org/officeDocument/2006/relationships" xmlns:p="http://schemas.openxmlformats.org/presentationml/2006/main">
+  <p:cSld>
+    <p:spTree>
+      <p:nvGrpSpPr>
+        <p:cNvPr id="1" name=""/>
+        <p:cNvGrpSpPr/>
+        <p:nvPr/>
+      </p:nvGrpSpPr>
+      <p:grpSpPr>
+        <a:xfrm>
+          <a:off x="0" y="0"/>
+          <a:ext cx="0" cy="0"/>
+          <a:chOff x="0" y="0"/>
+          <a:chExt cx="0" cy="0"/>
+        </a:xfrm>
+      </p:grpSpPr>
+      <p:sp>
+        <p:nvSpPr>
+          <p:cNvPr id="2" name="Cím 1">
+            <a:extLst>
+              <a:ext uri="{FF2B5EF4-FFF2-40B4-BE49-F238E27FC236}">
+                <a16:creationId xmlns:a16="http://schemas.microsoft.com/office/drawing/2014/main" id="{98FC3461-B22E-4EC5-A4E4-F90EACBEA474}"/>
+              </a:ext>
+            </a:extLst>
+          </p:cNvPr>
+          <p:cNvSpPr>
+            <a:spLocks noGrp="1"/>
+          </p:cNvSpPr>
+          <p:nvPr>
+            <p:ph type="ctrTitle"/>
+          </p:nvPr>
+        </p:nvSpPr>
+        <p:spPr/>
+        <p:txBody>
+          <a:bodyPr>
+            <a:normAutofit/>
+          </a:bodyPr>
+          <a:lstStyle/>
+          <a:p>
+            <a:pPr algn="ctr"/>
+            <a:r>
+              <a:rPr lang="hu-HU" sz="6000" dirty="0">
+                <a:latin typeface="Helvetica" panose="020B0604020202020204" pitchFamily="34" charset="0"/>
+                <a:cs typeface="Helvetica" panose="020B0604020202020204" pitchFamily="34" charset="0"/>
+              </a:rPr>
+              <a:t>Thanks for the attention!</a:t>
+            </a:r>
+            <a:endParaRPr lang="en-GB" sz="6000" dirty="0">
+              <a:latin typeface="Helvetica" panose="020B0604020202020204" pitchFamily="34" charset="0"/>
+              <a:cs typeface="Helvetica" panose="020B0604020202020204" pitchFamily="34" charset="0"/>
+            </a:endParaRPr>
+          </a:p>
+        </p:txBody>
+      </p:sp>
+      <p:sp>
+        <p:nvSpPr>
+          <p:cNvPr id="4" name="Dátum helye 3">
+            <a:extLst>
+              <a:ext uri="{FF2B5EF4-FFF2-40B4-BE49-F238E27FC236}">
+                <a16:creationId xmlns:a16="http://schemas.microsoft.com/office/drawing/2014/main" id="{6C9251F0-10E3-44FE-A02C-E92763A809FF}"/>
+              </a:ext>
+            </a:extLst>
+          </p:cNvPr>
+          <p:cNvSpPr>
+            <a:spLocks noGrp="1"/>
+          </p:cNvSpPr>
+          <p:nvPr>
+            <p:ph type="dt" sz="half" idx="10"/>
+          </p:nvPr>
+        </p:nvSpPr>
+        <p:spPr/>
+        <p:txBody>
+          <a:bodyPr/>
+          <a:lstStyle/>
+          <a:p>
+            <a:r>
+              <a:rPr lang="en-GB"/>
+              <a:t>27/10/2017</a:t>
+            </a:r>
+          </a:p>
+        </p:txBody>
+      </p:sp>
+      <p:sp>
+        <p:nvSpPr>
+          <p:cNvPr id="5" name="Élőláb helye 4">
+            <a:extLst>
+              <a:ext uri="{FF2B5EF4-FFF2-40B4-BE49-F238E27FC236}">
+                <a16:creationId xmlns:a16="http://schemas.microsoft.com/office/drawing/2014/main" id="{EF92CBD6-A22E-42DC-A55C-A0043FC77046}"/>
+              </a:ext>
+            </a:extLst>
+          </p:cNvPr>
+          <p:cNvSpPr>
+            <a:spLocks noGrp="1"/>
+          </p:cNvSpPr>
+          <p:nvPr>
+            <p:ph type="ftr" sz="quarter" idx="11"/>
+          </p:nvPr>
+        </p:nvSpPr>
+        <p:spPr/>
+        <p:txBody>
+          <a:bodyPr/>
+          <a:lstStyle/>
+          <a:p>
+            <a:r>
+              <a:rPr lang="en-GB"/>
+              <a:t>Boldizsár Kiss</a:t>
+            </a:r>
+          </a:p>
+        </p:txBody>
+      </p:sp>
+      <p:sp>
+        <p:nvSpPr>
+          <p:cNvPr id="6" name="Dia számának helye 5">
+            <a:extLst>
+              <a:ext uri="{FF2B5EF4-FFF2-40B4-BE49-F238E27FC236}">
+                <a16:creationId xmlns:a16="http://schemas.microsoft.com/office/drawing/2014/main" id="{E64246EC-9F07-4A04-8461-CB10B687206F}"/>
+              </a:ext>
+            </a:extLst>
+          </p:cNvPr>
+          <p:cNvSpPr>
+            <a:spLocks noGrp="1"/>
+          </p:cNvSpPr>
+          <p:nvPr>
+            <p:ph type="sldNum" sz="quarter" idx="12"/>
+          </p:nvPr>
+        </p:nvSpPr>
+        <p:spPr/>
+        <p:txBody>
+          <a:bodyPr/>
+          <a:lstStyle/>
+          <a:p>
+            <a:fld id="{A02811C3-B397-4C0C-B0F8-7534EDBE35B7}" type="slidenum">
+              <a:rPr lang="en-GB" smtClean="0"/>
+              <a:t>9</a:t>
+            </a:fld>
+            <a:endParaRPr lang="en-GB"/>
+          </a:p>
+        </p:txBody>
+      </p:sp>
+    </p:spTree>
+    <p:extLst>
+      <p:ext uri="{BB962C8B-B14F-4D97-AF65-F5344CB8AC3E}">
+        <p14:creationId xmlns:p14="http://schemas.microsoft.com/office/powerpoint/2010/main" val="832003361"/>
       </p:ext>
     </p:extLst>
   </p:cSld>

--- a/week07/day04/demo/ppt-w07.pptx
+++ b/week07/day04/demo/ppt-w07.pptx
@@ -4208,6 +4208,20 @@
           <a:lstStyle/>
           <a:p>
             <a:pPr algn="ctr"/>
+            <a:r>
+              <a:rPr lang="hu-HU" dirty="0">
+                <a:latin typeface="Helvetica" panose="020B0604020202020204" pitchFamily="34" charset="0"/>
+                <a:cs typeface="Helvetica" panose="020B0604020202020204" pitchFamily="34" charset="0"/>
+              </a:rPr>
+              <a:t>Poker by two </a:t>
+            </a:r>
+            <a:r>
+              <a:rPr lang="hu-HU" dirty="0" err="1">
+                <a:latin typeface="Helvetica" panose="020B0604020202020204" pitchFamily="34" charset="0"/>
+                <a:cs typeface="Helvetica" panose="020B0604020202020204" pitchFamily="34" charset="0"/>
+              </a:rPr>
+              <a:t>players</a:t>
+            </a:r>
             <a:endParaRPr lang="en-GB" dirty="0">
               <a:latin typeface="Helvetica" panose="020B0604020202020204" pitchFamily="34" charset="0"/>
               <a:cs typeface="Helvetica" panose="020B0604020202020204" pitchFamily="34" charset="0"/>
@@ -4392,7 +4406,7 @@
                 <a:latin typeface="Helvetica" panose="020B0604020202020204" pitchFamily="34" charset="0"/>
                 <a:cs typeface="Helvetica" panose="020B0604020202020204" pitchFamily="34" charset="0"/>
               </a:rPr>
-              <a:t>Poker</a:t>
+              <a:t>Poker task</a:t>
             </a:r>
             <a:endParaRPr lang="en-GB" dirty="0">
               <a:latin typeface="Helvetica" panose="020B0604020202020204" pitchFamily="34" charset="0"/>
@@ -4635,21 +4649,7 @@
                 <a:latin typeface="Helvetica" panose="020B0604020202020204" pitchFamily="34" charset="0"/>
                 <a:cs typeface="Helvetica" panose="020B0604020202020204" pitchFamily="34" charset="0"/>
               </a:rPr>
-              <a:t>Another Test file (</a:t>
-            </a:r>
-            <a:r>
-              <a:rPr lang="hu-HU" sz="3200">
-                <a:latin typeface="Helvetica" panose="020B0604020202020204" pitchFamily="34" charset="0"/>
-                <a:cs typeface="Helvetica" panose="020B0604020202020204" pitchFamily="34" charset="0"/>
-              </a:rPr>
-              <a:t>other project) </a:t>
-            </a:r>
-            <a:r>
-              <a:rPr lang="hu-HU" sz="3200" dirty="0">
-                <a:latin typeface="Helvetica" panose="020B0604020202020204" pitchFamily="34" charset="0"/>
-                <a:cs typeface="Helvetica" panose="020B0604020202020204" pitchFamily="34" charset="0"/>
-              </a:rPr>
-              <a:t>is responsible for unit tests</a:t>
+              <a:t>Another Test file (other project) is responsible for unit tests</a:t>
             </a:r>
           </a:p>
         </p:txBody>
@@ -5044,21 +5044,401 @@
           </a:p>
         </p:txBody>
       </p:sp>
+      <p:sp>
+        <p:nvSpPr>
+          <p:cNvPr id="4" name="Dátum helye 3">
+            <a:extLst>
+              <a:ext uri="{FF2B5EF4-FFF2-40B4-BE49-F238E27FC236}">
+                <a16:creationId xmlns:a16="http://schemas.microsoft.com/office/drawing/2014/main" id="{2776FF57-92C5-4CE1-B9C3-36393CE9057D}"/>
+              </a:ext>
+            </a:extLst>
+          </p:cNvPr>
+          <p:cNvSpPr>
+            <a:spLocks noGrp="1"/>
+          </p:cNvSpPr>
+          <p:nvPr>
+            <p:ph type="dt" sz="half" idx="10"/>
+          </p:nvPr>
+        </p:nvSpPr>
+        <p:spPr/>
+        <p:txBody>
+          <a:bodyPr/>
+          <a:lstStyle/>
+          <a:p>
+            <a:r>
+              <a:rPr lang="en-GB"/>
+              <a:t>27/10/2017</a:t>
+            </a:r>
+          </a:p>
+        </p:txBody>
+      </p:sp>
+      <p:sp>
+        <p:nvSpPr>
+          <p:cNvPr id="5" name="Élőláb helye 4">
+            <a:extLst>
+              <a:ext uri="{FF2B5EF4-FFF2-40B4-BE49-F238E27FC236}">
+                <a16:creationId xmlns:a16="http://schemas.microsoft.com/office/drawing/2014/main" id="{959870D0-DF33-4FE2-976E-2D7FEFA9683D}"/>
+              </a:ext>
+            </a:extLst>
+          </p:cNvPr>
+          <p:cNvSpPr>
+            <a:spLocks noGrp="1"/>
+          </p:cNvSpPr>
+          <p:nvPr>
+            <p:ph type="ftr" sz="quarter" idx="11"/>
+          </p:nvPr>
+        </p:nvSpPr>
+        <p:spPr/>
+        <p:txBody>
+          <a:bodyPr/>
+          <a:lstStyle/>
+          <a:p>
+            <a:r>
+              <a:rPr lang="en-GB"/>
+              <a:t>Boldizsár Kiss</a:t>
+            </a:r>
+          </a:p>
+        </p:txBody>
+      </p:sp>
+      <p:sp>
+        <p:nvSpPr>
+          <p:cNvPr id="6" name="Dia számának helye 5">
+            <a:extLst>
+              <a:ext uri="{FF2B5EF4-FFF2-40B4-BE49-F238E27FC236}">
+                <a16:creationId xmlns:a16="http://schemas.microsoft.com/office/drawing/2014/main" id="{643387F1-0ED4-4A20-A6B5-217211C9D120}"/>
+              </a:ext>
+            </a:extLst>
+          </p:cNvPr>
+          <p:cNvSpPr>
+            <a:spLocks noGrp="1"/>
+          </p:cNvSpPr>
+          <p:nvPr>
+            <p:ph type="sldNum" sz="quarter" idx="12"/>
+          </p:nvPr>
+        </p:nvSpPr>
+        <p:spPr/>
+        <p:txBody>
+          <a:bodyPr/>
+          <a:lstStyle/>
+          <a:p>
+            <a:fld id="{A02811C3-B397-4C0C-B0F8-7534EDBE35B7}" type="slidenum">
+              <a:rPr lang="en-GB" smtClean="0"/>
+              <a:t>5</a:t>
+            </a:fld>
+            <a:endParaRPr lang="en-GB"/>
+          </a:p>
+        </p:txBody>
+      </p:sp>
+      <p:sp>
+        <p:nvSpPr>
+          <p:cNvPr id="9" name="Tartalom helye 2">
+            <a:extLst>
+              <a:ext uri="{FF2B5EF4-FFF2-40B4-BE49-F238E27FC236}">
+                <a16:creationId xmlns:a16="http://schemas.microsoft.com/office/drawing/2014/main" id="{8FFDA83E-238C-449C-B322-B4C6DBFD72FB}"/>
+              </a:ext>
+            </a:extLst>
+          </p:cNvPr>
+          <p:cNvSpPr txBox="1">
+            <a:spLocks/>
+          </p:cNvSpPr>
+          <p:nvPr/>
+        </p:nvSpPr>
+        <p:spPr>
+          <a:xfrm>
+            <a:off x="822959" y="1845734"/>
+            <a:ext cx="2688867" cy="3941349"/>
+          </a:xfrm>
+          <a:prstGeom prst="rect">
+            <a:avLst/>
+          </a:prstGeom>
+        </p:spPr>
+        <p:txBody>
+          <a:bodyPr vert="horz" lIns="0" tIns="45720" rIns="0" bIns="45720" rtlCol="0">
+            <a:normAutofit lnSpcReduction="10000"/>
+          </a:bodyPr>
+          <a:lstStyle>
+            <a:lvl1pPr marL="91440" indent="-91440" algn="l" defTabSz="914400" rtl="0" eaLnBrk="1" latinLnBrk="0" hangingPunct="1">
+              <a:lnSpc>
+                <a:spcPct val="90000"/>
+              </a:lnSpc>
+              <a:spcBef>
+                <a:spcPts val="1200"/>
+              </a:spcBef>
+              <a:spcAft>
+                <a:spcPts val="200"/>
+              </a:spcAft>
+              <a:buClr>
+                <a:schemeClr val="accent1"/>
+              </a:buClr>
+              <a:buSzPct val="100000"/>
+              <a:buFont typeface="Calibri" panose="020F0502020204030204" pitchFamily="34" charset="0"/>
+              <a:buChar char=" "/>
+              <a:defRPr sz="2000" kern="1200">
+                <a:solidFill>
+                  <a:schemeClr val="tx1">
+                    <a:lumMod val="75000"/>
+                    <a:lumOff val="25000"/>
+                  </a:schemeClr>
+                </a:solidFill>
+                <a:latin typeface="+mn-lt"/>
+                <a:ea typeface="+mn-ea"/>
+                <a:cs typeface="+mn-cs"/>
+              </a:defRPr>
+            </a:lvl1pPr>
+            <a:lvl2pPr marL="384048" indent="-182880" algn="l" defTabSz="914400" rtl="0" eaLnBrk="1" latinLnBrk="0" hangingPunct="1">
+              <a:lnSpc>
+                <a:spcPct val="90000"/>
+              </a:lnSpc>
+              <a:spcBef>
+                <a:spcPts val="200"/>
+              </a:spcBef>
+              <a:spcAft>
+                <a:spcPts val="400"/>
+              </a:spcAft>
+              <a:buClr>
+                <a:schemeClr val="accent1"/>
+              </a:buClr>
+              <a:buFont typeface="Calibri" pitchFamily="34" charset="0"/>
+              <a:buChar char="◦"/>
+              <a:defRPr sz="1800" kern="1200">
+                <a:solidFill>
+                  <a:schemeClr val="tx1">
+                    <a:lumMod val="75000"/>
+                    <a:lumOff val="25000"/>
+                  </a:schemeClr>
+                </a:solidFill>
+                <a:latin typeface="+mn-lt"/>
+                <a:ea typeface="+mn-ea"/>
+                <a:cs typeface="+mn-cs"/>
+              </a:defRPr>
+            </a:lvl2pPr>
+            <a:lvl3pPr marL="566928" indent="-182880" algn="l" defTabSz="914400" rtl="0" eaLnBrk="1" latinLnBrk="0" hangingPunct="1">
+              <a:lnSpc>
+                <a:spcPct val="90000"/>
+              </a:lnSpc>
+              <a:spcBef>
+                <a:spcPts val="200"/>
+              </a:spcBef>
+              <a:spcAft>
+                <a:spcPts val="400"/>
+              </a:spcAft>
+              <a:buClr>
+                <a:schemeClr val="accent1"/>
+              </a:buClr>
+              <a:buFont typeface="Calibri" pitchFamily="34" charset="0"/>
+              <a:buChar char="◦"/>
+              <a:defRPr sz="1400" kern="1200">
+                <a:solidFill>
+                  <a:schemeClr val="tx1">
+                    <a:lumMod val="75000"/>
+                    <a:lumOff val="25000"/>
+                  </a:schemeClr>
+                </a:solidFill>
+                <a:latin typeface="+mn-lt"/>
+                <a:ea typeface="+mn-ea"/>
+                <a:cs typeface="+mn-cs"/>
+              </a:defRPr>
+            </a:lvl3pPr>
+            <a:lvl4pPr marL="749808" indent="-182880" algn="l" defTabSz="914400" rtl="0" eaLnBrk="1" latinLnBrk="0" hangingPunct="1">
+              <a:lnSpc>
+                <a:spcPct val="90000"/>
+              </a:lnSpc>
+              <a:spcBef>
+                <a:spcPts val="200"/>
+              </a:spcBef>
+              <a:spcAft>
+                <a:spcPts val="400"/>
+              </a:spcAft>
+              <a:buClr>
+                <a:schemeClr val="accent1"/>
+              </a:buClr>
+              <a:buFont typeface="Calibri" pitchFamily="34" charset="0"/>
+              <a:buChar char="◦"/>
+              <a:defRPr sz="1400" kern="1200">
+                <a:solidFill>
+                  <a:schemeClr val="tx1">
+                    <a:lumMod val="75000"/>
+                    <a:lumOff val="25000"/>
+                  </a:schemeClr>
+                </a:solidFill>
+                <a:latin typeface="+mn-lt"/>
+                <a:ea typeface="+mn-ea"/>
+                <a:cs typeface="+mn-cs"/>
+              </a:defRPr>
+            </a:lvl4pPr>
+            <a:lvl5pPr marL="932688" indent="-182880" algn="l" defTabSz="914400" rtl="0" eaLnBrk="1" latinLnBrk="0" hangingPunct="1">
+              <a:lnSpc>
+                <a:spcPct val="90000"/>
+              </a:lnSpc>
+              <a:spcBef>
+                <a:spcPts val="200"/>
+              </a:spcBef>
+              <a:spcAft>
+                <a:spcPts val="400"/>
+              </a:spcAft>
+              <a:buClr>
+                <a:schemeClr val="accent1"/>
+              </a:buClr>
+              <a:buFont typeface="Calibri" pitchFamily="34" charset="0"/>
+              <a:buChar char="◦"/>
+              <a:defRPr sz="1400" kern="1200">
+                <a:solidFill>
+                  <a:schemeClr val="tx1">
+                    <a:lumMod val="75000"/>
+                    <a:lumOff val="25000"/>
+                  </a:schemeClr>
+                </a:solidFill>
+                <a:latin typeface="+mn-lt"/>
+                <a:ea typeface="+mn-ea"/>
+                <a:cs typeface="+mn-cs"/>
+              </a:defRPr>
+            </a:lvl5pPr>
+            <a:lvl6pPr marL="1100000" indent="-228600" algn="l" defTabSz="914400" rtl="0" eaLnBrk="1" latinLnBrk="0" hangingPunct="1">
+              <a:lnSpc>
+                <a:spcPct val="90000"/>
+              </a:lnSpc>
+              <a:spcBef>
+                <a:spcPts val="200"/>
+              </a:spcBef>
+              <a:spcAft>
+                <a:spcPts val="400"/>
+              </a:spcAft>
+              <a:buClr>
+                <a:schemeClr val="accent1"/>
+              </a:buClr>
+              <a:buFont typeface="Calibri" pitchFamily="34" charset="0"/>
+              <a:buChar char="◦"/>
+              <a:defRPr sz="1400" kern="1200">
+                <a:solidFill>
+                  <a:schemeClr val="tx1">
+                    <a:lumMod val="75000"/>
+                    <a:lumOff val="25000"/>
+                  </a:schemeClr>
+                </a:solidFill>
+                <a:latin typeface="+mn-lt"/>
+                <a:ea typeface="+mn-ea"/>
+                <a:cs typeface="+mn-cs"/>
+              </a:defRPr>
+            </a:lvl6pPr>
+            <a:lvl7pPr marL="1300000" indent="-228600" algn="l" defTabSz="914400" rtl="0" eaLnBrk="1" latinLnBrk="0" hangingPunct="1">
+              <a:lnSpc>
+                <a:spcPct val="90000"/>
+              </a:lnSpc>
+              <a:spcBef>
+                <a:spcPts val="200"/>
+              </a:spcBef>
+              <a:spcAft>
+                <a:spcPts val="400"/>
+              </a:spcAft>
+              <a:buClr>
+                <a:schemeClr val="accent1"/>
+              </a:buClr>
+              <a:buFont typeface="Calibri" pitchFamily="34" charset="0"/>
+              <a:buChar char="◦"/>
+              <a:defRPr sz="1400" kern="1200">
+                <a:solidFill>
+                  <a:schemeClr val="tx1">
+                    <a:lumMod val="75000"/>
+                    <a:lumOff val="25000"/>
+                  </a:schemeClr>
+                </a:solidFill>
+                <a:latin typeface="+mn-lt"/>
+                <a:ea typeface="+mn-ea"/>
+                <a:cs typeface="+mn-cs"/>
+              </a:defRPr>
+            </a:lvl7pPr>
+            <a:lvl8pPr marL="1500000" indent="-228600" algn="l" defTabSz="914400" rtl="0" eaLnBrk="1" latinLnBrk="0" hangingPunct="1">
+              <a:lnSpc>
+                <a:spcPct val="90000"/>
+              </a:lnSpc>
+              <a:spcBef>
+                <a:spcPts val="200"/>
+              </a:spcBef>
+              <a:spcAft>
+                <a:spcPts val="400"/>
+              </a:spcAft>
+              <a:buClr>
+                <a:schemeClr val="accent1"/>
+              </a:buClr>
+              <a:buFont typeface="Calibri" pitchFamily="34" charset="0"/>
+              <a:buChar char="◦"/>
+              <a:defRPr sz="1400" kern="1200">
+                <a:solidFill>
+                  <a:schemeClr val="tx1">
+                    <a:lumMod val="75000"/>
+                    <a:lumOff val="25000"/>
+                  </a:schemeClr>
+                </a:solidFill>
+                <a:latin typeface="+mn-lt"/>
+                <a:ea typeface="+mn-ea"/>
+                <a:cs typeface="+mn-cs"/>
+              </a:defRPr>
+            </a:lvl8pPr>
+            <a:lvl9pPr marL="1700000" indent="-228600" algn="l" defTabSz="914400" rtl="0" eaLnBrk="1" latinLnBrk="0" hangingPunct="1">
+              <a:lnSpc>
+                <a:spcPct val="90000"/>
+              </a:lnSpc>
+              <a:spcBef>
+                <a:spcPts val="200"/>
+              </a:spcBef>
+              <a:spcAft>
+                <a:spcPts val="400"/>
+              </a:spcAft>
+              <a:buClr>
+                <a:schemeClr val="accent1"/>
+              </a:buClr>
+              <a:buFont typeface="Calibri" pitchFamily="34" charset="0"/>
+              <a:buChar char="◦"/>
+              <a:defRPr sz="1400" kern="1200">
+                <a:solidFill>
+                  <a:schemeClr val="tx1">
+                    <a:lumMod val="75000"/>
+                    <a:lumOff val="25000"/>
+                  </a:schemeClr>
+                </a:solidFill>
+                <a:latin typeface="+mn-lt"/>
+                <a:ea typeface="+mn-ea"/>
+                <a:cs typeface="+mn-cs"/>
+              </a:defRPr>
+            </a:lvl9pPr>
+          </a:lstStyle>
+          <a:p>
+            <a:r>
+              <a:rPr lang="hu-HU" sz="3200" dirty="0">
+                <a:latin typeface="Helvetica" panose="020B0604020202020204" pitchFamily="34" charset="0"/>
+                <a:cs typeface="Helvetica" panose="020B0604020202020204" pitchFamily="34" charset="0"/>
+              </a:rPr>
+              <a:t>Advantages of sorting:</a:t>
+            </a:r>
+          </a:p>
+          <a:p>
+            <a:r>
+              <a:rPr lang="hu-HU" sz="3200" dirty="0">
+                <a:latin typeface="Helvetica" panose="020B0604020202020204" pitchFamily="34" charset="0"/>
+                <a:cs typeface="Helvetica" panose="020B0604020202020204" pitchFamily="34" charset="0"/>
+              </a:rPr>
+              <a:t>in case of matching combinations, we only need to compare the cards in the middle</a:t>
+            </a:r>
+            <a:endParaRPr lang="en-GB" sz="3200" dirty="0">
+              <a:latin typeface="Helvetica" panose="020B0604020202020204" pitchFamily="34" charset="0"/>
+              <a:cs typeface="Helvetica" panose="020B0604020202020204" pitchFamily="34" charset="0"/>
+            </a:endParaRPr>
+          </a:p>
+        </p:txBody>
+      </p:sp>
       <p:pic>
         <p:nvPicPr>
-          <p:cNvPr id="7" name="Tartalom helye 6">
+          <p:cNvPr id="13" name="Kép 12">
             <a:extLst>
               <a:ext uri="{FF2B5EF4-FFF2-40B4-BE49-F238E27FC236}">
-                <a16:creationId xmlns:a16="http://schemas.microsoft.com/office/drawing/2014/main" id="{D8D7C18B-7CD4-4294-A600-EA7A76E59DC3}"/>
+                <a16:creationId xmlns:a16="http://schemas.microsoft.com/office/drawing/2014/main" id="{48653C5D-A492-4782-ACA0-D755BEA2185B}"/>
               </a:ext>
             </a:extLst>
           </p:cNvPr>
           <p:cNvPicPr>
-            <a:picLocks noGrp="1" noChangeAspect="1"/>
+            <a:picLocks noChangeAspect="1"/>
           </p:cNvPicPr>
-          <p:nvPr>
-            <p:ph idx="1"/>
-          </p:nvPr>
+          <p:nvPr/>
         </p:nvPicPr>
         <p:blipFill>
           <a:blip r:embed="rId2"/>
@@ -5068,99 +5448,14 @@
         </p:blipFill>
         <p:spPr>
           <a:xfrm>
-            <a:off x="1950567" y="2000866"/>
-            <a:ext cx="5288586" cy="4195414"/>
+            <a:off x="3511826" y="1956806"/>
+            <a:ext cx="4854934" cy="3719204"/>
           </a:xfrm>
           <a:prstGeom prst="rect">
             <a:avLst/>
           </a:prstGeom>
         </p:spPr>
       </p:pic>
-      <p:sp>
-        <p:nvSpPr>
-          <p:cNvPr id="4" name="Dátum helye 3">
-            <a:extLst>
-              <a:ext uri="{FF2B5EF4-FFF2-40B4-BE49-F238E27FC236}">
-                <a16:creationId xmlns:a16="http://schemas.microsoft.com/office/drawing/2014/main" id="{2776FF57-92C5-4CE1-B9C3-36393CE9057D}"/>
-              </a:ext>
-            </a:extLst>
-          </p:cNvPr>
-          <p:cNvSpPr>
-            <a:spLocks noGrp="1"/>
-          </p:cNvSpPr>
-          <p:nvPr>
-            <p:ph type="dt" sz="half" idx="10"/>
-          </p:nvPr>
-        </p:nvSpPr>
-        <p:spPr/>
-        <p:txBody>
-          <a:bodyPr/>
-          <a:lstStyle/>
-          <a:p>
-            <a:r>
-              <a:rPr lang="en-GB"/>
-              <a:t>27/10/2017</a:t>
-            </a:r>
-          </a:p>
-        </p:txBody>
-      </p:sp>
-      <p:sp>
-        <p:nvSpPr>
-          <p:cNvPr id="5" name="Élőláb helye 4">
-            <a:extLst>
-              <a:ext uri="{FF2B5EF4-FFF2-40B4-BE49-F238E27FC236}">
-                <a16:creationId xmlns:a16="http://schemas.microsoft.com/office/drawing/2014/main" id="{959870D0-DF33-4FE2-976E-2D7FEFA9683D}"/>
-              </a:ext>
-            </a:extLst>
-          </p:cNvPr>
-          <p:cNvSpPr>
-            <a:spLocks noGrp="1"/>
-          </p:cNvSpPr>
-          <p:nvPr>
-            <p:ph type="ftr" sz="quarter" idx="11"/>
-          </p:nvPr>
-        </p:nvSpPr>
-        <p:spPr/>
-        <p:txBody>
-          <a:bodyPr/>
-          <a:lstStyle/>
-          <a:p>
-            <a:r>
-              <a:rPr lang="en-GB"/>
-              <a:t>Boldizsár Kiss</a:t>
-            </a:r>
-          </a:p>
-        </p:txBody>
-      </p:sp>
-      <p:sp>
-        <p:nvSpPr>
-          <p:cNvPr id="6" name="Dia számának helye 5">
-            <a:extLst>
-              <a:ext uri="{FF2B5EF4-FFF2-40B4-BE49-F238E27FC236}">
-                <a16:creationId xmlns:a16="http://schemas.microsoft.com/office/drawing/2014/main" id="{643387F1-0ED4-4A20-A6B5-217211C9D120}"/>
-              </a:ext>
-            </a:extLst>
-          </p:cNvPr>
-          <p:cNvSpPr>
-            <a:spLocks noGrp="1"/>
-          </p:cNvSpPr>
-          <p:nvPr>
-            <p:ph type="sldNum" sz="quarter" idx="12"/>
-          </p:nvPr>
-        </p:nvSpPr>
-        <p:spPr/>
-        <p:txBody>
-          <a:bodyPr/>
-          <a:lstStyle/>
-          <a:p>
-            <a:fld id="{A02811C3-B397-4C0C-B0F8-7534EDBE35B7}" type="slidenum">
-              <a:rPr lang="en-GB" smtClean="0"/>
-              <a:t>5</a:t>
-            </a:fld>
-            <a:endParaRPr lang="en-GB"/>
-          </a:p>
-        </p:txBody>
-      </p:sp>
     </p:spTree>
     <p:extLst>
       <p:ext uri="{BB962C8B-B14F-4D97-AF65-F5344CB8AC3E}">

--- a/week07/day04/demo/ppt-w07.pptx
+++ b/week07/day04/demo/ppt-w07.pptx
@@ -4213,14 +4213,7 @@
                 <a:latin typeface="Helvetica" panose="020B0604020202020204" pitchFamily="34" charset="0"/>
                 <a:cs typeface="Helvetica" panose="020B0604020202020204" pitchFamily="34" charset="0"/>
               </a:rPr>
-              <a:t>Poker by two </a:t>
-            </a:r>
-            <a:r>
-              <a:rPr lang="hu-HU" dirty="0" err="1">
-                <a:latin typeface="Helvetica" panose="020B0604020202020204" pitchFamily="34" charset="0"/>
-                <a:cs typeface="Helvetica" panose="020B0604020202020204" pitchFamily="34" charset="0"/>
-              </a:rPr>
-              <a:t>players</a:t>
+              <a:t>Poker by two players</a:t>
             </a:r>
             <a:endParaRPr lang="en-GB" dirty="0">
               <a:latin typeface="Helvetica" panose="020B0604020202020204" pitchFamily="34" charset="0"/>
@@ -4443,7 +4436,21 @@
                 <a:latin typeface="Helvetica" panose="020B0604020202020204" pitchFamily="34" charset="0"/>
                 <a:cs typeface="Helvetica" panose="020B0604020202020204" pitchFamily="34" charset="0"/>
               </a:rPr>
-              <a:t>Main target: writing a small program which can compare the values of two hands by basic poker rules</a:t>
+              <a:t>Main target: writing a small program (</a:t>
+            </a:r>
+            <a:r>
+              <a:rPr lang="hu-HU" sz="3200">
+                <a:latin typeface="Helvetica" panose="020B0604020202020204" pitchFamily="34" charset="0"/>
+                <a:cs typeface="Helvetica" panose="020B0604020202020204" pitchFamily="34" charset="0"/>
+              </a:rPr>
+              <a:t>by TDD) which </a:t>
+            </a:r>
+            <a:r>
+              <a:rPr lang="hu-HU" sz="3200" dirty="0">
+                <a:latin typeface="Helvetica" panose="020B0604020202020204" pitchFamily="34" charset="0"/>
+                <a:cs typeface="Helvetica" panose="020B0604020202020204" pitchFamily="34" charset="0"/>
+              </a:rPr>
+              <a:t>can compare the values of two hands by basic poker rules</a:t>
             </a:r>
           </a:p>
           <a:p>

--- a/week07/day04/demo/ppt-w07.pptx
+++ b/week07/day04/demo/ppt-w07.pptx
@@ -4436,30 +4436,30 @@
                 <a:latin typeface="Helvetica" panose="020B0604020202020204" pitchFamily="34" charset="0"/>
                 <a:cs typeface="Helvetica" panose="020B0604020202020204" pitchFamily="34" charset="0"/>
               </a:rPr>
-              <a:t>Main target: writing a small program (</a:t>
+              <a:t>Main target: writing a small program (by TDD) which can compare the values of two hands by basic poker rules</a:t>
+            </a:r>
+          </a:p>
+          <a:p>
+            <a:r>
+              <a:rPr lang="hu-HU" sz="3200" dirty="0">
+                <a:latin typeface="Helvetica" panose="020B0604020202020204" pitchFamily="34" charset="0"/>
+                <a:cs typeface="Helvetica" panose="020B0604020202020204" pitchFamily="34" charset="0"/>
+              </a:rPr>
+              <a:t>Status checks are made by unit tests, which represent two </a:t>
             </a:r>
             <a:r>
               <a:rPr lang="hu-HU" sz="3200">
                 <a:latin typeface="Helvetica" panose="020B0604020202020204" pitchFamily="34" charset="0"/>
                 <a:cs typeface="Helvetica" panose="020B0604020202020204" pitchFamily="34" charset="0"/>
               </a:rPr>
-              <a:t>by TDD) which </a:t>
+              <a:t>different hands and the comparison </a:t>
             </a:r>
             <a:r>
               <a:rPr lang="hu-HU" sz="3200" dirty="0">
                 <a:latin typeface="Helvetica" panose="020B0604020202020204" pitchFamily="34" charset="0"/>
                 <a:cs typeface="Helvetica" panose="020B0604020202020204" pitchFamily="34" charset="0"/>
               </a:rPr>
-              <a:t>can compare the values of two hands by basic poker rules</a:t>
-            </a:r>
-          </a:p>
-          <a:p>
-            <a:r>
-              <a:rPr lang="hu-HU" sz="3200" dirty="0">
-                <a:latin typeface="Helvetica" panose="020B0604020202020204" pitchFamily="34" charset="0"/>
-                <a:cs typeface="Helvetica" panose="020B0604020202020204" pitchFamily="34" charset="0"/>
-              </a:rPr>
-              <a:t>Status checks are made by unit tests, which represent different hand combinations and comparisons of them</a:t>
+              <a:t>of them</a:t>
             </a:r>
           </a:p>
         </p:txBody>
@@ -4638,7 +4638,7 @@
         </p:spPr>
         <p:txBody>
           <a:bodyPr>
-            <a:normAutofit fontScale="92500" lnSpcReduction="10000"/>
+            <a:normAutofit fontScale="92500" lnSpcReduction="20000"/>
           </a:bodyPr>
           <a:lstStyle/>
           <a:p>
@@ -4656,7 +4656,7 @@
                 <a:latin typeface="Helvetica" panose="020B0604020202020204" pitchFamily="34" charset="0"/>
                 <a:cs typeface="Helvetica" panose="020B0604020202020204" pitchFamily="34" charset="0"/>
               </a:rPr>
-              <a:t>Another Test file (other project) is responsible for unit tests</a:t>
+              <a:t>Another Test file (in another project) is responsible for unit tests</a:t>
             </a:r>
           </a:p>
         </p:txBody>

--- a/week07/day04/demo/ppt-w07.pptx
+++ b/week07/day04/demo/ppt-w07.pptx
@@ -11,11 +11,11 @@
     <p:sldId id="256" r:id="rId2"/>
     <p:sldId id="257" r:id="rId3"/>
     <p:sldId id="258" r:id="rId4"/>
-    <p:sldId id="259" r:id="rId5"/>
-    <p:sldId id="260" r:id="rId6"/>
-    <p:sldId id="261" r:id="rId7"/>
-    <p:sldId id="263" r:id="rId8"/>
-    <p:sldId id="264" r:id="rId9"/>
+    <p:sldId id="264" r:id="rId5"/>
+    <p:sldId id="259" r:id="rId6"/>
+    <p:sldId id="260" r:id="rId7"/>
+    <p:sldId id="261" r:id="rId8"/>
+    <p:sldId id="263" r:id="rId9"/>
     <p:sldId id="265" r:id="rId10"/>
   </p:sldIdLst>
   <p:sldSz cx="9144000" cy="6858000" type="screen4x3"/>
@@ -4445,21 +4445,7 @@
                 <a:latin typeface="Helvetica" panose="020B0604020202020204" pitchFamily="34" charset="0"/>
                 <a:cs typeface="Helvetica" panose="020B0604020202020204" pitchFamily="34" charset="0"/>
               </a:rPr>
-              <a:t>Status checks are made by unit tests, which represent two </a:t>
-            </a:r>
-            <a:r>
-              <a:rPr lang="hu-HU" sz="3200">
-                <a:latin typeface="Helvetica" panose="020B0604020202020204" pitchFamily="34" charset="0"/>
-                <a:cs typeface="Helvetica" panose="020B0604020202020204" pitchFamily="34" charset="0"/>
-              </a:rPr>
-              <a:t>different hands and the comparison </a:t>
-            </a:r>
-            <a:r>
-              <a:rPr lang="hu-HU" sz="3200" dirty="0">
-                <a:latin typeface="Helvetica" panose="020B0604020202020204" pitchFamily="34" charset="0"/>
-                <a:cs typeface="Helvetica" panose="020B0604020202020204" pitchFamily="34" charset="0"/>
-              </a:rPr>
-              <a:t>of them</a:t>
+              <a:t>Status checks are made by unit tests, which represent two different hands and the comparison of them</a:t>
             </a:r>
           </a:p>
         </p:txBody>
@@ -4832,7 +4818,7 @@
                 <a:latin typeface="Helvetica" panose="020B0604020202020204" pitchFamily="34" charset="0"/>
                 <a:cs typeface="Helvetica" panose="020B0604020202020204" pitchFamily="34" charset="0"/>
               </a:rPr>
-              <a:t>Poker methods</a:t>
+              <a:t>Tests</a:t>
             </a:r>
             <a:endParaRPr lang="en-GB" dirty="0">
               <a:latin typeface="Helvetica" panose="020B0604020202020204" pitchFamily="34" charset="0"/>
@@ -4857,10 +4843,15 @@
             <p:ph idx="1"/>
           </p:nvPr>
         </p:nvSpPr>
-        <p:spPr/>
+        <p:spPr>
+          <a:xfrm>
+            <a:off x="822959" y="1845734"/>
+            <a:ext cx="3656275" cy="4023360"/>
+          </a:xfrm>
+        </p:spPr>
         <p:txBody>
           <a:bodyPr>
-            <a:normAutofit fontScale="92500" lnSpcReduction="10000"/>
+            <a:normAutofit lnSpcReduction="10000"/>
           </a:bodyPr>
           <a:lstStyle/>
           <a:p>
@@ -4869,7 +4860,7 @@
                 <a:latin typeface="Helvetica" panose="020B0604020202020204" pitchFamily="34" charset="0"/>
                 <a:cs typeface="Helvetica" panose="020B0604020202020204" pitchFamily="34" charset="0"/>
               </a:rPr>
-              <a:t>SortElements – sorts the cards</a:t>
+              <a:t>Checks the winner hand and the combination value</a:t>
             </a:r>
           </a:p>
           <a:p>
@@ -4878,25 +4869,7 @@
                 <a:latin typeface="Helvetica" panose="020B0604020202020204" pitchFamily="34" charset="0"/>
                 <a:cs typeface="Helvetica" panose="020B0604020202020204" pitchFamily="34" charset="0"/>
               </a:rPr>
-              <a:t>Combination – gives the hand a combination value (also using SortElements) and marks the ones in the combination</a:t>
-            </a:r>
-          </a:p>
-          <a:p>
-            <a:r>
-              <a:rPr lang="hu-HU" sz="3200" dirty="0">
-                <a:latin typeface="Helvetica" panose="020B0604020202020204" pitchFamily="34" charset="0"/>
-                <a:cs typeface="Helvetica" panose="020B0604020202020204" pitchFamily="34" charset="0"/>
-              </a:rPr>
-              <a:t>RemoveElement – removes specific cards from the list (hand)</a:t>
-            </a:r>
-          </a:p>
-          <a:p>
-            <a:r>
-              <a:rPr lang="hu-HU" sz="3200" dirty="0">
-                <a:latin typeface="Helvetica" panose="020B0604020202020204" pitchFamily="34" charset="0"/>
-                <a:cs typeface="Helvetica" panose="020B0604020202020204" pitchFamily="34" charset="0"/>
-              </a:rPr>
-              <a:t>Game – uses all others, returns which player won</a:t>
+              <a:t>Input lists represent the hands, each number on the right place represents a value or a suit (or a combination check)</a:t>
             </a:r>
           </a:p>
         </p:txBody>
@@ -4986,10 +4959,40 @@
           </a:p>
         </p:txBody>
       </p:sp>
+      <p:pic>
+        <p:nvPicPr>
+          <p:cNvPr id="7" name="Kép 6">
+            <a:extLst>
+              <a:ext uri="{FF2B5EF4-FFF2-40B4-BE49-F238E27FC236}">
+                <a16:creationId xmlns:a16="http://schemas.microsoft.com/office/drawing/2014/main" id="{9EB3B581-182C-4638-9A26-5165EDAA7C4F}"/>
+              </a:ext>
+            </a:extLst>
+          </p:cNvPr>
+          <p:cNvPicPr>
+            <a:picLocks noChangeAspect="1"/>
+          </p:cNvPicPr>
+          <p:nvPr/>
+        </p:nvPicPr>
+        <p:blipFill>
+          <a:blip r:embed="rId2"/>
+          <a:stretch>
+            <a:fillRect/>
+          </a:stretch>
+        </p:blipFill>
+        <p:spPr>
+          <a:xfrm>
+            <a:off x="5001956" y="1845734"/>
+            <a:ext cx="3364805" cy="4023360"/>
+          </a:xfrm>
+          <a:prstGeom prst="rect">
+            <a:avLst/>
+          </a:prstGeom>
+        </p:spPr>
+      </p:pic>
     </p:spTree>
     <p:extLst>
       <p:ext uri="{BB962C8B-B14F-4D97-AF65-F5344CB8AC3E}">
-        <p14:creationId xmlns:p14="http://schemas.microsoft.com/office/powerpoint/2010/main" val="1592816699"/>
+        <p14:creationId xmlns:p14="http://schemas.microsoft.com/office/powerpoint/2010/main" val="481650344"/>
       </p:ext>
     </p:extLst>
   </p:cSld>
@@ -5042,6 +5045,216 @@
                 <a:latin typeface="Helvetica" panose="020B0604020202020204" pitchFamily="34" charset="0"/>
                 <a:cs typeface="Helvetica" panose="020B0604020202020204" pitchFamily="34" charset="0"/>
               </a:rPr>
+              <a:t>Poker methods</a:t>
+            </a:r>
+            <a:endParaRPr lang="en-GB" dirty="0">
+              <a:latin typeface="Helvetica" panose="020B0604020202020204" pitchFamily="34" charset="0"/>
+              <a:cs typeface="Helvetica" panose="020B0604020202020204" pitchFamily="34" charset="0"/>
+            </a:endParaRPr>
+          </a:p>
+        </p:txBody>
+      </p:sp>
+      <p:sp>
+        <p:nvSpPr>
+          <p:cNvPr id="3" name="Tartalom helye 2">
+            <a:extLst>
+              <a:ext uri="{FF2B5EF4-FFF2-40B4-BE49-F238E27FC236}">
+                <a16:creationId xmlns:a16="http://schemas.microsoft.com/office/drawing/2014/main" id="{4F088FF8-C589-487E-92A7-593551C60CA6}"/>
+              </a:ext>
+            </a:extLst>
+          </p:cNvPr>
+          <p:cNvSpPr>
+            <a:spLocks noGrp="1"/>
+          </p:cNvSpPr>
+          <p:nvPr>
+            <p:ph idx="1"/>
+          </p:nvPr>
+        </p:nvSpPr>
+        <p:spPr/>
+        <p:txBody>
+          <a:bodyPr>
+            <a:normAutofit fontScale="92500" lnSpcReduction="10000"/>
+          </a:bodyPr>
+          <a:lstStyle/>
+          <a:p>
+            <a:r>
+              <a:rPr lang="hu-HU" sz="3200" dirty="0">
+                <a:latin typeface="Helvetica" panose="020B0604020202020204" pitchFamily="34" charset="0"/>
+                <a:cs typeface="Helvetica" panose="020B0604020202020204" pitchFamily="34" charset="0"/>
+              </a:rPr>
+              <a:t>SortElements – sorts the list of the cards</a:t>
+            </a:r>
+          </a:p>
+          <a:p>
+            <a:r>
+              <a:rPr lang="hu-HU" sz="3200" dirty="0">
+                <a:latin typeface="Helvetica" panose="020B0604020202020204" pitchFamily="34" charset="0"/>
+                <a:cs typeface="Helvetica" panose="020B0604020202020204" pitchFamily="34" charset="0"/>
+              </a:rPr>
+              <a:t>Combination – gives the hand a combination value (also using SortElements) and marks the ones in the combination</a:t>
+            </a:r>
+          </a:p>
+          <a:p>
+            <a:r>
+              <a:rPr lang="hu-HU" sz="3200" dirty="0">
+                <a:latin typeface="Helvetica" panose="020B0604020202020204" pitchFamily="34" charset="0"/>
+                <a:cs typeface="Helvetica" panose="020B0604020202020204" pitchFamily="34" charset="0"/>
+              </a:rPr>
+              <a:t>RemoveElement – removes specific cards from the list (hand)</a:t>
+            </a:r>
+          </a:p>
+          <a:p>
+            <a:r>
+              <a:rPr lang="hu-HU" sz="3200" dirty="0">
+                <a:latin typeface="Helvetica" panose="020B0604020202020204" pitchFamily="34" charset="0"/>
+                <a:cs typeface="Helvetica" panose="020B0604020202020204" pitchFamily="34" charset="0"/>
+              </a:rPr>
+              <a:t>Game – uses all others, and returns which player won</a:t>
+            </a:r>
+          </a:p>
+        </p:txBody>
+      </p:sp>
+      <p:sp>
+        <p:nvSpPr>
+          <p:cNvPr id="4" name="Dátum helye 3">
+            <a:extLst>
+              <a:ext uri="{FF2B5EF4-FFF2-40B4-BE49-F238E27FC236}">
+                <a16:creationId xmlns:a16="http://schemas.microsoft.com/office/drawing/2014/main" id="{EEA0F499-9B51-49B5-AB2B-A3D6BC3AC196}"/>
+              </a:ext>
+            </a:extLst>
+          </p:cNvPr>
+          <p:cNvSpPr>
+            <a:spLocks noGrp="1"/>
+          </p:cNvSpPr>
+          <p:nvPr>
+            <p:ph type="dt" sz="half" idx="10"/>
+          </p:nvPr>
+        </p:nvSpPr>
+        <p:spPr/>
+        <p:txBody>
+          <a:bodyPr/>
+          <a:lstStyle/>
+          <a:p>
+            <a:r>
+              <a:rPr lang="en-GB"/>
+              <a:t>27/10/2017</a:t>
+            </a:r>
+          </a:p>
+        </p:txBody>
+      </p:sp>
+      <p:sp>
+        <p:nvSpPr>
+          <p:cNvPr id="5" name="Élőláb helye 4">
+            <a:extLst>
+              <a:ext uri="{FF2B5EF4-FFF2-40B4-BE49-F238E27FC236}">
+                <a16:creationId xmlns:a16="http://schemas.microsoft.com/office/drawing/2014/main" id="{2F219574-FA9E-4B0B-BB27-630EE6176F27}"/>
+              </a:ext>
+            </a:extLst>
+          </p:cNvPr>
+          <p:cNvSpPr>
+            <a:spLocks noGrp="1"/>
+          </p:cNvSpPr>
+          <p:nvPr>
+            <p:ph type="ftr" sz="quarter" idx="11"/>
+          </p:nvPr>
+        </p:nvSpPr>
+        <p:spPr/>
+        <p:txBody>
+          <a:bodyPr/>
+          <a:lstStyle/>
+          <a:p>
+            <a:r>
+              <a:rPr lang="en-GB"/>
+              <a:t>Boldizsár Kiss</a:t>
+            </a:r>
+          </a:p>
+        </p:txBody>
+      </p:sp>
+      <p:sp>
+        <p:nvSpPr>
+          <p:cNvPr id="6" name="Dia számának helye 5">
+            <a:extLst>
+              <a:ext uri="{FF2B5EF4-FFF2-40B4-BE49-F238E27FC236}">
+                <a16:creationId xmlns:a16="http://schemas.microsoft.com/office/drawing/2014/main" id="{93557138-C83E-44C2-B277-AEF051AAF237}"/>
+              </a:ext>
+            </a:extLst>
+          </p:cNvPr>
+          <p:cNvSpPr>
+            <a:spLocks noGrp="1"/>
+          </p:cNvSpPr>
+          <p:nvPr>
+            <p:ph type="sldNum" sz="quarter" idx="12"/>
+          </p:nvPr>
+        </p:nvSpPr>
+        <p:spPr/>
+        <p:txBody>
+          <a:bodyPr/>
+          <a:lstStyle/>
+          <a:p>
+            <a:fld id="{A02811C3-B397-4C0C-B0F8-7534EDBE35B7}" type="slidenum">
+              <a:rPr lang="en-GB" smtClean="0"/>
+              <a:t>5</a:t>
+            </a:fld>
+            <a:endParaRPr lang="en-GB"/>
+          </a:p>
+        </p:txBody>
+      </p:sp>
+    </p:spTree>
+    <p:extLst>
+      <p:ext uri="{BB962C8B-B14F-4D97-AF65-F5344CB8AC3E}">
+        <p14:creationId xmlns:p14="http://schemas.microsoft.com/office/powerpoint/2010/main" val="1592816699"/>
+      </p:ext>
+    </p:extLst>
+  </p:cSld>
+  <p:clrMapOvr>
+    <a:masterClrMapping/>
+  </p:clrMapOvr>
+</p:sld>
+</file>
+
+<file path=ppt/slides/slide6.xml><?xml version="1.0" encoding="utf-8"?>
+<p:sld xmlns:a="http://schemas.openxmlformats.org/drawingml/2006/main" xmlns:r="http://schemas.openxmlformats.org/officeDocument/2006/relationships" xmlns:p="http://schemas.openxmlformats.org/presentationml/2006/main">
+  <p:cSld>
+    <p:spTree>
+      <p:nvGrpSpPr>
+        <p:cNvPr id="1" name=""/>
+        <p:cNvGrpSpPr/>
+        <p:nvPr/>
+      </p:nvGrpSpPr>
+      <p:grpSpPr>
+        <a:xfrm>
+          <a:off x="0" y="0"/>
+          <a:ext cx="0" cy="0"/>
+          <a:chOff x="0" y="0"/>
+          <a:chExt cx="0" cy="0"/>
+        </a:xfrm>
+      </p:grpSpPr>
+      <p:sp>
+        <p:nvSpPr>
+          <p:cNvPr id="2" name="Cím 1">
+            <a:extLst>
+              <a:ext uri="{FF2B5EF4-FFF2-40B4-BE49-F238E27FC236}">
+                <a16:creationId xmlns:a16="http://schemas.microsoft.com/office/drawing/2014/main" id="{CD61F941-FFC1-44DC-961F-AC96DB63EA04}"/>
+              </a:ext>
+            </a:extLst>
+          </p:cNvPr>
+          <p:cNvSpPr>
+            <a:spLocks noGrp="1"/>
+          </p:cNvSpPr>
+          <p:nvPr>
+            <p:ph type="title"/>
+          </p:nvPr>
+        </p:nvSpPr>
+        <p:spPr/>
+        <p:txBody>
+          <a:bodyPr/>
+          <a:lstStyle/>
+          <a:p>
+            <a:r>
+              <a:rPr lang="hu-HU" dirty="0">
+                <a:latin typeface="Helvetica" panose="020B0604020202020204" pitchFamily="34" charset="0"/>
+                <a:cs typeface="Helvetica" panose="020B0604020202020204" pitchFamily="34" charset="0"/>
+              </a:rPr>
               <a:t>SortElements</a:t>
             </a:r>
             <a:endParaRPr lang="en-GB" dirty="0">
@@ -5130,7 +5343,7 @@
           <a:p>
             <a:fld id="{A02811C3-B397-4C0C-B0F8-7534EDBE35B7}" type="slidenum">
               <a:rPr lang="en-GB" smtClean="0"/>
-              <a:t>5</a:t>
+              <a:t>6</a:t>
             </a:fld>
             <a:endParaRPr lang="en-GB"/>
           </a:p>
@@ -5476,7 +5689,7 @@
 </p:sld>
 </file>
 
-<file path=ppt/slides/slide6.xml><?xml version="1.0" encoding="utf-8"?>
+<file path=ppt/slides/slide7.xml><?xml version="1.0" encoding="utf-8"?>
 <p:sld xmlns:a="http://schemas.openxmlformats.org/drawingml/2006/main" xmlns:r="http://schemas.openxmlformats.org/officeDocument/2006/relationships" xmlns:p="http://schemas.openxmlformats.org/presentationml/2006/main">
   <p:cSld>
     <p:spTree>
@@ -5658,7 +5871,7 @@
           <a:p>
             <a:fld id="{A02811C3-B397-4C0C-B0F8-7534EDBE35B7}" type="slidenum">
               <a:rPr lang="en-GB" smtClean="0"/>
-              <a:t>6</a:t>
+              <a:t>7</a:t>
             </a:fld>
             <a:endParaRPr lang="en-GB"/>
           </a:p>
@@ -5707,7 +5920,7 @@
 </p:sld>
 </file>
 
-<file path=ppt/slides/slide7.xml><?xml version="1.0" encoding="utf-8"?>
+<file path=ppt/slides/slide8.xml><?xml version="1.0" encoding="utf-8"?>
 <p:sld xmlns:a="http://schemas.openxmlformats.org/drawingml/2006/main" xmlns:r="http://schemas.openxmlformats.org/officeDocument/2006/relationships" xmlns:p="http://schemas.openxmlformats.org/presentationml/2006/main">
   <p:cSld>
     <p:spTree>
@@ -5876,7 +6089,7 @@
           <a:p>
             <a:fld id="{A02811C3-B397-4C0C-B0F8-7534EDBE35B7}" type="slidenum">
               <a:rPr lang="en-GB" smtClean="0"/>
-              <a:t>7</a:t>
+              <a:t>8</a:t>
             </a:fld>
             <a:endParaRPr lang="en-GB"/>
           </a:p>
@@ -5916,233 +6129,6 @@
     <p:extLst>
       <p:ext uri="{BB962C8B-B14F-4D97-AF65-F5344CB8AC3E}">
         <p14:creationId xmlns:p14="http://schemas.microsoft.com/office/powerpoint/2010/main" val="1313336783"/>
-      </p:ext>
-    </p:extLst>
-  </p:cSld>
-  <p:clrMapOvr>
-    <a:masterClrMapping/>
-  </p:clrMapOvr>
-</p:sld>
-</file>
-
-<file path=ppt/slides/slide8.xml><?xml version="1.0" encoding="utf-8"?>
-<p:sld xmlns:a="http://schemas.openxmlformats.org/drawingml/2006/main" xmlns:r="http://schemas.openxmlformats.org/officeDocument/2006/relationships" xmlns:p="http://schemas.openxmlformats.org/presentationml/2006/main">
-  <p:cSld>
-    <p:spTree>
-      <p:nvGrpSpPr>
-        <p:cNvPr id="1" name=""/>
-        <p:cNvGrpSpPr/>
-        <p:nvPr/>
-      </p:nvGrpSpPr>
-      <p:grpSpPr>
-        <a:xfrm>
-          <a:off x="0" y="0"/>
-          <a:ext cx="0" cy="0"/>
-          <a:chOff x="0" y="0"/>
-          <a:chExt cx="0" cy="0"/>
-        </a:xfrm>
-      </p:grpSpPr>
-      <p:sp>
-        <p:nvSpPr>
-          <p:cNvPr id="2" name="Cím 1">
-            <a:extLst>
-              <a:ext uri="{FF2B5EF4-FFF2-40B4-BE49-F238E27FC236}">
-                <a16:creationId xmlns:a16="http://schemas.microsoft.com/office/drawing/2014/main" id="{CD61F941-FFC1-44DC-961F-AC96DB63EA04}"/>
-              </a:ext>
-            </a:extLst>
-          </p:cNvPr>
-          <p:cNvSpPr>
-            <a:spLocks noGrp="1"/>
-          </p:cNvSpPr>
-          <p:nvPr>
-            <p:ph type="title"/>
-          </p:nvPr>
-        </p:nvSpPr>
-        <p:spPr/>
-        <p:txBody>
-          <a:bodyPr/>
-          <a:lstStyle/>
-          <a:p>
-            <a:r>
-              <a:rPr lang="hu-HU" dirty="0">
-                <a:latin typeface="Helvetica" panose="020B0604020202020204" pitchFamily="34" charset="0"/>
-                <a:cs typeface="Helvetica" panose="020B0604020202020204" pitchFamily="34" charset="0"/>
-              </a:rPr>
-              <a:t>Tests</a:t>
-            </a:r>
-            <a:endParaRPr lang="en-GB" dirty="0">
-              <a:latin typeface="Helvetica" panose="020B0604020202020204" pitchFamily="34" charset="0"/>
-              <a:cs typeface="Helvetica" panose="020B0604020202020204" pitchFamily="34" charset="0"/>
-            </a:endParaRPr>
-          </a:p>
-        </p:txBody>
-      </p:sp>
-      <p:sp>
-        <p:nvSpPr>
-          <p:cNvPr id="3" name="Tartalom helye 2">
-            <a:extLst>
-              <a:ext uri="{FF2B5EF4-FFF2-40B4-BE49-F238E27FC236}">
-                <a16:creationId xmlns:a16="http://schemas.microsoft.com/office/drawing/2014/main" id="{4F088FF8-C589-487E-92A7-593551C60CA6}"/>
-              </a:ext>
-            </a:extLst>
-          </p:cNvPr>
-          <p:cNvSpPr>
-            <a:spLocks noGrp="1"/>
-          </p:cNvSpPr>
-          <p:nvPr>
-            <p:ph idx="1"/>
-          </p:nvPr>
-        </p:nvSpPr>
-        <p:spPr>
-          <a:xfrm>
-            <a:off x="822959" y="1845734"/>
-            <a:ext cx="3656275" cy="4023360"/>
-          </a:xfrm>
-        </p:spPr>
-        <p:txBody>
-          <a:bodyPr>
-            <a:normAutofit lnSpcReduction="10000"/>
-          </a:bodyPr>
-          <a:lstStyle/>
-          <a:p>
-            <a:r>
-              <a:rPr lang="hu-HU" sz="3200" dirty="0">
-                <a:latin typeface="Helvetica" panose="020B0604020202020204" pitchFamily="34" charset="0"/>
-                <a:cs typeface="Helvetica" panose="020B0604020202020204" pitchFamily="34" charset="0"/>
-              </a:rPr>
-              <a:t>Checks the winner hand and the combination value</a:t>
-            </a:r>
-          </a:p>
-          <a:p>
-            <a:r>
-              <a:rPr lang="hu-HU" sz="3200" dirty="0">
-                <a:latin typeface="Helvetica" panose="020B0604020202020204" pitchFamily="34" charset="0"/>
-                <a:cs typeface="Helvetica" panose="020B0604020202020204" pitchFamily="34" charset="0"/>
-              </a:rPr>
-              <a:t>Input lists represent the hands, each number on the right place represents a value or a suit (or a combination check)</a:t>
-            </a:r>
-          </a:p>
-        </p:txBody>
-      </p:sp>
-      <p:sp>
-        <p:nvSpPr>
-          <p:cNvPr id="4" name="Dátum helye 3">
-            <a:extLst>
-              <a:ext uri="{FF2B5EF4-FFF2-40B4-BE49-F238E27FC236}">
-                <a16:creationId xmlns:a16="http://schemas.microsoft.com/office/drawing/2014/main" id="{EEA0F499-9B51-49B5-AB2B-A3D6BC3AC196}"/>
-              </a:ext>
-            </a:extLst>
-          </p:cNvPr>
-          <p:cNvSpPr>
-            <a:spLocks noGrp="1"/>
-          </p:cNvSpPr>
-          <p:nvPr>
-            <p:ph type="dt" sz="half" idx="10"/>
-          </p:nvPr>
-        </p:nvSpPr>
-        <p:spPr/>
-        <p:txBody>
-          <a:bodyPr/>
-          <a:lstStyle/>
-          <a:p>
-            <a:r>
-              <a:rPr lang="en-GB"/>
-              <a:t>27/10/2017</a:t>
-            </a:r>
-          </a:p>
-        </p:txBody>
-      </p:sp>
-      <p:sp>
-        <p:nvSpPr>
-          <p:cNvPr id="5" name="Élőláb helye 4">
-            <a:extLst>
-              <a:ext uri="{FF2B5EF4-FFF2-40B4-BE49-F238E27FC236}">
-                <a16:creationId xmlns:a16="http://schemas.microsoft.com/office/drawing/2014/main" id="{2F219574-FA9E-4B0B-BB27-630EE6176F27}"/>
-              </a:ext>
-            </a:extLst>
-          </p:cNvPr>
-          <p:cNvSpPr>
-            <a:spLocks noGrp="1"/>
-          </p:cNvSpPr>
-          <p:nvPr>
-            <p:ph type="ftr" sz="quarter" idx="11"/>
-          </p:nvPr>
-        </p:nvSpPr>
-        <p:spPr/>
-        <p:txBody>
-          <a:bodyPr/>
-          <a:lstStyle/>
-          <a:p>
-            <a:r>
-              <a:rPr lang="en-GB"/>
-              <a:t>Boldizsár Kiss</a:t>
-            </a:r>
-          </a:p>
-        </p:txBody>
-      </p:sp>
-      <p:sp>
-        <p:nvSpPr>
-          <p:cNvPr id="6" name="Dia számának helye 5">
-            <a:extLst>
-              <a:ext uri="{FF2B5EF4-FFF2-40B4-BE49-F238E27FC236}">
-                <a16:creationId xmlns:a16="http://schemas.microsoft.com/office/drawing/2014/main" id="{93557138-C83E-44C2-B277-AEF051AAF237}"/>
-              </a:ext>
-            </a:extLst>
-          </p:cNvPr>
-          <p:cNvSpPr>
-            <a:spLocks noGrp="1"/>
-          </p:cNvSpPr>
-          <p:nvPr>
-            <p:ph type="sldNum" sz="quarter" idx="12"/>
-          </p:nvPr>
-        </p:nvSpPr>
-        <p:spPr/>
-        <p:txBody>
-          <a:bodyPr/>
-          <a:lstStyle/>
-          <a:p>
-            <a:fld id="{A02811C3-B397-4C0C-B0F8-7534EDBE35B7}" type="slidenum">
-              <a:rPr lang="en-GB" smtClean="0"/>
-              <a:t>8</a:t>
-            </a:fld>
-            <a:endParaRPr lang="en-GB"/>
-          </a:p>
-        </p:txBody>
-      </p:sp>
-      <p:pic>
-        <p:nvPicPr>
-          <p:cNvPr id="7" name="Kép 6">
-            <a:extLst>
-              <a:ext uri="{FF2B5EF4-FFF2-40B4-BE49-F238E27FC236}">
-                <a16:creationId xmlns:a16="http://schemas.microsoft.com/office/drawing/2014/main" id="{9EB3B581-182C-4638-9A26-5165EDAA7C4F}"/>
-              </a:ext>
-            </a:extLst>
-          </p:cNvPr>
-          <p:cNvPicPr>
-            <a:picLocks noChangeAspect="1"/>
-          </p:cNvPicPr>
-          <p:nvPr/>
-        </p:nvPicPr>
-        <p:blipFill>
-          <a:blip r:embed="rId2"/>
-          <a:stretch>
-            <a:fillRect/>
-          </a:stretch>
-        </p:blipFill>
-        <p:spPr>
-          <a:xfrm>
-            <a:off x="5001956" y="1845734"/>
-            <a:ext cx="3364805" cy="4023360"/>
-          </a:xfrm>
-          <a:prstGeom prst="rect">
-            <a:avLst/>
-          </a:prstGeom>
-        </p:spPr>
-      </p:pic>
-    </p:spTree>
-    <p:extLst>
-      <p:ext uri="{BB962C8B-B14F-4D97-AF65-F5344CB8AC3E}">
-        <p14:creationId xmlns:p14="http://schemas.microsoft.com/office/powerpoint/2010/main" val="481650344"/>
       </p:ext>
     </p:extLst>
   </p:cSld>

--- a/week07/day04/demo/ppt-w07.pptx
+++ b/week07/day04/demo/ppt-w07.pptx
@@ -4245,11 +4245,18 @@
           <a:p>
             <a:pPr algn="ctr"/>
             <a:r>
+              <a:rPr lang="hu-HU" dirty="0" err="1">
+                <a:latin typeface="Helvetica" panose="020B0604020202020204" pitchFamily="34" charset="0"/>
+                <a:cs typeface="Helvetica" panose="020B0604020202020204" pitchFamily="34" charset="0"/>
+              </a:rPr>
+              <a:t>BoldizSár</a:t>
+            </a:r>
+            <a:r>
               <a:rPr lang="hu-HU" dirty="0">
                 <a:latin typeface="Helvetica" panose="020B0604020202020204" pitchFamily="34" charset="0"/>
                 <a:cs typeface="Helvetica" panose="020B0604020202020204" pitchFamily="34" charset="0"/>
               </a:rPr>
-              <a:t>Boldizár Kiss</a:t>
+              <a:t> Kiss</a:t>
             </a:r>
             <a:endParaRPr lang="en-GB" dirty="0">
               <a:latin typeface="Helvetica" panose="020B0604020202020204" pitchFamily="34" charset="0"/>
@@ -4851,7 +4858,7 @@
         </p:spPr>
         <p:txBody>
           <a:bodyPr>
-            <a:normAutofit lnSpcReduction="10000"/>
+            <a:normAutofit fontScale="92500" lnSpcReduction="10000"/>
           </a:bodyPr>
           <a:lstStyle/>
           <a:p>
@@ -4869,7 +4876,7 @@
                 <a:latin typeface="Helvetica" panose="020B0604020202020204" pitchFamily="34" charset="0"/>
                 <a:cs typeface="Helvetica" panose="020B0604020202020204" pitchFamily="34" charset="0"/>
               </a:rPr>
-              <a:t>Input lists represent the hands, each number on the right place represents a value or a suit (or a combination check)</a:t>
+              <a:t>Input lists represent the hands, each number on the right place represents a value, a suit, and a combination check digit (later)</a:t>
             </a:r>
           </a:p>
         </p:txBody>
